--- a/2. Simple-Calculations/2. Simple-Calculations.pptx
+++ b/2. Simple-Calculations/2. Simple-Calculations.pptx
@@ -5193,39 +5193,8 @@
                 <a:latin typeface="Consolas" pitchFamily="49" charset="0"/>
                 <a:cs typeface="Consolas" pitchFamily="49" charset="0"/>
               </a:rPr>
-              <a:t> </a:t>
-            </a:r>
-            <a:r>
-              <a:rPr lang="en-US" sz="2800" b="1" noProof="1" smtClean="0">
-                <a:solidFill>
-                  <a:srgbClr val="FBEEDC"/>
-                </a:solidFill>
-                <a:effectLst>
-                  <a:outerShdw blurRad="38100" dist="38100" dir="2700000" algn="tl">
-                    <a:srgbClr val="000000">
-                      <a:alpha val="43137"/>
-                    </a:srgbClr>
-                  </a:outerShdw>
-                </a:effectLst>
-                <a:latin typeface="Consolas" pitchFamily="49" charset="0"/>
-                <a:cs typeface="Consolas" pitchFamily="49" charset="0"/>
-              </a:rPr>
-              <a:t>b</a:t>
-            </a:r>
-            <a:endParaRPr lang="en-US" sz="2800" b="1" noProof="1" smtClean="0">
-              <a:solidFill>
-                <a:srgbClr val="FBEEDC"/>
-              </a:solidFill>
-              <a:effectLst>
-                <a:outerShdw blurRad="38100" dist="38100" dir="2700000" algn="tl">
-                  <a:srgbClr val="000000">
-                    <a:alpha val="43137"/>
-                  </a:srgbClr>
-                </a:outerShdw>
-              </a:effectLst>
-              <a:latin typeface="Consolas" pitchFamily="49" charset="0"/>
-              <a:cs typeface="Consolas" pitchFamily="49" charset="0"/>
-            </a:endParaRPr>
+              <a:t> b</a:t>
+            </a:r>
           </a:p>
           <a:p>
             <a:pPr eaLnBrk="0" hangingPunct="0">
@@ -5252,24 +5221,7 @@
                 <a:latin typeface="Consolas" pitchFamily="49" charset="0"/>
                 <a:cs typeface="Consolas" pitchFamily="49" charset="0"/>
               </a:rPr>
-              <a:t>print(result</a:t>
-            </a:r>
-            <a:r>
-              <a:rPr lang="en-US" sz="2800" b="1" noProof="1" smtClean="0">
-                <a:solidFill>
-                  <a:srgbClr val="FBEEDC"/>
-                </a:solidFill>
-                <a:effectLst>
-                  <a:outerShdw blurRad="38100" dist="38100" dir="2700000" algn="tl">
-                    <a:srgbClr val="000000">
-                      <a:alpha val="43137"/>
-                    </a:srgbClr>
-                  </a:outerShdw>
-                </a:effectLst>
-                <a:latin typeface="Consolas" pitchFamily="49" charset="0"/>
-                <a:cs typeface="Consolas" pitchFamily="49" charset="0"/>
-              </a:rPr>
-              <a:t>)</a:t>
+              <a:t>print(result)</a:t>
             </a:r>
             <a:endParaRPr lang="nn-NO" sz="2800" b="1" noProof="1">
               <a:solidFill>
@@ -5306,6 +5258,13 @@
       <p:transition/>
     </mc:Fallback>
   </mc:AlternateContent>
+  <p:timing>
+    <p:tnLst>
+      <p:par>
+        <p:cTn id="1" dur="indefinite" restart="never" nodeType="tmRoot"/>
+      </p:par>
+    </p:tnLst>
+  </p:timing>
 </p:sld>
 </file>
 
@@ -5802,39 +5761,8 @@
                 <a:latin typeface="Consolas" pitchFamily="49" charset="0"/>
                 <a:cs typeface="Consolas" pitchFamily="49" charset="0"/>
               </a:rPr>
-              <a:t>a = </a:t>
-            </a:r>
-            <a:r>
-              <a:rPr lang="nn-NO" sz="2800" b="1" noProof="1" smtClean="0">
-                <a:solidFill>
-                  <a:srgbClr val="FBEEDC"/>
-                </a:solidFill>
-                <a:effectLst>
-                  <a:outerShdw blurRad="38100" dist="38100" dir="2700000" algn="tl">
-                    <a:srgbClr val="000000">
-                      <a:alpha val="43137"/>
-                    </a:srgbClr>
-                  </a:outerShdw>
-                </a:effectLst>
-                <a:latin typeface="Consolas" pitchFamily="49" charset="0"/>
-                <a:cs typeface="Consolas" pitchFamily="49" charset="0"/>
-              </a:rPr>
-              <a:t>27</a:t>
-            </a:r>
-            <a:endParaRPr lang="nn-NO" sz="2800" b="1" noProof="1" smtClean="0">
-              <a:solidFill>
-                <a:srgbClr val="FBEEDC"/>
-              </a:solidFill>
-              <a:effectLst>
-                <a:outerShdw blurRad="38100" dist="38100" dir="2700000" algn="tl">
-                  <a:srgbClr val="000000">
-                    <a:alpha val="43137"/>
-                  </a:srgbClr>
-                </a:outerShdw>
-              </a:effectLst>
-              <a:latin typeface="Consolas" pitchFamily="49" charset="0"/>
-              <a:cs typeface="Consolas" pitchFamily="49" charset="0"/>
-            </a:endParaRPr>
+              <a:t>a = 27</a:t>
+            </a:r>
           </a:p>
           <a:p>
             <a:pPr eaLnBrk="0" hangingPunct="0">
@@ -7721,11 +7649,7 @@
             </a:pPr>
             <a:r>
               <a:rPr lang="bg-BG" dirty="0" smtClean="0"/>
-              <a:t>Пример: Изчисляване </a:t>
-            </a:r>
-            <a:r>
-              <a:rPr lang="bg-BG" dirty="0" smtClean="0"/>
-              <a:t>на </a:t>
+              <a:t>Пример: Изчисляване на </a:t>
             </a:r>
             <a:r>
               <a:rPr lang="bg-BG" dirty="0" smtClean="0">
@@ -8925,24 +8849,7 @@
                 <a:latin typeface="Consolas" pitchFamily="49" charset="0"/>
                 <a:cs typeface="Consolas" pitchFamily="49" charset="0"/>
               </a:rPr>
-              <a:t>print("Area = </a:t>
-            </a:r>
-            <a:r>
-              <a:rPr lang="it-IT" sz="2800" b="1" noProof="1" smtClean="0">
-                <a:solidFill>
-                  <a:srgbClr val="FBEEDC"/>
-                </a:solidFill>
-                <a:effectLst>
-                  <a:outerShdw blurRad="38100" dist="38100" dir="2700000" algn="tl">
-                    <a:srgbClr val="000000">
-                      <a:alpha val="43137"/>
-                    </a:srgbClr>
-                  </a:outerShdw>
-                </a:effectLst>
-                <a:latin typeface="Consolas" pitchFamily="49" charset="0"/>
-                <a:cs typeface="Consolas" pitchFamily="49" charset="0"/>
-              </a:rPr>
-              <a:t>"</a:t>
+              <a:t>print("Area = "</a:t>
             </a:r>
             <a:r>
               <a:rPr lang="bg-BG" sz="2800" b="1" noProof="1" smtClean="0">
@@ -9033,20 +8940,6 @@
               </a:rPr>
               <a:t>))</a:t>
             </a:r>
-            <a:endParaRPr lang="it-IT" sz="2800" b="1" noProof="1" smtClean="0">
-              <a:solidFill>
-                <a:srgbClr val="FBEEDC"/>
-              </a:solidFill>
-              <a:effectLst>
-                <a:outerShdw blurRad="38100" dist="38100" dir="2700000" algn="tl">
-                  <a:srgbClr val="000000">
-                    <a:alpha val="43137"/>
-                  </a:srgbClr>
-                </a:outerShdw>
-              </a:effectLst>
-              <a:latin typeface="Consolas" pitchFamily="49" charset="0"/>
-              <a:cs typeface="Consolas" pitchFamily="49" charset="0"/>
-            </a:endParaRPr>
           </a:p>
           <a:p>
             <a:pPr eaLnBrk="0" hangingPunct="0">
@@ -9129,26 +9022,7 @@
                 <a:latin typeface="Consolas" pitchFamily="49" charset="0"/>
                 <a:cs typeface="Consolas" pitchFamily="49" charset="0"/>
               </a:rPr>
-              <a:t>2 </a:t>
-            </a:r>
-            <a:r>
-              <a:rPr lang="it-IT" sz="2800" b="1" noProof="1" smtClean="0">
-                <a:solidFill>
-                  <a:schemeClr val="tx2">
-                    <a:lumMod val="75000"/>
-                  </a:schemeClr>
-                </a:solidFill>
-                <a:effectLst>
-                  <a:outerShdw blurRad="38100" dist="38100" dir="2700000" algn="tl">
-                    <a:srgbClr val="000000">
-                      <a:alpha val="43137"/>
-                    </a:srgbClr>
-                  </a:outerShdw>
-                </a:effectLst>
-                <a:latin typeface="Consolas" pitchFamily="49" charset="0"/>
-                <a:cs typeface="Consolas" pitchFamily="49" charset="0"/>
-              </a:rPr>
-              <a:t>* math.pi * r</a:t>
+              <a:t>2 * math.pi * r</a:t>
             </a:r>
             <a:r>
               <a:rPr lang="it-IT" sz="2800" b="1" noProof="1" smtClean="0">
@@ -10509,7 +10383,7 @@
       </p:pic>
       <p:pic>
         <p:nvPicPr>
-          <p:cNvPr id="8" name="Picture 7"/>
+          <p:cNvPr id="11" name="Picture 10"/>
           <p:cNvPicPr>
             <a:picLocks noChangeAspect="1"/>
           </p:cNvPicPr>
@@ -10517,37 +10391,6 @@
         </p:nvPicPr>
         <p:blipFill>
           <a:blip r:embed="rId3"/>
-          <a:stretch>
-            <a:fillRect/>
-          </a:stretch>
-        </p:blipFill>
-        <p:spPr>
-          <a:xfrm>
-            <a:off x="4899876" y="655228"/>
-            <a:ext cx="4699736" cy="1885637"/>
-          </a:xfrm>
-          <a:prstGeom prst="rect">
-            <a:avLst/>
-          </a:prstGeom>
-          <a:effectLst>
-            <a:outerShdw blurRad="63500" sx="102000" sy="102000" algn="ctr" rotWithShape="0">
-              <a:prstClr val="black">
-                <a:alpha val="40000"/>
-              </a:prstClr>
-            </a:outerShdw>
-          </a:effectLst>
-        </p:spPr>
-      </p:pic>
-      <p:pic>
-        <p:nvPicPr>
-          <p:cNvPr id="11" name="Picture 10"/>
-          <p:cNvPicPr>
-            <a:picLocks noChangeAspect="1"/>
-          </p:cNvPicPr>
-          <p:nvPr/>
-        </p:nvPicPr>
-        <p:blipFill>
-          <a:blip r:embed="rId4"/>
           <a:stretch>
             <a:fillRect/>
           </a:stretch>
@@ -10573,71 +10416,92 @@
       </p:pic>
       <p:pic>
         <p:nvPicPr>
-          <p:cNvPr id="2" name="Picture 1"/>
+          <p:cNvPr id="3" name="Картина 2"/>
           <p:cNvPicPr>
             <a:picLocks noChangeAspect="1"/>
           </p:cNvPicPr>
           <p:nvPr/>
         </p:nvPicPr>
         <p:blipFill>
-          <a:blip r:embed="rId5"/>
+          <a:blip r:embed="rId4">
+            <a:extLst>
+              <a:ext uri="{28A0092B-C50C-407E-A947-70E740481C1C}">
+                <a14:useLocalDpi xmlns:a14="http://schemas.microsoft.com/office/drawing/2010/main" val="0"/>
+              </a:ext>
+            </a:extLst>
+          </a:blip>
           <a:stretch>
             <a:fillRect/>
           </a:stretch>
         </p:blipFill>
         <p:spPr>
           <a:xfrm>
-            <a:off x="3302610" y="2852000"/>
-            <a:ext cx="3782401" cy="1872400"/>
+            <a:off x="5103812" y="846909"/>
+            <a:ext cx="3713086" cy="1600200"/>
           </a:xfrm>
           <a:prstGeom prst="rect">
             <a:avLst/>
           </a:prstGeom>
-          <a:ln>
-            <a:solidFill>
-              <a:schemeClr val="tx1">
-                <a:lumMod val="50000"/>
-              </a:schemeClr>
-            </a:solidFill>
-          </a:ln>
         </p:spPr>
       </p:pic>
       <p:pic>
         <p:nvPicPr>
-          <p:cNvPr id="10" name="Picture 9"/>
+          <p:cNvPr id="4" name="Картина 3"/>
           <p:cNvPicPr>
             <a:picLocks noChangeAspect="1"/>
           </p:cNvPicPr>
           <p:nvPr/>
         </p:nvPicPr>
         <p:blipFill>
-          <a:blip r:embed="rId6"/>
+          <a:blip r:embed="rId5">
+            <a:extLst>
+              <a:ext uri="{28A0092B-C50C-407E-A947-70E740481C1C}">
+                <a14:useLocalDpi xmlns:a14="http://schemas.microsoft.com/office/drawing/2010/main" val="0"/>
+              </a:ext>
+            </a:extLst>
+          </a:blip>
           <a:stretch>
             <a:fillRect/>
           </a:stretch>
         </p:blipFill>
         <p:spPr>
           <a:xfrm>
-            <a:off x="5408611" y="2483382"/>
-            <a:ext cx="5638801" cy="1839454"/>
+            <a:off x="6559392" y="2092022"/>
+            <a:ext cx="4515012" cy="1519700"/>
           </a:xfrm>
           <a:prstGeom prst="rect">
             <a:avLst/>
           </a:prstGeom>
-          <a:ln>
-            <a:solidFill>
-              <a:schemeClr val="tx1">
-                <a:lumMod val="50000"/>
-              </a:schemeClr>
-            </a:solidFill>
-          </a:ln>
-          <a:effectLst>
-            <a:outerShdw blurRad="63500" sx="102000" sy="102000" algn="ctr" rotWithShape="0">
-              <a:prstClr val="black">
-                <a:alpha val="40000"/>
-              </a:prstClr>
-            </a:outerShdw>
-          </a:effectLst>
+        </p:spPr>
+      </p:pic>
+      <p:pic>
+        <p:nvPicPr>
+          <p:cNvPr id="9" name="Картина 8"/>
+          <p:cNvPicPr>
+            <a:picLocks noChangeAspect="1"/>
+          </p:cNvPicPr>
+          <p:nvPr/>
+        </p:nvPicPr>
+        <p:blipFill>
+          <a:blip r:embed="rId6">
+            <a:extLst>
+              <a:ext uri="{28A0092B-C50C-407E-A947-70E740481C1C}">
+                <a14:useLocalDpi xmlns:a14="http://schemas.microsoft.com/office/drawing/2010/main" val="0"/>
+              </a:ext>
+            </a:extLst>
+          </a:blip>
+          <a:stretch>
+            <a:fillRect/>
+          </a:stretch>
+        </p:blipFill>
+        <p:spPr>
+          <a:xfrm>
+            <a:off x="3659403" y="3132841"/>
+            <a:ext cx="4419600" cy="1746957"/>
+          </a:xfrm>
+          <a:prstGeom prst="rect">
+            <a:avLst/>
+          </a:prstGeom>
         </p:spPr>
       </p:pic>
     </p:spTree>
@@ -10979,24 +10843,7 @@
                 <a:latin typeface="Consolas" pitchFamily="49" charset="0"/>
                 <a:cs typeface="Consolas" pitchFamily="49" charset="0"/>
               </a:rPr>
-              <a:t> </a:t>
-            </a:r>
-            <a:r>
-              <a:rPr lang="nn-NO" sz="2800" b="1" noProof="1" smtClean="0">
-                <a:solidFill>
-                  <a:srgbClr val="FBEEDC"/>
-                </a:solidFill>
-                <a:effectLst>
-                  <a:outerShdw blurRad="38100" dist="38100" dir="2700000" algn="tl">
-                    <a:srgbClr val="000000">
-                      <a:alpha val="43137"/>
-                    </a:srgbClr>
-                  </a:outerShdw>
-                </a:effectLst>
-                <a:latin typeface="Consolas" pitchFamily="49" charset="0"/>
-                <a:cs typeface="Consolas" pitchFamily="49" charset="0"/>
-              </a:rPr>
-              <a:t>= </a:t>
+              <a:t> = </a:t>
             </a:r>
             <a:r>
               <a:rPr lang="nn-NO" sz="2800" b="1" noProof="1" smtClean="0">
@@ -11113,24 +10960,7 @@
                 <a:latin typeface="Consolas" pitchFamily="49" charset="0"/>
                 <a:cs typeface="Consolas" pitchFamily="49" charset="0"/>
               </a:rPr>
-              <a:t> </a:t>
-            </a:r>
-            <a:r>
-              <a:rPr lang="nn-NO" sz="2800" b="1" noProof="1" smtClean="0">
-                <a:solidFill>
-                  <a:srgbClr val="FBEEDC"/>
-                </a:solidFill>
-                <a:effectLst>
-                  <a:outerShdw blurRad="38100" dist="38100" dir="2700000" algn="tl">
-                    <a:srgbClr val="000000">
-                      <a:alpha val="43137"/>
-                    </a:srgbClr>
-                  </a:outerShdw>
-                </a:effectLst>
-                <a:latin typeface="Consolas" pitchFamily="49" charset="0"/>
-                <a:cs typeface="Consolas" pitchFamily="49" charset="0"/>
-              </a:rPr>
-              <a:t>= </a:t>
+              <a:t> = </a:t>
             </a:r>
             <a:r>
               <a:rPr lang="en-US" sz="2800" b="1" noProof="1" smtClean="0">
@@ -11319,24 +11149,7 @@
                 <a:latin typeface="Consolas" pitchFamily="49" charset="0"/>
                 <a:cs typeface="Consolas" pitchFamily="49" charset="0"/>
               </a:rPr>
-              <a:t> </a:t>
-            </a:r>
-            <a:r>
-              <a:rPr lang="bg-BG" sz="2800" b="1" noProof="1" smtClean="0">
-                <a:solidFill>
-                  <a:srgbClr val="FBEEDC"/>
-                </a:solidFill>
-                <a:effectLst>
-                  <a:outerShdw blurRad="38100" dist="38100" dir="2700000" algn="tl">
-                    <a:srgbClr val="000000">
-                      <a:alpha val="43137"/>
-                    </a:srgbClr>
-                  </a:outerShdw>
-                </a:effectLst>
-                <a:latin typeface="Consolas" pitchFamily="49" charset="0"/>
-                <a:cs typeface="Consolas" pitchFamily="49" charset="0"/>
-              </a:rPr>
-              <a:t>3</a:t>
+              <a:t> 3</a:t>
             </a:r>
             <a:endParaRPr lang="en-US" sz="2800" b="1" noProof="1">
               <a:solidFill>
@@ -11436,83 +11249,7 @@
                 <a:latin typeface="Consolas" pitchFamily="49" charset="0"/>
                 <a:cs typeface="Consolas" pitchFamily="49" charset="0"/>
               </a:rPr>
-              <a:t>str(3) + " + "</a:t>
-            </a:r>
-            <a:r>
-              <a:rPr lang="en-US" sz="2800" b="1" noProof="1" smtClean="0">
-                <a:solidFill>
-                  <a:schemeClr val="tx2">
-                    <a:lumMod val="75000"/>
-                  </a:schemeClr>
-                </a:solidFill>
-                <a:effectLst>
-                  <a:outerShdw blurRad="38100" dist="38100" dir="2700000" algn="tl">
-                    <a:srgbClr val="000000">
-                      <a:alpha val="43137"/>
-                    </a:srgbClr>
-                  </a:outerShdw>
-                </a:effectLst>
-                <a:latin typeface="Consolas" pitchFamily="49" charset="0"/>
-                <a:cs typeface="Consolas" pitchFamily="49" charset="0"/>
-              </a:rPr>
-              <a:t> + str(</a:t>
-            </a:r>
-            <a:r>
-              <a:rPr lang="en-US" sz="2800" b="1" noProof="1" smtClean="0">
-                <a:solidFill>
-                  <a:schemeClr val="tx2">
-                    <a:lumMod val="75000"/>
-                  </a:schemeClr>
-                </a:solidFill>
-                <a:effectLst>
-                  <a:outerShdw blurRad="38100" dist="38100" dir="2700000" algn="tl">
-                    <a:srgbClr val="000000">
-                      <a:alpha val="43137"/>
-                    </a:srgbClr>
-                  </a:outerShdw>
-                </a:effectLst>
-                <a:latin typeface="Consolas" pitchFamily="49" charset="0"/>
-                <a:cs typeface="Consolas" pitchFamily="49" charset="0"/>
-              </a:rPr>
-              <a:t>5) + " = " + str(3 </a:t>
-            </a:r>
-            <a:r>
-              <a:rPr lang="en-US" sz="2800" b="1" noProof="1" smtClean="0">
-                <a:solidFill>
-                  <a:schemeClr val="tx2">
-                    <a:lumMod val="75000"/>
-                  </a:schemeClr>
-                </a:solidFill>
-                <a:effectLst>
-                  <a:outerShdw blurRad="38100" dist="38100" dir="2700000" algn="tl">
-                    <a:srgbClr val="000000">
-                      <a:alpha val="43137"/>
-                    </a:srgbClr>
-                  </a:outerShdw>
-                </a:effectLst>
-                <a:latin typeface="Consolas" pitchFamily="49" charset="0"/>
-                <a:cs typeface="Consolas" pitchFamily="49" charset="0"/>
-              </a:rPr>
-              <a:t>+ 5</a:t>
-            </a:r>
-            <a:r>
-              <a:rPr lang="en-US" sz="2800" b="1" noProof="1" smtClean="0">
-                <a:solidFill>
-                  <a:schemeClr val="tx2">
-                    <a:lumMod val="75000"/>
-                  </a:schemeClr>
-                </a:solidFill>
-                <a:effectLst>
-                  <a:outerShdw blurRad="38100" dist="38100" dir="2700000" algn="tl">
-                    <a:srgbClr val="000000">
-                      <a:alpha val="43137"/>
-                    </a:srgbClr>
-                  </a:outerShdw>
-                </a:effectLst>
-                <a:latin typeface="Consolas" pitchFamily="49" charset="0"/>
-                <a:cs typeface="Consolas" pitchFamily="49" charset="0"/>
-              </a:rPr>
-              <a:t>)</a:t>
+              <a:t>str(3) + " + " + str(5) + " = " + str(3 + 5)</a:t>
             </a:r>
             <a:r>
               <a:rPr lang="en-US" sz="2800" b="1" noProof="1" smtClean="0">
@@ -12430,47 +12167,13 @@
             </a:r>
             <a:r>
               <a:rPr lang="bg-BG" dirty="0"/>
-              <a:t>с прости пресмятания с числа</a:t>
+              <a:t>с прости пресмятания с </a:t>
+            </a:r>
+            <a:r>
+              <a:rPr lang="bg-BG" dirty="0" smtClean="0"/>
+              <a:t>числа</a:t>
             </a:r>
             <a:endParaRPr lang="en-US" dirty="0"/>
-          </a:p>
-          <a:p>
-            <a:pPr marL="514350" lvl="0" indent="-514350">
-              <a:buFont typeface="+mj-lt"/>
-              <a:buAutoNum type="arabicPeriod"/>
-            </a:pPr>
-            <a:r>
-              <a:rPr lang="bg-BG" dirty="0"/>
-              <a:t>Конвертор от </a:t>
-            </a:r>
-            <a:r>
-              <a:rPr lang="en-US" dirty="0"/>
-              <a:t>BGN</a:t>
-            </a:r>
-            <a:r>
-              <a:rPr lang="bg-BG" dirty="0"/>
-              <a:t> </a:t>
-            </a:r>
-            <a:r>
-              <a:rPr lang="bg-BG" dirty="0" smtClean="0"/>
-              <a:t>към </a:t>
-            </a:r>
-            <a:r>
-              <a:rPr lang="en-US" dirty="0"/>
-              <a:t>EUR</a:t>
-            </a:r>
-            <a:r>
-              <a:rPr lang="bg-BG" dirty="0"/>
-              <a:t> </a:t>
-            </a:r>
-            <a:r>
-              <a:rPr lang="bg-BG" dirty="0" smtClean="0"/>
-              <a:t>за </a:t>
-            </a:r>
-            <a:r>
-              <a:rPr lang="en-US" dirty="0"/>
-              <a:t>Windows</a:t>
-            </a:r>
           </a:p>
         </p:txBody>
       </p:sp>
@@ -16138,26 +15841,7 @@
                 <a:latin typeface="Consolas" pitchFamily="49" charset="0"/>
                 <a:cs typeface="Consolas" pitchFamily="49" charset="0"/>
               </a:rPr>
-              <a:t>input</a:t>
-            </a:r>
-            <a:r>
-              <a:rPr lang="it-IT" sz="2800" b="1" noProof="1" smtClean="0">
-                <a:solidFill>
-                  <a:schemeClr val="tx2">
-                    <a:lumMod val="75000"/>
-                  </a:schemeClr>
-                </a:solidFill>
-                <a:effectLst>
-                  <a:outerShdw blurRad="38100" dist="38100" dir="2700000" algn="tl">
-                    <a:srgbClr val="000000">
-                      <a:alpha val="43137"/>
-                    </a:srgbClr>
-                  </a:outerShdw>
-                </a:effectLst>
-                <a:latin typeface="Consolas" pitchFamily="49" charset="0"/>
-                <a:cs typeface="Consolas" pitchFamily="49" charset="0"/>
-              </a:rPr>
-              <a:t>()</a:t>
+              <a:t>input()</a:t>
             </a:r>
             <a:endParaRPr lang="it-IT" sz="2800" b="1" noProof="1">
               <a:solidFill>
@@ -16241,6 +15925,23 @@
               <a:t>"Hello, </a:t>
             </a:r>
             <a:r>
+              <a:rPr lang="it-IT" sz="2800" b="1" noProof="1" smtClean="0">
+                <a:solidFill>
+                  <a:srgbClr val="FBEEDC"/>
+                </a:solidFill>
+                <a:effectLst>
+                  <a:outerShdw blurRad="38100" dist="38100" dir="2700000" algn="tl">
+                    <a:srgbClr val="000000">
+                      <a:alpha val="43137"/>
+                    </a:srgbClr>
+                  </a:outerShdw>
+                </a:effectLst>
+                <a:latin typeface="Consolas" pitchFamily="49" charset="0"/>
+                <a:cs typeface="Consolas" pitchFamily="49" charset="0"/>
+              </a:rPr>
+              <a:t>" + </a:t>
+            </a:r>
+            <a:r>
               <a:rPr lang="it-IT" sz="2800" b="1" noProof="1">
                 <a:solidFill>
                   <a:srgbClr val="FBEEDC"/>
@@ -16255,7 +15956,7 @@
                 <a:latin typeface="Consolas" pitchFamily="49" charset="0"/>
                 <a:cs typeface="Consolas" pitchFamily="49" charset="0"/>
               </a:rPr>
-              <a:t>+ name + </a:t>
+              <a:t>name + </a:t>
             </a:r>
             <a:r>
               <a:rPr lang="it-IT" sz="2800" b="1" noProof="1" smtClean="0">
@@ -17164,8 +16865,22 @@
                 <a:latin typeface="Consolas" pitchFamily="49" charset="0"/>
                 <a:cs typeface="Consolas" pitchFamily="49" charset="0"/>
               </a:rPr>
-              <a:t>a"</a:t>
-            </a:r>
+              <a:t>a "</a:t>
+            </a:r>
+            <a:endParaRPr lang="it-IT" sz="2800" b="1" noProof="1" smtClean="0">
+              <a:solidFill>
+                <a:srgbClr val="FBEEDC"/>
+              </a:solidFill>
+              <a:effectLst>
+                <a:outerShdw blurRad="38100" dist="38100" dir="2700000" algn="tl">
+                  <a:srgbClr val="000000">
+                    <a:alpha val="43137"/>
+                  </a:srgbClr>
+                </a:outerShdw>
+              </a:effectLst>
+              <a:latin typeface="Consolas" pitchFamily="49" charset="0"/>
+              <a:cs typeface="Consolas" pitchFamily="49" charset="0"/>
+            </a:endParaRPr>
           </a:p>
           <a:p>
             <a:pPr eaLnBrk="0" hangingPunct="0">
@@ -17512,43 +17227,6 @@
           <a:chExt cx="0" cy="0"/>
         </a:xfrm>
       </p:grpSpPr>
-      <p:pic>
-        <p:nvPicPr>
-          <p:cNvPr id="9" name="Picture 8"/>
-          <p:cNvPicPr>
-            <a:picLocks noChangeAspect="1"/>
-          </p:cNvPicPr>
-          <p:nvPr/>
-        </p:nvPicPr>
-        <p:blipFill>
-          <a:blip r:embed="rId2"/>
-          <a:stretch>
-            <a:fillRect/>
-          </a:stretch>
-        </p:blipFill>
-        <p:spPr>
-          <a:xfrm rot="165279">
-            <a:off x="1056949" y="621380"/>
-            <a:ext cx="5018930" cy="1385432"/>
-          </a:xfrm>
-          <a:prstGeom prst="rect">
-            <a:avLst/>
-          </a:prstGeom>
-          <a:effectLst>
-            <a:outerShdw blurRad="63500" sx="102000" sy="102000" algn="ctr" rotWithShape="0">
-              <a:prstClr val="black">
-                <a:alpha val="40000"/>
-              </a:prstClr>
-            </a:outerShdw>
-          </a:effectLst>
-          <a:scene3d>
-            <a:camera prst="perspectiveHeroicExtremeRightFacing">
-              <a:rot lat="449630" lon="20136790" rev="256842"/>
-            </a:camera>
-            <a:lightRig rig="threePt" dir="t"/>
-          </a:scene3d>
-        </p:spPr>
-      </p:pic>
       <p:sp>
         <p:nvSpPr>
           <p:cNvPr id="5" name="Title 4"/>
@@ -17615,181 +17293,137 @@
       </p:sp>
       <p:pic>
         <p:nvPicPr>
-          <p:cNvPr id="3" name="Picture 2"/>
+          <p:cNvPr id="11" name="Картина 10"/>
           <p:cNvPicPr>
             <a:picLocks noChangeAspect="1"/>
           </p:cNvPicPr>
           <p:nvPr/>
         </p:nvPicPr>
         <p:blipFill>
-          <a:blip r:embed="rId3"/>
+          <a:blip r:embed="rId2">
+            <a:extLst>
+              <a:ext uri="{28A0092B-C50C-407E-A947-70E740481C1C}">
+                <a14:useLocalDpi xmlns:a14="http://schemas.microsoft.com/office/drawing/2010/main" val="0"/>
+              </a:ext>
+            </a:extLst>
+          </a:blip>
           <a:stretch>
             <a:fillRect/>
           </a:stretch>
         </p:blipFill>
         <p:spPr>
-          <a:xfrm rot="331835">
-            <a:off x="3956717" y="1148417"/>
-            <a:ext cx="5692770" cy="1617838"/>
+          <a:xfrm>
+            <a:off x="531812" y="2311901"/>
+            <a:ext cx="4037880" cy="1400232"/>
           </a:xfrm>
           <a:prstGeom prst="rect">
             <a:avLst/>
           </a:prstGeom>
-          <a:effectLst>
-            <a:outerShdw blurRad="63500" sx="102000" sy="102000" algn="ctr" rotWithShape="0">
-              <a:prstClr val="black">
-                <a:alpha val="40000"/>
-              </a:prstClr>
-            </a:outerShdw>
-          </a:effectLst>
+          <a:ln>
+            <a:noFill/>
+          </a:ln>
+          <a:effectLst/>
           <a:scene3d>
-            <a:camera prst="perspectiveHeroicExtremeRightFacing">
-              <a:rot lat="449630" lon="20136790" rev="256842"/>
+            <a:camera prst="perspectiveContrastingLeftFacing">
+              <a:rot lat="300000" lon="19800000" rev="0"/>
             </a:camera>
-            <a:lightRig rig="threePt" dir="t"/>
+            <a:lightRig rig="threePt" dir="t">
+              <a:rot lat="0" lon="0" rev="2700000"/>
+            </a:lightRig>
           </a:scene3d>
+          <a:sp3d>
+            <a:bevelT w="63500" h="50800"/>
+          </a:sp3d>
         </p:spPr>
       </p:pic>
       <p:pic>
         <p:nvPicPr>
-          <p:cNvPr id="4" name="Picture 3"/>
+          <p:cNvPr id="12" name="Картина 11"/>
           <p:cNvPicPr>
             <a:picLocks noChangeAspect="1"/>
           </p:cNvPicPr>
           <p:nvPr/>
         </p:nvPicPr>
         <p:blipFill>
-          <a:blip r:embed="rId4"/>
+          <a:blip r:embed="rId3">
+            <a:extLst>
+              <a:ext uri="{28A0092B-C50C-407E-A947-70E740481C1C}">
+                <a14:useLocalDpi xmlns:a14="http://schemas.microsoft.com/office/drawing/2010/main" val="0"/>
+              </a:ext>
+            </a:extLst>
+          </a:blip>
           <a:stretch>
             <a:fillRect/>
           </a:stretch>
         </p:blipFill>
         <p:spPr>
           <a:xfrm>
-            <a:off x="1549100" y="2304279"/>
-            <a:ext cx="5562600" cy="1590675"/>
+            <a:off x="2894012" y="1632697"/>
+            <a:ext cx="4230896" cy="1503541"/>
           </a:xfrm>
           <a:prstGeom prst="rect">
             <a:avLst/>
           </a:prstGeom>
-          <a:effectLst>
-            <a:outerShdw blurRad="63500" sx="102000" sy="102000" algn="ctr" rotWithShape="0">
-              <a:prstClr val="black">
-                <a:alpha val="40000"/>
-              </a:prstClr>
-            </a:outerShdw>
-          </a:effectLst>
-          <a:scene3d>
-            <a:camera prst="perspectiveHeroicExtremeRightFacing">
-              <a:rot lat="449630" lon="20136790" rev="256842"/>
-            </a:camera>
-            <a:lightRig rig="threePt" dir="t"/>
-          </a:scene3d>
+          <a:solidFill>
+            <a:srgbClr val="FFFFFF">
+              <a:shade val="85000"/>
+            </a:srgbClr>
+          </a:solidFill>
+          <a:ln w="88900" cap="sq">
+            <a:noFill/>
+            <a:miter lim="800000"/>
+          </a:ln>
+          <a:effectLst/>
         </p:spPr>
       </p:pic>
       <p:pic>
         <p:nvPicPr>
-          <p:cNvPr id="8" name="Picture 7"/>
+          <p:cNvPr id="13" name="Картина 12"/>
           <p:cNvPicPr>
             <a:picLocks noChangeAspect="1"/>
           </p:cNvPicPr>
           <p:nvPr/>
         </p:nvPicPr>
         <p:blipFill>
-          <a:blip r:embed="rId5"/>
+          <a:blip r:embed="rId4">
+            <a:extLst>
+              <a:ext uri="{28A0092B-C50C-407E-A947-70E740481C1C}">
+                <a14:useLocalDpi xmlns:a14="http://schemas.microsoft.com/office/drawing/2010/main" val="0"/>
+              </a:ext>
+            </a:extLst>
+          </a:blip>
           <a:stretch>
             <a:fillRect/>
           </a:stretch>
         </p:blipFill>
         <p:spPr>
-          <a:xfrm rot="21362474">
-            <a:off x="5174306" y="2485273"/>
-            <a:ext cx="5448300" cy="1457325"/>
+          <a:xfrm>
+            <a:off x="5408612" y="1781974"/>
+            <a:ext cx="5444453" cy="2460086"/>
           </a:xfrm>
           <a:prstGeom prst="rect">
             <a:avLst/>
           </a:prstGeom>
-          <a:effectLst>
-            <a:outerShdw blurRad="63500" sx="102000" sy="102000" algn="ctr" rotWithShape="0">
-              <a:prstClr val="black">
-                <a:alpha val="40000"/>
-              </a:prstClr>
-            </a:outerShdw>
-          </a:effectLst>
+          <a:solidFill>
+            <a:srgbClr val="FFFFFF">
+              <a:shade val="85000"/>
+            </a:srgbClr>
+          </a:solidFill>
+          <a:ln w="190500" cap="rnd">
+            <a:noFill/>
+          </a:ln>
+          <a:effectLst/>
           <a:scene3d>
-            <a:camera prst="perspectiveHeroicExtremeLeftFacing">
-              <a:rot lat="425555" lon="1161734" rev="21304858"/>
+            <a:camera prst="perspectiveContrastingLeftFacing">
+              <a:rot lat="300000" lon="1800000" rev="0"/>
             </a:camera>
-            <a:lightRig rig="threePt" dir="t"/>
+            <a:lightRig rig="soft" dir="t"/>
           </a:scene3d>
-        </p:spPr>
-      </p:pic>
-      <p:pic>
-        <p:nvPicPr>
-          <p:cNvPr id="7" name="Picture 6"/>
-          <p:cNvPicPr>
-            <a:picLocks noChangeAspect="1"/>
-          </p:cNvPicPr>
-          <p:nvPr/>
-        </p:nvPicPr>
-        <p:blipFill>
-          <a:blip r:embed="rId6"/>
-          <a:stretch>
-            <a:fillRect/>
-          </a:stretch>
-        </p:blipFill>
-        <p:spPr>
-          <a:xfrm rot="345859">
-            <a:off x="3426084" y="3338615"/>
-            <a:ext cx="4775978" cy="1276096"/>
-          </a:xfrm>
-          <a:prstGeom prst="rect">
-            <a:avLst/>
-          </a:prstGeom>
-          <a:effectLst>
-            <a:outerShdw blurRad="63500" sx="102000" sy="102000" algn="ctr" rotWithShape="0">
-              <a:prstClr val="black">
-                <a:alpha val="40000"/>
-              </a:prstClr>
-            </a:outerShdw>
-          </a:effectLst>
-          <a:scene3d>
-            <a:camera prst="perspectiveHeroicExtremeRightFacing">
-              <a:rot lat="449630" lon="20136790" rev="256842"/>
-            </a:camera>
-            <a:lightRig rig="threePt" dir="t"/>
-          </a:scene3d>
-        </p:spPr>
-      </p:pic>
-      <p:pic>
-        <p:nvPicPr>
-          <p:cNvPr id="10" name="Picture 9"/>
-          <p:cNvPicPr>
-            <a:picLocks noChangeAspect="1"/>
-          </p:cNvPicPr>
-          <p:nvPr/>
-        </p:nvPicPr>
-        <p:blipFill>
-          <a:blip r:embed="rId7"/>
-          <a:stretch>
-            <a:fillRect/>
-          </a:stretch>
-        </p:blipFill>
-        <p:spPr>
-          <a:xfrm rot="652581">
-            <a:off x="6218956" y="697151"/>
-            <a:ext cx="5298339" cy="1581213"/>
-          </a:xfrm>
-          <a:prstGeom prst="rect">
-            <a:avLst/>
-          </a:prstGeom>
-          <a:effectLst>
-            <a:outerShdw blurRad="63500" sx="102000" sy="102000" algn="ctr" rotWithShape="0">
-              <a:prstClr val="black">
-                <a:alpha val="40000"/>
-              </a:prstClr>
-            </a:outerShdw>
-          </a:effectLst>
+          <a:sp3d contourW="12700" prstMaterial="matte">
+            <a:contourClr>
+              <a:srgbClr val="C0C0C0"/>
+            </a:contourClr>
+          </a:sp3d>
         </p:spPr>
       </p:pic>
     </p:spTree>

--- a/2. Simple-Calculations/2. Simple-Calculations.pptx
+++ b/2. Simple-Calculations/2. Simple-Calculations.pptx
@@ -245,7 +245,7 @@
             <a:fld id="{FE5B4EDC-59C0-49C7-8ADA-5A781B329E02}" type="datetimeFigureOut">
               <a:rPr lang="en-US"/>
               <a:pPr/>
-              <a:t>2/6/2017</a:t>
+              <a:t>2/8/2017</a:t>
             </a:fld>
             <a:endParaRPr dirty="0"/>
           </a:p>
@@ -444,7 +444,7 @@
             <a:fld id="{F2D8D46A-B586-417D-BFBD-8C8FE0AAF762}" type="datetimeFigureOut">
               <a:rPr lang="en-US" smtClean="0"/>
               <a:pPr/>
-              <a:t>2/6/2017</a:t>
+              <a:t>2/8/2017</a:t>
             </a:fld>
             <a:endParaRPr lang="en-US"/>
           </a:p>
@@ -2194,7 +2194,7 @@
             <a:fld id="{055373AC-9AA7-423B-BA00-BA1C74164DBD}" type="datetime1">
               <a:rPr lang="en-US" smtClean="0"/>
               <a:pPr/>
-              <a:t>2/6/2017</a:t>
+              <a:t>2/8/2017</a:t>
             </a:fld>
             <a:endParaRPr lang="en-US" dirty="0"/>
           </a:p>
@@ -3468,7 +3468,7 @@
             <a:fld id="{055373AC-9AA7-423B-BA00-BA1C74164DBD}" type="datetime1">
               <a:rPr lang="en-US" smtClean="0"/>
               <a:pPr/>
-              <a:t>2/6/2017</a:t>
+              <a:t>2/8/2017</a:t>
             </a:fld>
             <a:endParaRPr lang="en-US" dirty="0"/>
           </a:p>
@@ -5952,7 +5952,64 @@
                 <a:latin typeface="Consolas" pitchFamily="49" charset="0"/>
                 <a:cs typeface="Consolas" pitchFamily="49" charset="0"/>
               </a:rPr>
-              <a:t> –делене </a:t>
+              <a:t> </a:t>
+            </a:r>
+            <a:r>
+              <a:rPr lang="bg-BG" sz="2800" b="1" i="1" noProof="1" smtClean="0">
+                <a:solidFill>
+                  <a:schemeClr val="tx2">
+                    <a:lumMod val="75000"/>
+                  </a:schemeClr>
+                </a:solidFill>
+                <a:effectLst>
+                  <a:outerShdw blurRad="38100" dist="38100" dir="2700000" algn="tl">
+                    <a:srgbClr val="000000">
+                      <a:alpha val="43137"/>
+                    </a:srgbClr>
+                  </a:outerShdw>
+                </a:effectLst>
+                <a:latin typeface="Consolas" pitchFamily="49" charset="0"/>
+                <a:cs typeface="Consolas" pitchFamily="49" charset="0"/>
+              </a:rPr>
+              <a:t>–</a:t>
+            </a:r>
+            <a:r>
+              <a:rPr lang="en-US" sz="2800" b="1" i="1" noProof="1" smtClean="0">
+                <a:solidFill>
+                  <a:schemeClr val="tx2">
+                    <a:lumMod val="75000"/>
+                  </a:schemeClr>
+                </a:solidFill>
+                <a:effectLst>
+                  <a:outerShdw blurRad="38100" dist="38100" dir="2700000" algn="tl">
+                    <a:srgbClr val="000000">
+                      <a:alpha val="43137"/>
+                    </a:srgbClr>
+                  </a:outerShdw>
+                </a:effectLst>
+                <a:latin typeface="Consolas" pitchFamily="49" charset="0"/>
+                <a:cs typeface="Consolas" pitchFamily="49" charset="0"/>
+              </a:rPr>
+              <a:t> </a:t>
+            </a:r>
+            <a:r>
+              <a:rPr lang="bg-BG" sz="2800" b="1" i="1" noProof="1" smtClean="0">
+                <a:solidFill>
+                  <a:schemeClr val="tx2">
+                    <a:lumMod val="75000"/>
+                  </a:schemeClr>
+                </a:solidFill>
+                <a:effectLst>
+                  <a:outerShdw blurRad="38100" dist="38100" dir="2700000" algn="tl">
+                    <a:srgbClr val="000000">
+                      <a:alpha val="43137"/>
+                    </a:srgbClr>
+                  </a:outerShdw>
+                </a:effectLst>
+                <a:latin typeface="Consolas" pitchFamily="49" charset="0"/>
+                <a:cs typeface="Consolas" pitchFamily="49" charset="0"/>
+              </a:rPr>
+              <a:t>деление </a:t>
             </a:r>
             <a:endParaRPr lang="en-US" sz="2800" b="1" i="1" noProof="1" smtClean="0">
               <a:solidFill>
@@ -6526,7 +6583,7 @@
             </a:r>
             <a:r>
               <a:rPr lang="bg-BG" dirty="0" smtClean="0"/>
-              <a:t>„</a:t>
+              <a:t>'</a:t>
             </a:r>
             <a:r>
               <a:rPr lang="bg-BG" dirty="0" err="1" smtClean="0"/>
@@ -6534,7 +6591,7 @@
             </a:r>
             <a:r>
               <a:rPr lang="bg-BG" dirty="0" smtClean="0"/>
-              <a:t>“</a:t>
+              <a:t>'</a:t>
             </a:r>
             <a:r>
               <a:rPr lang="en-US" dirty="0" smtClean="0"/>
@@ -6627,8 +6684,22 @@
                 <a:latin typeface="Consolas" pitchFamily="49" charset="0"/>
                 <a:cs typeface="Consolas" pitchFamily="49" charset="0"/>
               </a:rPr>
-              <a:t> = "Maria"</a:t>
-            </a:r>
+              <a:t> ='Maria'</a:t>
+            </a:r>
+            <a:endParaRPr lang="nn-NO" sz="2800" b="1" noProof="1" smtClean="0">
+              <a:solidFill>
+                <a:srgbClr val="FBEEDC"/>
+              </a:solidFill>
+              <a:effectLst>
+                <a:outerShdw blurRad="38100" dist="38100" dir="2700000" algn="tl">
+                  <a:srgbClr val="000000">
+                    <a:alpha val="43137"/>
+                  </a:srgbClr>
+                </a:outerShdw>
+              </a:effectLst>
+              <a:latin typeface="Consolas" pitchFamily="49" charset="0"/>
+              <a:cs typeface="Consolas" pitchFamily="49" charset="0"/>
+            </a:endParaRPr>
           </a:p>
           <a:p>
             <a:pPr eaLnBrk="0" hangingPunct="0">
@@ -6672,41 +6743,7 @@
                 <a:latin typeface="Consolas" pitchFamily="49" charset="0"/>
                 <a:cs typeface="Consolas" pitchFamily="49" charset="0"/>
               </a:rPr>
-              <a:t> </a:t>
-            </a:r>
-            <a:r>
-              <a:rPr lang="nn-NO" sz="2800" b="1" noProof="1">
-                <a:solidFill>
-                  <a:srgbClr val="FBEEDC"/>
-                </a:solidFill>
-                <a:effectLst>
-                  <a:outerShdw blurRad="38100" dist="38100" dir="2700000" algn="tl">
-                    <a:srgbClr val="000000">
-                      <a:alpha val="43137"/>
-                    </a:srgbClr>
-                  </a:outerShdw>
-                </a:effectLst>
-                <a:latin typeface="Consolas" pitchFamily="49" charset="0"/>
-                <a:cs typeface="Consolas" pitchFamily="49" charset="0"/>
-              </a:rPr>
-              <a:t>= </a:t>
-            </a:r>
-            <a:r>
-              <a:rPr lang="nn-NO" sz="2800" b="1" noProof="1" smtClean="0">
-                <a:solidFill>
-                  <a:srgbClr val="FBEEDC"/>
-                </a:solidFill>
-                <a:effectLst>
-                  <a:outerShdw blurRad="38100" dist="38100" dir="2700000" algn="tl">
-                    <a:srgbClr val="000000">
-                      <a:alpha val="43137"/>
-                    </a:srgbClr>
-                  </a:outerShdw>
-                </a:effectLst>
-                <a:latin typeface="Consolas" pitchFamily="49" charset="0"/>
-                <a:cs typeface="Consolas" pitchFamily="49" charset="0"/>
-              </a:rPr>
-              <a:t>"Ivanova"</a:t>
+              <a:t> ='Ivanova'</a:t>
             </a:r>
             <a:endParaRPr lang="nn-NO" sz="2800" b="1" noProof="1">
               <a:solidFill>
@@ -6911,7 +6948,24 @@
                 <a:latin typeface="Consolas" pitchFamily="49" charset="0"/>
                 <a:cs typeface="Consolas" pitchFamily="49" charset="0"/>
               </a:rPr>
-              <a:t> " " </a:t>
+              <a:t> </a:t>
+            </a:r>
+            <a:r>
+              <a:rPr lang="en-US" sz="2800" b="1" noProof="1" smtClean="0">
+                <a:solidFill>
+                  <a:srgbClr val="FBEEDC"/>
+                </a:solidFill>
+                <a:effectLst>
+                  <a:outerShdw blurRad="38100" dist="38100" dir="2700000" algn="tl">
+                    <a:srgbClr val="000000">
+                      <a:alpha val="43137"/>
+                    </a:srgbClr>
+                  </a:outerShdw>
+                </a:effectLst>
+                <a:latin typeface="Consolas" pitchFamily="49" charset="0"/>
+                <a:cs typeface="Consolas" pitchFamily="49" charset="0"/>
+              </a:rPr>
+              <a:t>' ' </a:t>
             </a:r>
             <a:r>
               <a:rPr lang="en-US" sz="2800" b="1" noProof="1" smtClean="0">
@@ -6983,7 +7037,58 @@
                 <a:latin typeface="Consolas" pitchFamily="49" charset="0"/>
                 <a:cs typeface="Consolas" pitchFamily="49" charset="0"/>
               </a:rPr>
-              <a:t> " @ " </a:t>
+              <a:t> </a:t>
+            </a:r>
+            <a:r>
+              <a:rPr lang="en-US" sz="2800" b="1" noProof="1" smtClean="0">
+                <a:solidFill>
+                  <a:srgbClr val="FBEEDC"/>
+                </a:solidFill>
+                <a:effectLst>
+                  <a:outerShdw blurRad="38100" dist="38100" dir="2700000" algn="tl">
+                    <a:srgbClr val="000000">
+                      <a:alpha val="43137"/>
+                    </a:srgbClr>
+                  </a:outerShdw>
+                </a:effectLst>
+                <a:latin typeface="Consolas" pitchFamily="49" charset="0"/>
+                <a:cs typeface="Consolas" pitchFamily="49" charset="0"/>
+              </a:rPr>
+              <a:t>' </a:t>
+            </a:r>
+            <a:r>
+              <a:rPr lang="en-US" sz="2800" b="1" noProof="1" smtClean="0">
+                <a:solidFill>
+                  <a:srgbClr val="FBEEDC"/>
+                </a:solidFill>
+                <a:effectLst>
+                  <a:outerShdw blurRad="38100" dist="38100" dir="2700000" algn="tl">
+                    <a:srgbClr val="000000">
+                      <a:alpha val="43137"/>
+                    </a:srgbClr>
+                  </a:outerShdw>
+                </a:effectLst>
+                <a:latin typeface="Consolas" pitchFamily="49" charset="0"/>
+                <a:cs typeface="Consolas" pitchFamily="49" charset="0"/>
+              </a:rPr>
+              <a:t>@ </a:t>
+            </a:r>
+            <a:r>
+              <a:rPr lang="en-US" sz="2800" b="1" noProof="1" smtClean="0">
+                <a:solidFill>
+                  <a:srgbClr val="FBEEDC"/>
+                </a:solidFill>
+                <a:effectLst>
+                  <a:outerShdw blurRad="38100" dist="38100" dir="2700000" algn="tl">
+                    <a:srgbClr val="000000">
+                      <a:alpha val="43137"/>
+                    </a:srgbClr>
+                  </a:outerShdw>
+                </a:effectLst>
+                <a:latin typeface="Consolas" pitchFamily="49" charset="0"/>
+                <a:cs typeface="Consolas" pitchFamily="49" charset="0"/>
+              </a:rPr>
+              <a:t>' </a:t>
             </a:r>
             <a:r>
               <a:rPr lang="en-US" sz="2800" b="1" noProof="1" smtClean="0">
@@ -7342,24 +7447,7 @@
                 <a:latin typeface="Consolas" pitchFamily="49" charset="0"/>
                 <a:cs typeface="Consolas" pitchFamily="49" charset="0"/>
               </a:rPr>
-              <a:t> </a:t>
-            </a:r>
-            <a:r>
-              <a:rPr lang="nn-NO" sz="2800" b="1" noProof="1">
-                <a:solidFill>
-                  <a:srgbClr val="FBEEDC"/>
-                </a:solidFill>
-                <a:effectLst>
-                  <a:outerShdw blurRad="38100" dist="38100" dir="2700000" algn="tl">
-                    <a:srgbClr val="000000">
-                      <a:alpha val="43137"/>
-                    </a:srgbClr>
-                  </a:outerShdw>
-                </a:effectLst>
-                <a:latin typeface="Consolas" pitchFamily="49" charset="0"/>
-                <a:cs typeface="Consolas" pitchFamily="49" charset="0"/>
-              </a:rPr>
-              <a:t>= </a:t>
+              <a:t> ='</a:t>
             </a:r>
             <a:r>
               <a:rPr lang="en-US" sz="2800" b="1" noProof="1" smtClean="0">
@@ -7376,7 +7464,41 @@
                 <a:latin typeface="Consolas" pitchFamily="49" charset="0"/>
                 <a:cs typeface="Consolas" pitchFamily="49" charset="0"/>
               </a:rPr>
-              <a:t>"The sum is: " </a:t>
+              <a:t>The </a:t>
+            </a:r>
+            <a:r>
+              <a:rPr lang="en-US" sz="2800" b="1" noProof="1" smtClean="0">
+                <a:solidFill>
+                  <a:srgbClr val="FBEEDC"/>
+                </a:solidFill>
+                <a:effectLst>
+                  <a:outerShdw blurRad="38100" dist="38100" dir="2700000" algn="tl">
+                    <a:srgbClr val="000000">
+                      <a:alpha val="43137"/>
+                    </a:srgbClr>
+                  </a:outerShdw>
+                </a:effectLst>
+                <a:latin typeface="Consolas" pitchFamily="49" charset="0"/>
+                <a:cs typeface="Consolas" pitchFamily="49" charset="0"/>
+              </a:rPr>
+              <a:t>sum is: </a:t>
+            </a:r>
+            <a:r>
+              <a:rPr lang="en-US" sz="2800" b="1" noProof="1" smtClean="0">
+                <a:solidFill>
+                  <a:srgbClr val="FBEEDC"/>
+                </a:solidFill>
+                <a:effectLst>
+                  <a:outerShdw blurRad="38100" dist="38100" dir="2700000" algn="tl">
+                    <a:srgbClr val="000000">
+                      <a:alpha val="43137"/>
+                    </a:srgbClr>
+                  </a:outerShdw>
+                </a:effectLst>
+                <a:latin typeface="Consolas" pitchFamily="49" charset="0"/>
+                <a:cs typeface="Consolas" pitchFamily="49" charset="0"/>
+              </a:rPr>
+              <a:t>' </a:t>
             </a:r>
             <a:r>
               <a:rPr lang="en-US" sz="2800" b="1" noProof="1" smtClean="0">
@@ -8272,24 +8394,7 @@
                 <a:latin typeface="Consolas" pitchFamily="49" charset="0"/>
                 <a:cs typeface="Consolas" pitchFamily="49" charset="0"/>
               </a:rPr>
-              <a:t>print("</a:t>
-            </a:r>
-            <a:r>
-              <a:rPr lang="it-IT" sz="2800" b="1" noProof="1">
-                <a:solidFill>
-                  <a:srgbClr val="FBEEDC"/>
-                </a:solidFill>
-                <a:effectLst>
-                  <a:outerShdw blurRad="38100" dist="38100" dir="2700000" algn="tl">
-                    <a:srgbClr val="000000">
-                      <a:alpha val="43137"/>
-                    </a:srgbClr>
-                  </a:outerShdw>
-                </a:effectLst>
-                <a:latin typeface="Consolas" pitchFamily="49" charset="0"/>
-                <a:cs typeface="Consolas" pitchFamily="49" charset="0"/>
-              </a:rPr>
-              <a:t>Trapezoid area = </a:t>
+              <a:t>print</a:t>
             </a:r>
             <a:r>
               <a:rPr lang="it-IT" sz="2800" b="1" noProof="1" smtClean="0">
@@ -8306,7 +8411,24 @@
                 <a:latin typeface="Consolas" pitchFamily="49" charset="0"/>
                 <a:cs typeface="Consolas" pitchFamily="49" charset="0"/>
               </a:rPr>
-              <a:t>" + str(area))</a:t>
+              <a:t>('Trapezoid area =' </a:t>
+            </a:r>
+            <a:r>
+              <a:rPr lang="it-IT" sz="2800" b="1" noProof="1" smtClean="0">
+                <a:solidFill>
+                  <a:srgbClr val="FBEEDC"/>
+                </a:solidFill>
+                <a:effectLst>
+                  <a:outerShdw blurRad="38100" dist="38100" dir="2700000" algn="tl">
+                    <a:srgbClr val="000000">
+                      <a:alpha val="43137"/>
+                    </a:srgbClr>
+                  </a:outerShdw>
+                </a:effectLst>
+                <a:latin typeface="Consolas" pitchFamily="49" charset="0"/>
+                <a:cs typeface="Consolas" pitchFamily="49" charset="0"/>
+              </a:rPr>
+              <a:t>+ str(area))</a:t>
             </a:r>
             <a:endParaRPr lang="it-IT" sz="2800" b="1" noProof="1">
               <a:solidFill>
@@ -8722,7 +8844,58 @@
                 <a:latin typeface="Consolas" pitchFamily="49" charset="0"/>
                 <a:cs typeface="Consolas" pitchFamily="49" charset="0"/>
               </a:rPr>
-              <a:t>print("Enter circle radius. r = ")</a:t>
+              <a:t>print</a:t>
+            </a:r>
+            <a:r>
+              <a:rPr lang="en-US" sz="2800" b="1" noProof="1" smtClean="0">
+                <a:solidFill>
+                  <a:srgbClr val="FBEEDC"/>
+                </a:solidFill>
+                <a:effectLst>
+                  <a:outerShdw blurRad="38100" dist="38100" dir="2700000" algn="tl">
+                    <a:srgbClr val="000000">
+                      <a:alpha val="43137"/>
+                    </a:srgbClr>
+                  </a:outerShdw>
+                </a:effectLst>
+                <a:latin typeface="Consolas" pitchFamily="49" charset="0"/>
+                <a:cs typeface="Consolas" pitchFamily="49" charset="0"/>
+              </a:rPr>
+              <a:t>('Enter </a:t>
+            </a:r>
+            <a:r>
+              <a:rPr lang="en-US" sz="2800" b="1" noProof="1" smtClean="0">
+                <a:solidFill>
+                  <a:srgbClr val="FBEEDC"/>
+                </a:solidFill>
+                <a:effectLst>
+                  <a:outerShdw blurRad="38100" dist="38100" dir="2700000" algn="tl">
+                    <a:srgbClr val="000000">
+                      <a:alpha val="43137"/>
+                    </a:srgbClr>
+                  </a:outerShdw>
+                </a:effectLst>
+                <a:latin typeface="Consolas" pitchFamily="49" charset="0"/>
+                <a:cs typeface="Consolas" pitchFamily="49" charset="0"/>
+              </a:rPr>
+              <a:t>circle radius. </a:t>
+            </a:r>
+            <a:r>
+              <a:rPr lang="en-US" sz="2800" b="1" noProof="1" smtClean="0">
+                <a:solidFill>
+                  <a:srgbClr val="FBEEDC"/>
+                </a:solidFill>
+                <a:effectLst>
+                  <a:outerShdw blurRad="38100" dist="38100" dir="2700000" algn="tl">
+                    <a:srgbClr val="000000">
+                      <a:alpha val="43137"/>
+                    </a:srgbClr>
+                  </a:outerShdw>
+                </a:effectLst>
+                <a:latin typeface="Consolas" pitchFamily="49" charset="0"/>
+                <a:cs typeface="Consolas" pitchFamily="49" charset="0"/>
+              </a:rPr>
+              <a:t>r =')</a:t>
             </a:r>
             <a:endParaRPr lang="bg-BG" sz="2800" b="1" noProof="1" smtClean="0">
               <a:solidFill>
@@ -8849,7 +9022,24 @@
                 <a:latin typeface="Consolas" pitchFamily="49" charset="0"/>
                 <a:cs typeface="Consolas" pitchFamily="49" charset="0"/>
               </a:rPr>
-              <a:t>print("Area = "</a:t>
+              <a:t>print</a:t>
+            </a:r>
+            <a:r>
+              <a:rPr lang="it-IT" sz="2800" b="1" noProof="1" smtClean="0">
+                <a:solidFill>
+                  <a:srgbClr val="FBEEDC"/>
+                </a:solidFill>
+                <a:effectLst>
+                  <a:outerShdw blurRad="38100" dist="38100" dir="2700000" algn="tl">
+                    <a:srgbClr val="000000">
+                      <a:alpha val="43137"/>
+                    </a:srgbClr>
+                  </a:outerShdw>
+                </a:effectLst>
+                <a:latin typeface="Consolas" pitchFamily="49" charset="0"/>
+                <a:cs typeface="Consolas" pitchFamily="49" charset="0"/>
+              </a:rPr>
+              <a:t>('Area ='</a:t>
             </a:r>
             <a:r>
               <a:rPr lang="bg-BG" sz="2800" b="1" noProof="1" smtClean="0">
@@ -8866,7 +9056,24 @@
                 <a:latin typeface="Consolas" pitchFamily="49" charset="0"/>
                 <a:cs typeface="Consolas" pitchFamily="49" charset="0"/>
               </a:rPr>
-              <a:t> + </a:t>
+              <a:t> </a:t>
+            </a:r>
+            <a:r>
+              <a:rPr lang="bg-BG" sz="2800" b="1" noProof="1" smtClean="0">
+                <a:solidFill>
+                  <a:srgbClr val="FBEEDC"/>
+                </a:solidFill>
+                <a:effectLst>
+                  <a:outerShdw blurRad="38100" dist="38100" dir="2700000" algn="tl">
+                    <a:srgbClr val="000000">
+                      <a:alpha val="43137"/>
+                    </a:srgbClr>
+                  </a:outerShdw>
+                </a:effectLst>
+                <a:latin typeface="Consolas" pitchFamily="49" charset="0"/>
+                <a:cs typeface="Consolas" pitchFamily="49" charset="0"/>
+              </a:rPr>
+              <a:t>+ </a:t>
             </a:r>
             <a:r>
               <a:rPr lang="sv-SE" sz="2800" b="1" noProof="1" smtClean="0">
@@ -8969,24 +9176,7 @@
                 <a:latin typeface="Consolas" pitchFamily="49" charset="0"/>
                 <a:cs typeface="Consolas" pitchFamily="49" charset="0"/>
               </a:rPr>
-              <a:t>print("Perimeter </a:t>
-            </a:r>
-            <a:r>
-              <a:rPr lang="it-IT" sz="2800" b="1" noProof="1">
-                <a:solidFill>
-                  <a:srgbClr val="FBEEDC"/>
-                </a:solidFill>
-                <a:effectLst>
-                  <a:outerShdw blurRad="38100" dist="38100" dir="2700000" algn="tl">
-                    <a:srgbClr val="000000">
-                      <a:alpha val="43137"/>
-                    </a:srgbClr>
-                  </a:outerShdw>
-                </a:effectLst>
-                <a:latin typeface="Consolas" pitchFamily="49" charset="0"/>
-                <a:cs typeface="Consolas" pitchFamily="49" charset="0"/>
-              </a:rPr>
-              <a:t>= </a:t>
+              <a:t>print</a:t>
             </a:r>
             <a:r>
               <a:rPr lang="it-IT" sz="2800" b="1" noProof="1" smtClean="0">
@@ -9003,7 +9193,24 @@
                 <a:latin typeface="Consolas" pitchFamily="49" charset="0"/>
                 <a:cs typeface="Consolas" pitchFamily="49" charset="0"/>
               </a:rPr>
-              <a:t>" + str(</a:t>
+              <a:t>('Perimeter =' </a:t>
+            </a:r>
+            <a:r>
+              <a:rPr lang="it-IT" sz="2800" b="1" noProof="1" smtClean="0">
+                <a:solidFill>
+                  <a:srgbClr val="FBEEDC"/>
+                </a:solidFill>
+                <a:effectLst>
+                  <a:outerShdw blurRad="38100" dist="38100" dir="2700000" algn="tl">
+                    <a:srgbClr val="000000">
+                      <a:alpha val="43137"/>
+                    </a:srgbClr>
+                  </a:outerShdw>
+                </a:effectLst>
+                <a:latin typeface="Consolas" pitchFamily="49" charset="0"/>
+                <a:cs typeface="Consolas" pitchFamily="49" charset="0"/>
+              </a:rPr>
+              <a:t>+ str(</a:t>
             </a:r>
             <a:r>
               <a:rPr lang="it-IT" sz="2800" b="1" noProof="1" smtClean="0">
@@ -10020,24 +10227,7 @@
                 <a:latin typeface="Consolas" pitchFamily="49" charset="0"/>
                 <a:cs typeface="Consolas" pitchFamily="49" charset="0"/>
               </a:rPr>
-              <a:t>print("</a:t>
-            </a:r>
-            <a:r>
-              <a:rPr lang="en-US" b="1" noProof="1">
-                <a:solidFill>
-                  <a:srgbClr val="FBEEDC"/>
-                </a:solidFill>
-                <a:effectLst>
-                  <a:outerShdw blurRad="38100" dist="38100" dir="2700000" algn="tl">
-                    <a:srgbClr val="000000">
-                      <a:alpha val="43137"/>
-                    </a:srgbClr>
-                  </a:outerShdw>
-                </a:effectLst>
-                <a:latin typeface="Consolas" pitchFamily="49" charset="0"/>
-                <a:cs typeface="Consolas" pitchFamily="49" charset="0"/>
-              </a:rPr>
-              <a:t>Area = </a:t>
+              <a:t>print</a:t>
             </a:r>
             <a:r>
               <a:rPr lang="en-US" b="1" noProof="1" smtClean="0">
@@ -10054,7 +10244,7 @@
                 <a:latin typeface="Consolas" pitchFamily="49" charset="0"/>
                 <a:cs typeface="Consolas" pitchFamily="49" charset="0"/>
               </a:rPr>
-              <a:t>", </a:t>
+              <a:t>('Area =', </a:t>
             </a:r>
             <a:r>
               <a:rPr lang="en-US" b="1" noProof="1">
@@ -10133,24 +10323,7 @@
                 <a:latin typeface="Consolas" pitchFamily="49" charset="0"/>
                 <a:cs typeface="Consolas" pitchFamily="49" charset="0"/>
               </a:rPr>
-              <a:t>print("</a:t>
-            </a:r>
-            <a:r>
-              <a:rPr lang="en-US" b="1" noProof="1">
-                <a:solidFill>
-                  <a:srgbClr val="FBEEDC"/>
-                </a:solidFill>
-                <a:effectLst>
-                  <a:outerShdw blurRad="38100" dist="38100" dir="2700000" algn="tl">
-                    <a:srgbClr val="000000">
-                      <a:alpha val="43137"/>
-                    </a:srgbClr>
-                  </a:outerShdw>
-                </a:effectLst>
-                <a:latin typeface="Consolas" pitchFamily="49" charset="0"/>
-                <a:cs typeface="Consolas" pitchFamily="49" charset="0"/>
-              </a:rPr>
-              <a:t>Perimeter = </a:t>
+              <a:t>print</a:t>
             </a:r>
             <a:r>
               <a:rPr lang="en-US" b="1" noProof="1" smtClean="0">
@@ -10167,7 +10340,7 @@
                 <a:latin typeface="Consolas" pitchFamily="49" charset="0"/>
                 <a:cs typeface="Consolas" pitchFamily="49" charset="0"/>
               </a:rPr>
-              <a:t>", </a:t>
+              <a:t>('Perimeter =', </a:t>
             </a:r>
             <a:r>
               <a:rPr lang="en-US" b="1" noProof="1">
@@ -11249,7 +11422,121 @@
                 <a:latin typeface="Consolas" pitchFamily="49" charset="0"/>
                 <a:cs typeface="Consolas" pitchFamily="49" charset="0"/>
               </a:rPr>
-              <a:t>str(3) + " + " + str(5) + " = " + str(3 + 5)</a:t>
+              <a:t>str(3) + </a:t>
+            </a:r>
+            <a:r>
+              <a:rPr lang="en-US" sz="2800" b="1" noProof="1" smtClean="0">
+                <a:solidFill>
+                  <a:schemeClr val="tx2">
+                    <a:lumMod val="75000"/>
+                  </a:schemeClr>
+                </a:solidFill>
+                <a:effectLst>
+                  <a:outerShdw blurRad="38100" dist="38100" dir="2700000" algn="tl">
+                    <a:srgbClr val="000000">
+                      <a:alpha val="43137"/>
+                    </a:srgbClr>
+                  </a:outerShdw>
+                </a:effectLst>
+                <a:latin typeface="Consolas" pitchFamily="49" charset="0"/>
+                <a:cs typeface="Consolas" pitchFamily="49" charset="0"/>
+              </a:rPr>
+              <a:t>' </a:t>
+            </a:r>
+            <a:r>
+              <a:rPr lang="en-US" sz="2800" b="1" noProof="1" smtClean="0">
+                <a:solidFill>
+                  <a:schemeClr val="tx2">
+                    <a:lumMod val="75000"/>
+                  </a:schemeClr>
+                </a:solidFill>
+                <a:effectLst>
+                  <a:outerShdw blurRad="38100" dist="38100" dir="2700000" algn="tl">
+                    <a:srgbClr val="000000">
+                      <a:alpha val="43137"/>
+                    </a:srgbClr>
+                  </a:outerShdw>
+                </a:effectLst>
+                <a:latin typeface="Consolas" pitchFamily="49" charset="0"/>
+                <a:cs typeface="Consolas" pitchFamily="49" charset="0"/>
+              </a:rPr>
+              <a:t>+ </a:t>
+            </a:r>
+            <a:r>
+              <a:rPr lang="en-US" sz="2800" b="1" noProof="1" smtClean="0">
+                <a:solidFill>
+                  <a:schemeClr val="tx2">
+                    <a:lumMod val="75000"/>
+                  </a:schemeClr>
+                </a:solidFill>
+                <a:effectLst>
+                  <a:outerShdw blurRad="38100" dist="38100" dir="2700000" algn="tl">
+                    <a:srgbClr val="000000">
+                      <a:alpha val="43137"/>
+                    </a:srgbClr>
+                  </a:outerShdw>
+                </a:effectLst>
+                <a:latin typeface="Consolas" pitchFamily="49" charset="0"/>
+                <a:cs typeface="Consolas" pitchFamily="49" charset="0"/>
+              </a:rPr>
+              <a:t>' </a:t>
+            </a:r>
+            <a:r>
+              <a:rPr lang="en-US" sz="2800" b="1" noProof="1" smtClean="0">
+                <a:solidFill>
+                  <a:schemeClr val="tx2">
+                    <a:lumMod val="75000"/>
+                  </a:schemeClr>
+                </a:solidFill>
+                <a:effectLst>
+                  <a:outerShdw blurRad="38100" dist="38100" dir="2700000" algn="tl">
+                    <a:srgbClr val="000000">
+                      <a:alpha val="43137"/>
+                    </a:srgbClr>
+                  </a:outerShdw>
+                </a:effectLst>
+                <a:latin typeface="Consolas" pitchFamily="49" charset="0"/>
+                <a:cs typeface="Consolas" pitchFamily="49" charset="0"/>
+              </a:rPr>
+              <a:t>+ str(5) + </a:t>
+            </a:r>
+            <a:r>
+              <a:rPr lang="en-US" sz="2800" b="1" noProof="1" smtClean="0">
+                <a:solidFill>
+                  <a:schemeClr val="tx2">
+                    <a:lumMod val="75000"/>
+                  </a:schemeClr>
+                </a:solidFill>
+                <a:effectLst>
+                  <a:outerShdw blurRad="38100" dist="38100" dir="2700000" algn="tl">
+                    <a:srgbClr val="000000">
+                      <a:alpha val="43137"/>
+                    </a:srgbClr>
+                  </a:outerShdw>
+                </a:effectLst>
+                <a:latin typeface="Consolas" pitchFamily="49" charset="0"/>
+                <a:cs typeface="Consolas" pitchFamily="49" charset="0"/>
+              </a:rPr>
+              <a:t>' = ' </a:t>
+            </a:r>
+            <a:r>
+              <a:rPr lang="en-US" sz="2800" b="1" noProof="1" smtClean="0">
+                <a:solidFill>
+                  <a:schemeClr val="tx2">
+                    <a:lumMod val="75000"/>
+                  </a:schemeClr>
+                </a:solidFill>
+                <a:effectLst>
+                  <a:outerShdw blurRad="38100" dist="38100" dir="2700000" algn="tl">
+                    <a:srgbClr val="000000">
+                      <a:alpha val="43137"/>
+                    </a:srgbClr>
+                  </a:outerShdw>
+                </a:effectLst>
+                <a:latin typeface="Consolas" pitchFamily="49" charset="0"/>
+                <a:cs typeface="Consolas" pitchFamily="49" charset="0"/>
+              </a:rPr>
+              <a:t>+ str(3 + 5)</a:t>
             </a:r>
             <a:r>
               <a:rPr lang="en-US" sz="2800" b="1" noProof="1" smtClean="0">
@@ -11812,7 +12099,7 @@
             </a:r>
             <a:r>
               <a:rPr lang="en-US" dirty="0" smtClean="0"/>
-              <a:t>"</a:t>
+              <a:t>'</a:t>
             </a:r>
             <a:r>
               <a:rPr lang="en-US" dirty="0" smtClean="0">
@@ -11852,7 +12139,7 @@
             </a:r>
             <a:r>
               <a:rPr lang="en-US" dirty="0" smtClean="0"/>
-              <a:t>"</a:t>
+              <a:t>'</a:t>
             </a:r>
             <a:endParaRPr lang="bg-BG" dirty="0" smtClean="0"/>
           </a:p>
@@ -11896,23 +12183,39 @@
             </a:r>
             <a:r>
               <a:rPr lang="en-US" sz="2000" dirty="0" smtClean="0"/>
-              <a:t>"</a:t>
+              <a:t>'</a:t>
             </a:r>
             <a:r>
               <a:rPr lang="bg-BG" sz="2000" dirty="0" smtClean="0">
                 <a:hlinkClick r:id="rId4"/>
               </a:rPr>
-              <a:t>Основи на програмирането със </a:t>
+              <a:t>Основи </a:t>
+            </a:r>
+            <a:r>
+              <a:rPr lang="bg-BG" sz="2000" dirty="0" smtClean="0">
+                <a:hlinkClick r:id="rId4"/>
+              </a:rPr>
+              <a:t>на програмирането със </a:t>
             </a:r>
             <a:r>
               <a:rPr lang="en-US" sz="2000" dirty="0" smtClean="0">
                 <a:hlinkClick r:id="rId4"/>
               </a:rPr>
-              <a:t>C#"</a:t>
+              <a:t>C</a:t>
+            </a:r>
+            <a:r>
+              <a:rPr lang="en-US" sz="2000" dirty="0" smtClean="0">
+                <a:hlinkClick r:id="rId4"/>
+              </a:rPr>
+              <a:t>#'</a:t>
             </a:r>
             <a:r>
               <a:rPr lang="bg-BG" sz="2000" dirty="0" smtClean="0"/>
-              <a:t> от Светлин Наков и колектив с лиценз</a:t>
+              <a:t> </a:t>
+            </a:r>
+            <a:r>
+              <a:rPr lang="bg-BG" sz="2000" dirty="0" smtClean="0"/>
+              <a:t>от Светлин Наков и колектив с лиценз</a:t>
             </a:r>
             <a:r>
               <a:rPr lang="en-US" sz="2000" dirty="0" smtClean="0"/>
@@ -12087,8 +12390,8 @@
         </p:nvSpPr>
         <p:spPr>
           <a:xfrm>
-            <a:off x="190414" y="1191467"/>
-            <a:ext cx="8097481" cy="5530010"/>
+            <a:off x="199712" y="1472033"/>
+            <a:ext cx="8097481" cy="4675933"/>
           </a:xfrm>
         </p:spPr>
         <p:txBody>
@@ -12338,7 +12641,11 @@
             </a:pPr>
             <a:r>
               <a:rPr lang="bg-BG" sz="3200" dirty="0" smtClean="0"/>
-              <a:t>Фондация "Софтуерен университет" </a:t>
+              <a:t>Фондация </a:t>
+            </a:r>
+            <a:r>
+              <a:rPr lang="bg-BG" sz="3200" dirty="0" smtClean="0"/>
+              <a:t>'Софтуерен университет' </a:t>
             </a:r>
             <a:r>
               <a:rPr lang="en-US" sz="3200" dirty="0" smtClean="0"/>
@@ -12964,24 +13271,7 @@
                 <a:latin typeface="Consolas" pitchFamily="49" charset="0"/>
                 <a:cs typeface="Consolas" pitchFamily="49" charset="0"/>
               </a:rPr>
-              <a:t>print("</a:t>
-            </a:r>
-            <a:r>
-              <a:rPr lang="it-IT" sz="2800" b="1" noProof="1">
-                <a:solidFill>
-                  <a:srgbClr val="FBEEDC"/>
-                </a:solidFill>
-                <a:effectLst>
-                  <a:outerShdw blurRad="38100" dist="38100" dir="2700000" algn="tl">
-                    <a:srgbClr val="000000">
-                      <a:alpha val="43137"/>
-                    </a:srgbClr>
-                  </a:outerShdw>
-                </a:effectLst>
-                <a:latin typeface="Consolas" pitchFamily="49" charset="0"/>
-                <a:cs typeface="Consolas" pitchFamily="49" charset="0"/>
-              </a:rPr>
-              <a:t>a = </a:t>
+              <a:t>print</a:t>
             </a:r>
             <a:r>
               <a:rPr lang="it-IT" sz="2800" b="1" noProof="1" smtClean="0">
@@ -12998,7 +13288,7 @@
                 <a:latin typeface="Consolas" pitchFamily="49" charset="0"/>
                 <a:cs typeface="Consolas" pitchFamily="49" charset="0"/>
               </a:rPr>
-              <a:t>")</a:t>
+              <a:t>('a =')</a:t>
             </a:r>
             <a:endParaRPr lang="it-IT" sz="2800" b="1" noProof="1">
               <a:solidFill>
@@ -13188,24 +13478,7 @@
                 <a:latin typeface="Consolas" pitchFamily="49" charset="0"/>
                 <a:cs typeface="Consolas" pitchFamily="49" charset="0"/>
               </a:rPr>
-              <a:t>rint("</a:t>
-            </a:r>
-            <a:r>
-              <a:rPr lang="it-IT" sz="2800" b="1" noProof="1">
-                <a:solidFill>
-                  <a:srgbClr val="FBEEDC"/>
-                </a:solidFill>
-                <a:effectLst>
-                  <a:outerShdw blurRad="38100" dist="38100" dir="2700000" algn="tl">
-                    <a:srgbClr val="000000">
-                      <a:alpha val="43137"/>
-                    </a:srgbClr>
-                  </a:outerShdw>
-                </a:effectLst>
-                <a:latin typeface="Consolas" pitchFamily="49" charset="0"/>
-                <a:cs typeface="Consolas" pitchFamily="49" charset="0"/>
-              </a:rPr>
-              <a:t>Square = </a:t>
+              <a:t>rint</a:t>
             </a:r>
             <a:r>
               <a:rPr lang="it-IT" sz="2800" b="1" noProof="1" smtClean="0">
@@ -13222,7 +13495,7 @@
                 <a:latin typeface="Consolas" pitchFamily="49" charset="0"/>
                 <a:cs typeface="Consolas" pitchFamily="49" charset="0"/>
               </a:rPr>
-              <a:t>", </a:t>
+              <a:t>('Square =', </a:t>
             </a:r>
             <a:r>
               <a:rPr lang="en-US" sz="2800" b="1" noProof="1" smtClean="0">
@@ -13937,13 +14210,13 @@
         </p:nvSpPr>
         <p:spPr bwMode="auto">
           <a:xfrm>
-            <a:off x="6073433" y="5374751"/>
+            <a:off x="6073433" y="5448839"/>
             <a:ext cx="2452800" cy="578882"/>
           </a:xfrm>
           <a:prstGeom prst="wedgeRoundRectCallout">
             <a:avLst>
-              <a:gd name="adj1" fmla="val -68027"/>
-              <a:gd name="adj2" fmla="val -41872"/>
+              <a:gd name="adj1" fmla="val -70690"/>
+              <a:gd name="adj2" fmla="val -66694"/>
               <a:gd name="adj3" fmla="val 16667"/>
             </a:avLst>
           </a:prstGeom>
@@ -14552,14 +14825,14 @@
                 <a:latin typeface="Consolas" pitchFamily="49" charset="0"/>
                 <a:cs typeface="Consolas" pitchFamily="49" charset="0"/>
               </a:rPr>
-              <a:t>"Здрасти"</a:t>
+              <a:t>'Здрасти'</a:t>
             </a:r>
             <a:r>
               <a:rPr lang="en-US" dirty="0" smtClean="0"/>
               <a:t>, </a:t>
             </a:r>
             <a:r>
-              <a:rPr lang="bg-BG" b="1" dirty="0">
+              <a:rPr lang="bg-BG" b="1" dirty="0" smtClean="0">
                 <a:solidFill>
                   <a:schemeClr val="tx2">
                     <a:lumMod val="75000"/>
@@ -14568,10 +14841,10 @@
                 <a:latin typeface="Consolas" pitchFamily="49" charset="0"/>
                 <a:cs typeface="Consolas" pitchFamily="49" charset="0"/>
               </a:rPr>
-              <a:t>"</a:t>
-            </a:r>
-            <a:r>
-              <a:rPr lang="en-US" b="1" dirty="0">
+              <a:t>'</a:t>
+            </a:r>
+            <a:r>
+              <a:rPr lang="en-US" b="1" dirty="0" smtClean="0">
                 <a:solidFill>
                   <a:schemeClr val="tx2">
                     <a:lumMod val="75000"/>
@@ -14583,7 +14856,7 @@
               <a:t>Hi</a:t>
             </a:r>
             <a:r>
-              <a:rPr lang="bg-BG" b="1" dirty="0">
+              <a:rPr lang="bg-BG" b="1" dirty="0" smtClean="0">
                 <a:solidFill>
                   <a:schemeClr val="tx2">
                     <a:lumMod val="75000"/>
@@ -14592,7 +14865,7 @@
                 <a:latin typeface="Consolas" pitchFamily="49" charset="0"/>
                 <a:cs typeface="Consolas" pitchFamily="49" charset="0"/>
               </a:rPr>
-              <a:t>"</a:t>
+              <a:t>'</a:t>
             </a:r>
             <a:r>
               <a:rPr lang="en-US" dirty="0" smtClean="0"/>
@@ -14608,7 +14881,7 @@
                 <a:latin typeface="Consolas" pitchFamily="49" charset="0"/>
                 <a:cs typeface="Consolas" pitchFamily="49" charset="0"/>
               </a:rPr>
-              <a:t>"</a:t>
+              <a:t>'</a:t>
             </a:r>
             <a:r>
               <a:rPr lang="en-US" b="1" dirty="0" smtClean="0">
@@ -14632,15 +14905,11 @@
                 <a:latin typeface="Consolas" pitchFamily="49" charset="0"/>
                 <a:cs typeface="Consolas" pitchFamily="49" charset="0"/>
               </a:rPr>
-              <a:t>"</a:t>
-            </a:r>
-            <a:r>
-              <a:rPr lang="en-US" dirty="0"/>
-              <a:t>,</a:t>
+              <a:t>'</a:t>
             </a:r>
             <a:r>
               <a:rPr lang="en-US" dirty="0" smtClean="0"/>
-              <a:t> </a:t>
+              <a:t>, </a:t>
             </a:r>
             <a:r>
               <a:rPr lang="en-US" dirty="0" smtClean="0">
@@ -14926,10 +15195,27 @@
                 <a:latin typeface="Consolas" pitchFamily="49" charset="0"/>
                 <a:cs typeface="Consolas" pitchFamily="49" charset="0"/>
               </a:rPr>
-              <a:t>print("</a:t>
-            </a:r>
-            <a:r>
-              <a:rPr lang="en-US" sz="2800" b="1" noProof="1">
+              <a:t>print</a:t>
+            </a:r>
+            <a:r>
+              <a:rPr lang="it-IT" sz="2800" b="1" noProof="1" smtClean="0">
+                <a:solidFill>
+                  <a:srgbClr val="FBEEDC"/>
+                </a:solidFill>
+                <a:effectLst>
+                  <a:outerShdw blurRad="38100" dist="38100" dir="2700000" algn="tl">
+                    <a:srgbClr val="000000">
+                      <a:alpha val="43137"/>
+                    </a:srgbClr>
+                  </a:outerShdw>
+                </a:effectLst>
+                <a:latin typeface="Consolas" pitchFamily="49" charset="0"/>
+                <a:cs typeface="Consolas" pitchFamily="49" charset="0"/>
+              </a:rPr>
+              <a:t>('</a:t>
+            </a:r>
+            <a:r>
+              <a:rPr lang="en-US" sz="2800" b="1" noProof="1" smtClean="0">
                 <a:solidFill>
                   <a:srgbClr val="FBEEDC"/>
                 </a:solidFill>
@@ -14960,41 +15246,7 @@
                 <a:latin typeface="Consolas" pitchFamily="49" charset="0"/>
                 <a:cs typeface="Consolas" pitchFamily="49" charset="0"/>
               </a:rPr>
-              <a:t>nches </a:t>
-            </a:r>
-            <a:r>
-              <a:rPr lang="it-IT" sz="2800" b="1" noProof="1">
-                <a:solidFill>
-                  <a:srgbClr val="FBEEDC"/>
-                </a:solidFill>
-                <a:effectLst>
-                  <a:outerShdw blurRad="38100" dist="38100" dir="2700000" algn="tl">
-                    <a:srgbClr val="000000">
-                      <a:alpha val="43137"/>
-                    </a:srgbClr>
-                  </a:outerShdw>
-                </a:effectLst>
-                <a:latin typeface="Consolas" pitchFamily="49" charset="0"/>
-                <a:cs typeface="Consolas" pitchFamily="49" charset="0"/>
-              </a:rPr>
-              <a:t>= </a:t>
-            </a:r>
-            <a:r>
-              <a:rPr lang="it-IT" sz="2800" b="1" noProof="1" smtClean="0">
-                <a:solidFill>
-                  <a:srgbClr val="FBEEDC"/>
-                </a:solidFill>
-                <a:effectLst>
-                  <a:outerShdw blurRad="38100" dist="38100" dir="2700000" algn="tl">
-                    <a:srgbClr val="000000">
-                      <a:alpha val="43137"/>
-                    </a:srgbClr>
-                  </a:outerShdw>
-                </a:effectLst>
-                <a:latin typeface="Consolas" pitchFamily="49" charset="0"/>
-                <a:cs typeface="Consolas" pitchFamily="49" charset="0"/>
-              </a:rPr>
-              <a:t>")     </a:t>
+              <a:t>nches =')     </a:t>
             </a:r>
             <a:endParaRPr lang="it-IT" sz="2800" b="1" noProof="1">
               <a:solidFill>
@@ -15205,24 +15457,7 @@
                 <a:latin typeface="Consolas" pitchFamily="49" charset="0"/>
                 <a:cs typeface="Consolas" pitchFamily="49" charset="0"/>
               </a:rPr>
-              <a:t>print("Centimeters </a:t>
-            </a:r>
-            <a:r>
-              <a:rPr lang="it-IT" sz="2800" b="1" noProof="1">
-                <a:solidFill>
-                  <a:srgbClr val="FBEEDC"/>
-                </a:solidFill>
-                <a:effectLst>
-                  <a:outerShdw blurRad="38100" dist="38100" dir="2700000" algn="tl">
-                    <a:srgbClr val="000000">
-                      <a:alpha val="43137"/>
-                    </a:srgbClr>
-                  </a:outerShdw>
-                </a:effectLst>
-                <a:latin typeface="Consolas" pitchFamily="49" charset="0"/>
-                <a:cs typeface="Consolas" pitchFamily="49" charset="0"/>
-              </a:rPr>
-              <a:t>= </a:t>
+              <a:t>print</a:t>
             </a:r>
             <a:r>
               <a:rPr lang="it-IT" sz="2800" b="1" noProof="1" smtClean="0">
@@ -15239,7 +15474,24 @@
                 <a:latin typeface="Consolas" pitchFamily="49" charset="0"/>
                 <a:cs typeface="Consolas" pitchFamily="49" charset="0"/>
               </a:rPr>
-              <a:t>", centimeters)</a:t>
+              <a:t>('Centimeters =', </a:t>
+            </a:r>
+            <a:r>
+              <a:rPr lang="it-IT" sz="2800" b="1" noProof="1" smtClean="0">
+                <a:solidFill>
+                  <a:srgbClr val="FBEEDC"/>
+                </a:solidFill>
+                <a:effectLst>
+                  <a:outerShdw blurRad="38100" dist="38100" dir="2700000" algn="tl">
+                    <a:srgbClr val="000000">
+                      <a:alpha val="43137"/>
+                    </a:srgbClr>
+                  </a:outerShdw>
+                </a:effectLst>
+                <a:latin typeface="Consolas" pitchFamily="49" charset="0"/>
+                <a:cs typeface="Consolas" pitchFamily="49" charset="0"/>
+              </a:rPr>
+              <a:t>centimeters)</a:t>
             </a:r>
             <a:endParaRPr lang="en-US" sz="2800" b="1" noProof="1">
               <a:solidFill>
@@ -15722,7 +15974,24 @@
                 <a:latin typeface="Consolas" pitchFamily="49" charset="0"/>
                 <a:cs typeface="Consolas" pitchFamily="49" charset="0"/>
               </a:rPr>
-              <a:t>print("</a:t>
+              <a:t>print</a:t>
+            </a:r>
+            <a:r>
+              <a:rPr lang="it-IT" sz="2800" b="1" noProof="1" smtClean="0">
+                <a:solidFill>
+                  <a:srgbClr val="FBEEDC"/>
+                </a:solidFill>
+                <a:effectLst>
+                  <a:outerShdw blurRad="38100" dist="38100" dir="2700000" algn="tl">
+                    <a:srgbClr val="000000">
+                      <a:alpha val="43137"/>
+                    </a:srgbClr>
+                  </a:outerShdw>
+                </a:effectLst>
+                <a:latin typeface="Consolas" pitchFamily="49" charset="0"/>
+                <a:cs typeface="Consolas" pitchFamily="49" charset="0"/>
+              </a:rPr>
+              <a:t>('</a:t>
             </a:r>
             <a:r>
               <a:rPr lang="en-US" sz="2800" b="1" noProof="1" smtClean="0">
@@ -15739,7 +16008,24 @@
                 <a:latin typeface="Consolas" pitchFamily="49" charset="0"/>
                 <a:cs typeface="Consolas" pitchFamily="49" charset="0"/>
               </a:rPr>
-              <a:t>Enter your name</a:t>
+              <a:t>Enter </a:t>
+            </a:r>
+            <a:r>
+              <a:rPr lang="en-US" sz="2800" b="1" noProof="1" smtClean="0">
+                <a:solidFill>
+                  <a:srgbClr val="FBEEDC"/>
+                </a:solidFill>
+                <a:effectLst>
+                  <a:outerShdw blurRad="38100" dist="38100" dir="2700000" algn="tl">
+                    <a:srgbClr val="000000">
+                      <a:alpha val="43137"/>
+                    </a:srgbClr>
+                  </a:outerShdw>
+                </a:effectLst>
+                <a:latin typeface="Consolas" pitchFamily="49" charset="0"/>
+                <a:cs typeface="Consolas" pitchFamily="49" charset="0"/>
+              </a:rPr>
+              <a:t>your name</a:t>
             </a:r>
             <a:r>
               <a:rPr lang="it-IT" sz="2800" b="1" noProof="1" smtClean="0">
@@ -15756,7 +16042,24 @@
                 <a:latin typeface="Consolas" pitchFamily="49" charset="0"/>
                 <a:cs typeface="Consolas" pitchFamily="49" charset="0"/>
               </a:rPr>
-              <a:t>: ")</a:t>
+              <a:t>: </a:t>
+            </a:r>
+            <a:r>
+              <a:rPr lang="it-IT" sz="2800" b="1" noProof="1" smtClean="0">
+                <a:solidFill>
+                  <a:srgbClr val="FBEEDC"/>
+                </a:solidFill>
+                <a:effectLst>
+                  <a:outerShdw blurRad="38100" dist="38100" dir="2700000" algn="tl">
+                    <a:srgbClr val="000000">
+                      <a:alpha val="43137"/>
+                    </a:srgbClr>
+                  </a:outerShdw>
+                </a:effectLst>
+                <a:latin typeface="Consolas" pitchFamily="49" charset="0"/>
+                <a:cs typeface="Consolas" pitchFamily="49" charset="0"/>
+              </a:rPr>
+              <a:t>')</a:t>
             </a:r>
             <a:endParaRPr lang="it-IT" sz="2800" b="1" noProof="1">
               <a:solidFill>
@@ -15905,7 +16208,24 @@
                 <a:latin typeface="Consolas" pitchFamily="49" charset="0"/>
                 <a:cs typeface="Consolas" pitchFamily="49" charset="0"/>
               </a:rPr>
-              <a:t>rint(</a:t>
+              <a:t>rint</a:t>
+            </a:r>
+            <a:r>
+              <a:rPr lang="en-US" sz="2800" b="1" noProof="1" smtClean="0">
+                <a:solidFill>
+                  <a:srgbClr val="FBEEDC"/>
+                </a:solidFill>
+                <a:effectLst>
+                  <a:outerShdw blurRad="38100" dist="38100" dir="2700000" algn="tl">
+                    <a:srgbClr val="000000">
+                      <a:alpha val="43137"/>
+                    </a:srgbClr>
+                  </a:outerShdw>
+                </a:effectLst>
+                <a:latin typeface="Consolas" pitchFamily="49" charset="0"/>
+                <a:cs typeface="Consolas" pitchFamily="49" charset="0"/>
+              </a:rPr>
+              <a:t>(</a:t>
             </a:r>
             <a:r>
               <a:rPr lang="it-IT" sz="2800" b="1" noProof="1" smtClean="0">
@@ -15922,7 +16242,7 @@
                 <a:latin typeface="Consolas" pitchFamily="49" charset="0"/>
                 <a:cs typeface="Consolas" pitchFamily="49" charset="0"/>
               </a:rPr>
-              <a:t>"Hello, </a:t>
+              <a:t>'Hello</a:t>
             </a:r>
             <a:r>
               <a:rPr lang="it-IT" sz="2800" b="1" noProof="1" smtClean="0">
@@ -15939,7 +16259,41 @@
                 <a:latin typeface="Consolas" pitchFamily="49" charset="0"/>
                 <a:cs typeface="Consolas" pitchFamily="49" charset="0"/>
               </a:rPr>
-              <a:t>" + </a:t>
+              <a:t>, </a:t>
+            </a:r>
+            <a:r>
+              <a:rPr lang="it-IT" sz="2800" b="1" noProof="1" smtClean="0">
+                <a:solidFill>
+                  <a:srgbClr val="FBEEDC"/>
+                </a:solidFill>
+                <a:effectLst>
+                  <a:outerShdw blurRad="38100" dist="38100" dir="2700000" algn="tl">
+                    <a:srgbClr val="000000">
+                      <a:alpha val="43137"/>
+                    </a:srgbClr>
+                  </a:outerShdw>
+                </a:effectLst>
+                <a:latin typeface="Consolas" pitchFamily="49" charset="0"/>
+                <a:cs typeface="Consolas" pitchFamily="49" charset="0"/>
+              </a:rPr>
+              <a:t>' </a:t>
+            </a:r>
+            <a:r>
+              <a:rPr lang="it-IT" sz="2800" b="1" noProof="1" smtClean="0">
+                <a:solidFill>
+                  <a:srgbClr val="FBEEDC"/>
+                </a:solidFill>
+                <a:effectLst>
+                  <a:outerShdw blurRad="38100" dist="38100" dir="2700000" algn="tl">
+                    <a:srgbClr val="000000">
+                      <a:alpha val="43137"/>
+                    </a:srgbClr>
+                  </a:outerShdw>
+                </a:effectLst>
+                <a:latin typeface="Consolas" pitchFamily="49" charset="0"/>
+                <a:cs typeface="Consolas" pitchFamily="49" charset="0"/>
+              </a:rPr>
+              <a:t>+ </a:t>
             </a:r>
             <a:r>
               <a:rPr lang="it-IT" sz="2800" b="1" noProof="1">
@@ -15973,7 +16327,7 @@
                 <a:latin typeface="Consolas" pitchFamily="49" charset="0"/>
                 <a:cs typeface="Consolas" pitchFamily="49" charset="0"/>
               </a:rPr>
-              <a:t>"!")</a:t>
+              <a:t>'!')</a:t>
             </a:r>
             <a:endParaRPr lang="en-US" sz="2800" b="1" noProof="1">
               <a:solidFill>
@@ -16149,21 +16503,21 @@
               <a:t>няколко такива, използвайки оператор +. Можем да </a:t>
             </a:r>
             <a:r>
-              <a:rPr lang="it-IT" sz="2800" noProof="1">
-                <a:solidFill>
-                  <a:srgbClr val="FBEEDC"/>
-                </a:solidFill>
-                <a:effectLst>
-                  <a:outerShdw blurRad="38100" dist="38100" dir="2700000" algn="tl">
-                    <a:srgbClr val="000000">
-                      <a:alpha val="43137"/>
-                    </a:srgbClr>
-                  </a:outerShdw>
-                </a:effectLst>
-                <a:latin typeface="Consolas" pitchFamily="49" charset="0"/>
-                <a:cs typeface="Consolas" pitchFamily="49" charset="0"/>
-              </a:rPr>
-              <a:t>"</a:t>
+              <a:rPr lang="it-IT" sz="2800" noProof="1" smtClean="0">
+                <a:solidFill>
+                  <a:srgbClr val="FBEEDC"/>
+                </a:solidFill>
+                <a:effectLst>
+                  <a:outerShdw blurRad="38100" dist="38100" dir="2700000" algn="tl">
+                    <a:srgbClr val="000000">
+                      <a:alpha val="43137"/>
+                    </a:srgbClr>
+                  </a:outerShdw>
+                </a:effectLst>
+                <a:latin typeface="Consolas" pitchFamily="49" charset="0"/>
+                <a:cs typeface="Consolas" pitchFamily="49" charset="0"/>
+              </a:rPr>
+              <a:t>'</a:t>
             </a:r>
             <a:r>
               <a:rPr lang="bg-BG" sz="2800" noProof="1" smtClean="0">
@@ -16183,21 +16537,21 @@
               <a:t>стрингосваме</a:t>
             </a:r>
             <a:r>
-              <a:rPr lang="it-IT" sz="2800" b="1" noProof="1">
-                <a:solidFill>
-                  <a:srgbClr val="FBEEDC"/>
-                </a:solidFill>
-                <a:effectLst>
-                  <a:outerShdw blurRad="38100" dist="38100" dir="2700000" algn="tl">
-                    <a:srgbClr val="000000">
-                      <a:alpha val="43137"/>
-                    </a:srgbClr>
-                  </a:outerShdw>
-                </a:effectLst>
-                <a:latin typeface="Consolas" pitchFamily="49" charset="0"/>
-                <a:cs typeface="Consolas" pitchFamily="49" charset="0"/>
-              </a:rPr>
-              <a:t>"</a:t>
+              <a:rPr lang="it-IT" sz="2800" b="1" noProof="1" smtClean="0">
+                <a:solidFill>
+                  <a:srgbClr val="FBEEDC"/>
+                </a:solidFill>
+                <a:effectLst>
+                  <a:outerShdw blurRad="38100" dist="38100" dir="2700000" algn="tl">
+                    <a:srgbClr val="000000">
+                      <a:alpha val="43137"/>
+                    </a:srgbClr>
+                  </a:outerShdw>
+                </a:effectLst>
+                <a:latin typeface="Consolas" pitchFamily="49" charset="0"/>
+                <a:cs typeface="Consolas" pitchFamily="49" charset="0"/>
+              </a:rPr>
+              <a:t>'</a:t>
             </a:r>
             <a:r>
               <a:rPr lang="bg-BG" sz="2800" noProof="1" smtClean="0">
@@ -16660,7 +17014,24 @@
                 <a:latin typeface="Consolas" pitchFamily="49" charset="0"/>
                 <a:cs typeface="Consolas" pitchFamily="49" charset="0"/>
               </a:rPr>
-              <a:t>print("</a:t>
+              <a:t>print</a:t>
+            </a:r>
+            <a:r>
+              <a:rPr lang="it-IT" sz="2800" b="1" noProof="1" smtClean="0">
+                <a:solidFill>
+                  <a:srgbClr val="FBEEDC"/>
+                </a:solidFill>
+                <a:effectLst>
+                  <a:outerShdw blurRad="38100" dist="38100" dir="2700000" algn="tl">
+                    <a:srgbClr val="000000">
+                      <a:alpha val="43137"/>
+                    </a:srgbClr>
+                  </a:outerShdw>
+                </a:effectLst>
+                <a:latin typeface="Consolas" pitchFamily="49" charset="0"/>
+                <a:cs typeface="Consolas" pitchFamily="49" charset="0"/>
+              </a:rPr>
+              <a:t>('You </a:t>
             </a:r>
             <a:r>
               <a:rPr lang="it-IT" sz="2800" b="1" noProof="1">
@@ -16677,7 +17048,7 @@
                 <a:latin typeface="Consolas" pitchFamily="49" charset="0"/>
                 <a:cs typeface="Consolas" pitchFamily="49" charset="0"/>
               </a:rPr>
-              <a:t>You are "</a:t>
+              <a:t>are </a:t>
             </a:r>
             <a:r>
               <a:rPr lang="it-IT" sz="2800" b="1" noProof="1" smtClean="0">
@@ -16694,7 +17065,24 @@
                 <a:latin typeface="Consolas" pitchFamily="49" charset="0"/>
                 <a:cs typeface="Consolas" pitchFamily="49" charset="0"/>
               </a:rPr>
-              <a:t> + </a:t>
+              <a:t>' </a:t>
+            </a:r>
+            <a:r>
+              <a:rPr lang="it-IT" sz="2800" b="1" noProof="1" smtClean="0">
+                <a:solidFill>
+                  <a:srgbClr val="FBEEDC"/>
+                </a:solidFill>
+                <a:effectLst>
+                  <a:outerShdw blurRad="38100" dist="38100" dir="2700000" algn="tl">
+                    <a:srgbClr val="000000">
+                      <a:alpha val="43137"/>
+                    </a:srgbClr>
+                  </a:outerShdw>
+                </a:effectLst>
+                <a:latin typeface="Consolas" pitchFamily="49" charset="0"/>
+                <a:cs typeface="Consolas" pitchFamily="49" charset="0"/>
+              </a:rPr>
+              <a:t>+ </a:t>
             </a:r>
             <a:r>
               <a:rPr lang="it-IT" sz="2800" b="1" noProof="1" smtClean="0">
@@ -16733,23 +17121,6 @@
               <a:t> + </a:t>
             </a:r>
             <a:r>
-              <a:rPr lang="it-IT" sz="2800" b="1" noProof="1">
-                <a:solidFill>
-                  <a:srgbClr val="FBEEDC"/>
-                </a:solidFill>
-                <a:effectLst>
-                  <a:outerShdw blurRad="38100" dist="38100" dir="2700000" algn="tl">
-                    <a:srgbClr val="000000">
-                      <a:alpha val="43137"/>
-                    </a:srgbClr>
-                  </a:outerShdw>
-                </a:effectLst>
-                <a:latin typeface="Consolas" pitchFamily="49" charset="0"/>
-                <a:cs typeface="Consolas" pitchFamily="49" charset="0"/>
-              </a:rPr>
-              <a:t>"</a:t>
-            </a:r>
-            <a:r>
               <a:rPr lang="it-IT" sz="2800" b="1" noProof="1" smtClean="0">
                 <a:solidFill>
                   <a:srgbClr val="FBEEDC"/>
@@ -16764,24 +17135,7 @@
                 <a:latin typeface="Consolas" pitchFamily="49" charset="0"/>
                 <a:cs typeface="Consolas" pitchFamily="49" charset="0"/>
               </a:rPr>
-              <a:t> </a:t>
-            </a:r>
-            <a:r>
-              <a:rPr lang="it-IT" sz="2800" b="1" noProof="1">
-                <a:solidFill>
-                  <a:srgbClr val="FBEEDC"/>
-                </a:solidFill>
-                <a:effectLst>
-                  <a:outerShdw blurRad="38100" dist="38100" dir="2700000" algn="tl">
-                    <a:srgbClr val="000000">
-                      <a:alpha val="43137"/>
-                    </a:srgbClr>
-                  </a:outerShdw>
-                </a:effectLst>
-                <a:latin typeface="Consolas" pitchFamily="49" charset="0"/>
-                <a:cs typeface="Consolas" pitchFamily="49" charset="0"/>
-              </a:rPr>
-              <a:t>"</a:t>
+              <a:t>' ' </a:t>
             </a:r>
             <a:r>
               <a:rPr lang="it-IT" sz="2800" b="1" noProof="1" smtClean="0">
@@ -16798,7 +17152,7 @@
                 <a:latin typeface="Consolas" pitchFamily="49" charset="0"/>
                 <a:cs typeface="Consolas" pitchFamily="49" charset="0"/>
               </a:rPr>
-              <a:t> +</a:t>
+              <a:t>+</a:t>
             </a:r>
             <a:r>
               <a:rPr lang="it-IT" sz="2800" b="1" noProof="1" smtClean="0">
@@ -16834,23 +17188,6 @@
               <a:t>+ </a:t>
             </a:r>
             <a:r>
-              <a:rPr lang="it-IT" sz="2800" b="1" noProof="1">
-                <a:solidFill>
-                  <a:srgbClr val="FBEEDC"/>
-                </a:solidFill>
-                <a:effectLst>
-                  <a:outerShdw blurRad="38100" dist="38100" dir="2700000" algn="tl">
-                    <a:srgbClr val="000000">
-                      <a:alpha val="43137"/>
-                    </a:srgbClr>
-                  </a:outerShdw>
-                </a:effectLst>
-                <a:latin typeface="Consolas" pitchFamily="49" charset="0"/>
-                <a:cs typeface="Consolas" pitchFamily="49" charset="0"/>
-              </a:rPr>
-              <a:t>", </a:t>
-            </a:r>
-            <a:r>
               <a:rPr lang="it-IT" sz="2800" b="1" noProof="1" smtClean="0">
                 <a:solidFill>
                   <a:srgbClr val="FBEEDC"/>
@@ -16865,7 +17202,41 @@
                 <a:latin typeface="Consolas" pitchFamily="49" charset="0"/>
                 <a:cs typeface="Consolas" pitchFamily="49" charset="0"/>
               </a:rPr>
-              <a:t>a "</a:t>
+              <a:t>', </a:t>
+            </a:r>
+            <a:r>
+              <a:rPr lang="it-IT" sz="2800" b="1" noProof="1" smtClean="0">
+                <a:solidFill>
+                  <a:srgbClr val="FBEEDC"/>
+                </a:solidFill>
+                <a:effectLst>
+                  <a:outerShdw blurRad="38100" dist="38100" dir="2700000" algn="tl">
+                    <a:srgbClr val="000000">
+                      <a:alpha val="43137"/>
+                    </a:srgbClr>
+                  </a:outerShdw>
+                </a:effectLst>
+                <a:latin typeface="Consolas" pitchFamily="49" charset="0"/>
+                <a:cs typeface="Consolas" pitchFamily="49" charset="0"/>
+              </a:rPr>
+              <a:t>a </a:t>
+            </a:r>
+            <a:r>
+              <a:rPr lang="it-IT" sz="2800" b="1" noProof="1" smtClean="0">
+                <a:solidFill>
+                  <a:srgbClr val="FBEEDC"/>
+                </a:solidFill>
+                <a:effectLst>
+                  <a:outerShdw blurRad="38100" dist="38100" dir="2700000" algn="tl">
+                    <a:srgbClr val="000000">
+                      <a:alpha val="43137"/>
+                    </a:srgbClr>
+                  </a:outerShdw>
+                </a:effectLst>
+                <a:latin typeface="Consolas" pitchFamily="49" charset="0"/>
+                <a:cs typeface="Consolas" pitchFamily="49" charset="0"/>
+              </a:rPr>
+              <a:t>'</a:t>
             </a:r>
             <a:endParaRPr lang="it-IT" sz="2800" b="1" noProof="1" smtClean="0">
               <a:solidFill>
@@ -16949,6 +17320,23 @@
               <a:t> + </a:t>
             </a:r>
             <a:r>
+              <a:rPr lang="it-IT" sz="2800" b="1" noProof="1" smtClean="0">
+                <a:solidFill>
+                  <a:srgbClr val="FBEEDC"/>
+                </a:solidFill>
+                <a:effectLst>
+                  <a:outerShdw blurRad="38100" dist="38100" dir="2700000" algn="tl">
+                    <a:srgbClr val="000000">
+                      <a:alpha val="43137"/>
+                    </a:srgbClr>
+                  </a:outerShdw>
+                </a:effectLst>
+                <a:latin typeface="Consolas" pitchFamily="49" charset="0"/>
+                <a:cs typeface="Consolas" pitchFamily="49" charset="0"/>
+              </a:rPr>
+              <a:t>'-</a:t>
+            </a:r>
+            <a:r>
               <a:rPr lang="it-IT" sz="2800" b="1" noProof="1">
                 <a:solidFill>
                   <a:srgbClr val="FBEEDC"/>
@@ -16963,7 +17351,24 @@
                 <a:latin typeface="Consolas" pitchFamily="49" charset="0"/>
                 <a:cs typeface="Consolas" pitchFamily="49" charset="0"/>
               </a:rPr>
-              <a:t>"-years old person from " </a:t>
+              <a:t>years old person from </a:t>
+            </a:r>
+            <a:r>
+              <a:rPr lang="it-IT" sz="2800" b="1" noProof="1" smtClean="0">
+                <a:solidFill>
+                  <a:srgbClr val="FBEEDC"/>
+                </a:solidFill>
+                <a:effectLst>
+                  <a:outerShdw blurRad="38100" dist="38100" dir="2700000" algn="tl">
+                    <a:srgbClr val="000000">
+                      <a:alpha val="43137"/>
+                    </a:srgbClr>
+                  </a:outerShdw>
+                </a:effectLst>
+                <a:latin typeface="Consolas" pitchFamily="49" charset="0"/>
+                <a:cs typeface="Consolas" pitchFamily="49" charset="0"/>
+              </a:rPr>
+              <a:t>' </a:t>
             </a:r>
             <a:r>
               <a:rPr lang="it-IT" sz="2800" b="1" noProof="1" smtClean="0">
@@ -17097,7 +17502,7 @@
                 <a:latin typeface="Consolas" pitchFamily="49" charset="0"/>
                 <a:cs typeface="Consolas" pitchFamily="49" charset="0"/>
               </a:rPr>
-              <a:t>"."</a:t>
+              <a:t>'.'</a:t>
             </a:r>
             <a:r>
               <a:rPr lang="bg-BG" sz="2800" b="1" noProof="1" smtClean="0">

--- a/2. Simple-Calculations/2. Simple-Calculations.pptx
+++ b/2. Simple-Calculations/2. Simple-Calculations.pptx
@@ -245,7 +245,7 @@
             <a:fld id="{FE5B4EDC-59C0-49C7-8ADA-5A781B329E02}" type="datetimeFigureOut">
               <a:rPr lang="en-US"/>
               <a:pPr/>
-              <a:t>2/8/2017</a:t>
+              <a:t>2/14/2017</a:t>
             </a:fld>
             <a:endParaRPr dirty="0"/>
           </a:p>
@@ -444,7 +444,7 @@
             <a:fld id="{F2D8D46A-B586-417D-BFBD-8C8FE0AAF762}" type="datetimeFigureOut">
               <a:rPr lang="en-US" smtClean="0"/>
               <a:pPr/>
-              <a:t>2/8/2017</a:t>
+              <a:t>2/14/2017</a:t>
             </a:fld>
             <a:endParaRPr lang="en-US"/>
           </a:p>
@@ -2194,7 +2194,7 @@
             <a:fld id="{055373AC-9AA7-423B-BA00-BA1C74164DBD}" type="datetime1">
               <a:rPr lang="en-US" smtClean="0"/>
               <a:pPr/>
-              <a:t>2/8/2017</a:t>
+              <a:t>2/14/2017</a:t>
             </a:fld>
             <a:endParaRPr lang="en-US" dirty="0"/>
           </a:p>
@@ -3468,7 +3468,7 @@
             <a:fld id="{055373AC-9AA7-423B-BA00-BA1C74164DBD}" type="datetime1">
               <a:rPr lang="en-US" smtClean="0"/>
               <a:pPr/>
-              <a:t>2/8/2017</a:t>
+              <a:t>2/14/2017</a:t>
             </a:fld>
             <a:endParaRPr lang="en-US" dirty="0"/>
           </a:p>
@@ -5952,26 +5952,7 @@
                 <a:latin typeface="Consolas" pitchFamily="49" charset="0"/>
                 <a:cs typeface="Consolas" pitchFamily="49" charset="0"/>
               </a:rPr>
-              <a:t> </a:t>
-            </a:r>
-            <a:r>
-              <a:rPr lang="bg-BG" sz="2800" b="1" i="1" noProof="1" smtClean="0">
-                <a:solidFill>
-                  <a:schemeClr val="tx2">
-                    <a:lumMod val="75000"/>
-                  </a:schemeClr>
-                </a:solidFill>
-                <a:effectLst>
-                  <a:outerShdw blurRad="38100" dist="38100" dir="2700000" algn="tl">
-                    <a:srgbClr val="000000">
-                      <a:alpha val="43137"/>
-                    </a:srgbClr>
-                  </a:outerShdw>
-                </a:effectLst>
-                <a:latin typeface="Consolas" pitchFamily="49" charset="0"/>
-                <a:cs typeface="Consolas" pitchFamily="49" charset="0"/>
-              </a:rPr>
-              <a:t>–</a:t>
+              <a:t> –</a:t>
             </a:r>
             <a:r>
               <a:rPr lang="en-US" sz="2800" b="1" i="1" noProof="1" smtClean="0">
@@ -6686,20 +6667,6 @@
               </a:rPr>
               <a:t> ='Maria'</a:t>
             </a:r>
-            <a:endParaRPr lang="nn-NO" sz="2800" b="1" noProof="1" smtClean="0">
-              <a:solidFill>
-                <a:srgbClr val="FBEEDC"/>
-              </a:solidFill>
-              <a:effectLst>
-                <a:outerShdw blurRad="38100" dist="38100" dir="2700000" algn="tl">
-                  <a:srgbClr val="000000">
-                    <a:alpha val="43137"/>
-                  </a:srgbClr>
-                </a:outerShdw>
-              </a:effectLst>
-              <a:latin typeface="Consolas" pitchFamily="49" charset="0"/>
-              <a:cs typeface="Consolas" pitchFamily="49" charset="0"/>
-            </a:endParaRPr>
           </a:p>
           <a:p>
             <a:pPr eaLnBrk="0" hangingPunct="0">
@@ -6948,24 +6915,7 @@
                 <a:latin typeface="Consolas" pitchFamily="49" charset="0"/>
                 <a:cs typeface="Consolas" pitchFamily="49" charset="0"/>
               </a:rPr>
-              <a:t> </a:t>
-            </a:r>
-            <a:r>
-              <a:rPr lang="en-US" sz="2800" b="1" noProof="1" smtClean="0">
-                <a:solidFill>
-                  <a:srgbClr val="FBEEDC"/>
-                </a:solidFill>
-                <a:effectLst>
-                  <a:outerShdw blurRad="38100" dist="38100" dir="2700000" algn="tl">
-                    <a:srgbClr val="000000">
-                      <a:alpha val="43137"/>
-                    </a:srgbClr>
-                  </a:outerShdw>
-                </a:effectLst>
-                <a:latin typeface="Consolas" pitchFamily="49" charset="0"/>
-                <a:cs typeface="Consolas" pitchFamily="49" charset="0"/>
-              </a:rPr>
-              <a:t>' ' </a:t>
+              <a:t> ' ' </a:t>
             </a:r>
             <a:r>
               <a:rPr lang="en-US" sz="2800" b="1" noProof="1" smtClean="0">
@@ -7037,58 +6987,7 @@
                 <a:latin typeface="Consolas" pitchFamily="49" charset="0"/>
                 <a:cs typeface="Consolas" pitchFamily="49" charset="0"/>
               </a:rPr>
-              <a:t> </a:t>
-            </a:r>
-            <a:r>
-              <a:rPr lang="en-US" sz="2800" b="1" noProof="1" smtClean="0">
-                <a:solidFill>
-                  <a:srgbClr val="FBEEDC"/>
-                </a:solidFill>
-                <a:effectLst>
-                  <a:outerShdw blurRad="38100" dist="38100" dir="2700000" algn="tl">
-                    <a:srgbClr val="000000">
-                      <a:alpha val="43137"/>
-                    </a:srgbClr>
-                  </a:outerShdw>
-                </a:effectLst>
-                <a:latin typeface="Consolas" pitchFamily="49" charset="0"/>
-                <a:cs typeface="Consolas" pitchFamily="49" charset="0"/>
-              </a:rPr>
-              <a:t>' </a:t>
-            </a:r>
-            <a:r>
-              <a:rPr lang="en-US" sz="2800" b="1" noProof="1" smtClean="0">
-                <a:solidFill>
-                  <a:srgbClr val="FBEEDC"/>
-                </a:solidFill>
-                <a:effectLst>
-                  <a:outerShdw blurRad="38100" dist="38100" dir="2700000" algn="tl">
-                    <a:srgbClr val="000000">
-                      <a:alpha val="43137"/>
-                    </a:srgbClr>
-                  </a:outerShdw>
-                </a:effectLst>
-                <a:latin typeface="Consolas" pitchFamily="49" charset="0"/>
-                <a:cs typeface="Consolas" pitchFamily="49" charset="0"/>
-              </a:rPr>
-              <a:t>@ </a:t>
-            </a:r>
-            <a:r>
-              <a:rPr lang="en-US" sz="2800" b="1" noProof="1" smtClean="0">
-                <a:solidFill>
-                  <a:srgbClr val="FBEEDC"/>
-                </a:solidFill>
-                <a:effectLst>
-                  <a:outerShdw blurRad="38100" dist="38100" dir="2700000" algn="tl">
-                    <a:srgbClr val="000000">
-                      <a:alpha val="43137"/>
-                    </a:srgbClr>
-                  </a:outerShdw>
-                </a:effectLst>
-                <a:latin typeface="Consolas" pitchFamily="49" charset="0"/>
-                <a:cs typeface="Consolas" pitchFamily="49" charset="0"/>
-              </a:rPr>
-              <a:t>' </a:t>
+              <a:t> ' @ ' </a:t>
             </a:r>
             <a:r>
               <a:rPr lang="en-US" sz="2800" b="1" noProof="1" smtClean="0">
@@ -7464,41 +7363,7 @@
                 <a:latin typeface="Consolas" pitchFamily="49" charset="0"/>
                 <a:cs typeface="Consolas" pitchFamily="49" charset="0"/>
               </a:rPr>
-              <a:t>The </a:t>
-            </a:r>
-            <a:r>
-              <a:rPr lang="en-US" sz="2800" b="1" noProof="1" smtClean="0">
-                <a:solidFill>
-                  <a:srgbClr val="FBEEDC"/>
-                </a:solidFill>
-                <a:effectLst>
-                  <a:outerShdw blurRad="38100" dist="38100" dir="2700000" algn="tl">
-                    <a:srgbClr val="000000">
-                      <a:alpha val="43137"/>
-                    </a:srgbClr>
-                  </a:outerShdw>
-                </a:effectLst>
-                <a:latin typeface="Consolas" pitchFamily="49" charset="0"/>
-                <a:cs typeface="Consolas" pitchFamily="49" charset="0"/>
-              </a:rPr>
-              <a:t>sum is: </a:t>
-            </a:r>
-            <a:r>
-              <a:rPr lang="en-US" sz="2800" b="1" noProof="1" smtClean="0">
-                <a:solidFill>
-                  <a:srgbClr val="FBEEDC"/>
-                </a:solidFill>
-                <a:effectLst>
-                  <a:outerShdw blurRad="38100" dist="38100" dir="2700000" algn="tl">
-                    <a:srgbClr val="000000">
-                      <a:alpha val="43137"/>
-                    </a:srgbClr>
-                  </a:outerShdw>
-                </a:effectLst>
-                <a:latin typeface="Consolas" pitchFamily="49" charset="0"/>
-                <a:cs typeface="Consolas" pitchFamily="49" charset="0"/>
-              </a:rPr>
-              <a:t>' </a:t>
+              <a:t>The sum is: ' </a:t>
             </a:r>
             <a:r>
               <a:rPr lang="en-US" sz="2800" b="1" noProof="1" smtClean="0">
@@ -8394,41 +8259,7 @@
                 <a:latin typeface="Consolas" pitchFamily="49" charset="0"/>
                 <a:cs typeface="Consolas" pitchFamily="49" charset="0"/>
               </a:rPr>
-              <a:t>print</a:t>
-            </a:r>
-            <a:r>
-              <a:rPr lang="it-IT" sz="2800" b="1" noProof="1" smtClean="0">
-                <a:solidFill>
-                  <a:srgbClr val="FBEEDC"/>
-                </a:solidFill>
-                <a:effectLst>
-                  <a:outerShdw blurRad="38100" dist="38100" dir="2700000" algn="tl">
-                    <a:srgbClr val="000000">
-                      <a:alpha val="43137"/>
-                    </a:srgbClr>
-                  </a:outerShdw>
-                </a:effectLst>
-                <a:latin typeface="Consolas" pitchFamily="49" charset="0"/>
-                <a:cs typeface="Consolas" pitchFamily="49" charset="0"/>
-              </a:rPr>
-              <a:t>('Trapezoid area =' </a:t>
-            </a:r>
-            <a:r>
-              <a:rPr lang="it-IT" sz="2800" b="1" noProof="1" smtClean="0">
-                <a:solidFill>
-                  <a:srgbClr val="FBEEDC"/>
-                </a:solidFill>
-                <a:effectLst>
-                  <a:outerShdw blurRad="38100" dist="38100" dir="2700000" algn="tl">
-                    <a:srgbClr val="000000">
-                      <a:alpha val="43137"/>
-                    </a:srgbClr>
-                  </a:outerShdw>
-                </a:effectLst>
-                <a:latin typeface="Consolas" pitchFamily="49" charset="0"/>
-                <a:cs typeface="Consolas" pitchFamily="49" charset="0"/>
-              </a:rPr>
-              <a:t>+ str(area))</a:t>
+              <a:t>print('Trapezoid area =' + str(area))</a:t>
             </a:r>
             <a:endParaRPr lang="it-IT" sz="2800" b="1" noProof="1">
               <a:solidFill>
@@ -8759,7 +8590,7 @@
         <p:spPr bwMode="auto">
           <a:xfrm>
             <a:off x="836612" y="3688947"/>
-            <a:ext cx="10515600" cy="2462213"/>
+            <a:ext cx="10515600" cy="1988237"/>
           </a:xfrm>
           <a:prstGeom prst="rect">
             <a:avLst/>
@@ -8813,22 +8644,8 @@
                 <a:latin typeface="Consolas" pitchFamily="49" charset="0"/>
                 <a:cs typeface="Consolas" pitchFamily="49" charset="0"/>
               </a:rPr>
-              <a:t>import math</a:t>
-            </a:r>
-          </a:p>
-          <a:p>
-            <a:pPr eaLnBrk="0" hangingPunct="0">
-              <a:lnSpc>
-                <a:spcPct val="110000"/>
-              </a:lnSpc>
-              <a:buClr>
-                <a:schemeClr val="accent5">
-                  <a:lumMod val="40000"/>
-                  <a:lumOff val="60000"/>
-                </a:schemeClr>
-              </a:buClr>
-              <a:buSzPct val="70000"/>
-            </a:pPr>
+              <a:t>import </a:t>
+            </a:r>
             <a:r>
               <a:rPr lang="en-US" sz="2800" b="1" noProof="1" smtClean="0">
                 <a:solidFill>
@@ -8844,58 +8661,7 @@
                 <a:latin typeface="Consolas" pitchFamily="49" charset="0"/>
                 <a:cs typeface="Consolas" pitchFamily="49" charset="0"/>
               </a:rPr>
-              <a:t>print</a:t>
-            </a:r>
-            <a:r>
-              <a:rPr lang="en-US" sz="2800" b="1" noProof="1" smtClean="0">
-                <a:solidFill>
-                  <a:srgbClr val="FBEEDC"/>
-                </a:solidFill>
-                <a:effectLst>
-                  <a:outerShdw blurRad="38100" dist="38100" dir="2700000" algn="tl">
-                    <a:srgbClr val="000000">
-                      <a:alpha val="43137"/>
-                    </a:srgbClr>
-                  </a:outerShdw>
-                </a:effectLst>
-                <a:latin typeface="Consolas" pitchFamily="49" charset="0"/>
-                <a:cs typeface="Consolas" pitchFamily="49" charset="0"/>
-              </a:rPr>
-              <a:t>('Enter </a:t>
-            </a:r>
-            <a:r>
-              <a:rPr lang="en-US" sz="2800" b="1" noProof="1" smtClean="0">
-                <a:solidFill>
-                  <a:srgbClr val="FBEEDC"/>
-                </a:solidFill>
-                <a:effectLst>
-                  <a:outerShdw blurRad="38100" dist="38100" dir="2700000" algn="tl">
-                    <a:srgbClr val="000000">
-                      <a:alpha val="43137"/>
-                    </a:srgbClr>
-                  </a:outerShdw>
-                </a:effectLst>
-                <a:latin typeface="Consolas" pitchFamily="49" charset="0"/>
-                <a:cs typeface="Consolas" pitchFamily="49" charset="0"/>
-              </a:rPr>
-              <a:t>circle radius. </a:t>
-            </a:r>
-            <a:r>
-              <a:rPr lang="en-US" sz="2800" b="1" noProof="1" smtClean="0">
-                <a:solidFill>
-                  <a:srgbClr val="FBEEDC"/>
-                </a:solidFill>
-                <a:effectLst>
-                  <a:outerShdw blurRad="38100" dist="38100" dir="2700000" algn="tl">
-                    <a:srgbClr val="000000">
-                      <a:alpha val="43137"/>
-                    </a:srgbClr>
-                  </a:outerShdw>
-                </a:effectLst>
-                <a:latin typeface="Consolas" pitchFamily="49" charset="0"/>
-                <a:cs typeface="Consolas" pitchFamily="49" charset="0"/>
-              </a:rPr>
-              <a:t>r =')</a:t>
+              <a:t>math</a:t>
             </a:r>
             <a:endParaRPr lang="bg-BG" sz="2800" b="1" noProof="1" smtClean="0">
               <a:solidFill>
@@ -8991,8 +8757,56 @@
                 <a:latin typeface="Consolas" pitchFamily="49" charset="0"/>
                 <a:cs typeface="Consolas" pitchFamily="49" charset="0"/>
               </a:rPr>
-              <a:t>())</a:t>
-            </a:r>
+              <a:t>(</a:t>
+            </a:r>
+            <a:r>
+              <a:rPr lang="en-US" sz="2800" b="1" noProof="1">
+                <a:solidFill>
+                  <a:srgbClr val="FBEEDC"/>
+                </a:solidFill>
+                <a:effectLst>
+                  <a:outerShdw blurRad="38100" dist="38100" dir="2700000" algn="tl">
+                    <a:srgbClr val="000000">
+                      <a:alpha val="43137"/>
+                    </a:srgbClr>
+                  </a:outerShdw>
+                </a:effectLst>
+                <a:latin typeface="Consolas" pitchFamily="49" charset="0"/>
+                <a:cs typeface="Consolas" pitchFamily="49" charset="0"/>
+              </a:rPr>
+              <a:t>'Enter circle radius. r ='</a:t>
+            </a:r>
+            <a:r>
+              <a:rPr lang="it-IT" sz="2800" b="1" noProof="1" smtClean="0">
+                <a:solidFill>
+                  <a:srgbClr val="FBEEDC"/>
+                </a:solidFill>
+                <a:effectLst>
+                  <a:outerShdw blurRad="38100" dist="38100" dir="2700000" algn="tl">
+                    <a:srgbClr val="000000">
+                      <a:alpha val="43137"/>
+                    </a:srgbClr>
+                  </a:outerShdw>
+                </a:effectLst>
+                <a:latin typeface="Consolas" pitchFamily="49" charset="0"/>
+                <a:cs typeface="Consolas" pitchFamily="49" charset="0"/>
+              </a:rPr>
+              <a:t>))</a:t>
+            </a:r>
+            <a:endParaRPr lang="it-IT" sz="2800" b="1" noProof="1" smtClean="0">
+              <a:solidFill>
+                <a:srgbClr val="FBEEDC"/>
+              </a:solidFill>
+              <a:effectLst>
+                <a:outerShdw blurRad="38100" dist="38100" dir="2700000" algn="tl">
+                  <a:srgbClr val="000000">
+                    <a:alpha val="43137"/>
+                  </a:srgbClr>
+                </a:outerShdw>
+              </a:effectLst>
+              <a:latin typeface="Consolas" pitchFamily="49" charset="0"/>
+              <a:cs typeface="Consolas" pitchFamily="49" charset="0"/>
+            </a:endParaRPr>
           </a:p>
           <a:p>
             <a:pPr eaLnBrk="0" hangingPunct="0">
@@ -9022,24 +8836,7 @@
                 <a:latin typeface="Consolas" pitchFamily="49" charset="0"/>
                 <a:cs typeface="Consolas" pitchFamily="49" charset="0"/>
               </a:rPr>
-              <a:t>print</a:t>
-            </a:r>
-            <a:r>
-              <a:rPr lang="it-IT" sz="2800" b="1" noProof="1" smtClean="0">
-                <a:solidFill>
-                  <a:srgbClr val="FBEEDC"/>
-                </a:solidFill>
-                <a:effectLst>
-                  <a:outerShdw blurRad="38100" dist="38100" dir="2700000" algn="tl">
-                    <a:srgbClr val="000000">
-                      <a:alpha val="43137"/>
-                    </a:srgbClr>
-                  </a:outerShdw>
-                </a:effectLst>
-                <a:latin typeface="Consolas" pitchFamily="49" charset="0"/>
-                <a:cs typeface="Consolas" pitchFamily="49" charset="0"/>
-              </a:rPr>
-              <a:t>('Area ='</a:t>
+              <a:t>print('Area ='</a:t>
             </a:r>
             <a:r>
               <a:rPr lang="bg-BG" sz="2800" b="1" noProof="1" smtClean="0">
@@ -9056,24 +8853,7 @@
                 <a:latin typeface="Consolas" pitchFamily="49" charset="0"/>
                 <a:cs typeface="Consolas" pitchFamily="49" charset="0"/>
               </a:rPr>
-              <a:t> </a:t>
-            </a:r>
-            <a:r>
-              <a:rPr lang="bg-BG" sz="2800" b="1" noProof="1" smtClean="0">
-                <a:solidFill>
-                  <a:srgbClr val="FBEEDC"/>
-                </a:solidFill>
-                <a:effectLst>
-                  <a:outerShdw blurRad="38100" dist="38100" dir="2700000" algn="tl">
-                    <a:srgbClr val="000000">
-                      <a:alpha val="43137"/>
-                    </a:srgbClr>
-                  </a:outerShdw>
-                </a:effectLst>
-                <a:latin typeface="Consolas" pitchFamily="49" charset="0"/>
-                <a:cs typeface="Consolas" pitchFamily="49" charset="0"/>
-              </a:rPr>
-              <a:t>+ </a:t>
+              <a:t> + </a:t>
             </a:r>
             <a:r>
               <a:rPr lang="sv-SE" sz="2800" b="1" noProof="1" smtClean="0">
@@ -9176,41 +8956,7 @@
                 <a:latin typeface="Consolas" pitchFamily="49" charset="0"/>
                 <a:cs typeface="Consolas" pitchFamily="49" charset="0"/>
               </a:rPr>
-              <a:t>print</a:t>
-            </a:r>
-            <a:r>
-              <a:rPr lang="it-IT" sz="2800" b="1" noProof="1" smtClean="0">
-                <a:solidFill>
-                  <a:srgbClr val="FBEEDC"/>
-                </a:solidFill>
-                <a:effectLst>
-                  <a:outerShdw blurRad="38100" dist="38100" dir="2700000" algn="tl">
-                    <a:srgbClr val="000000">
-                      <a:alpha val="43137"/>
-                    </a:srgbClr>
-                  </a:outerShdw>
-                </a:effectLst>
-                <a:latin typeface="Consolas" pitchFamily="49" charset="0"/>
-                <a:cs typeface="Consolas" pitchFamily="49" charset="0"/>
-              </a:rPr>
-              <a:t>('Perimeter =' </a:t>
-            </a:r>
-            <a:r>
-              <a:rPr lang="it-IT" sz="2800" b="1" noProof="1" smtClean="0">
-                <a:solidFill>
-                  <a:srgbClr val="FBEEDC"/>
-                </a:solidFill>
-                <a:effectLst>
-                  <a:outerShdw blurRad="38100" dist="38100" dir="2700000" algn="tl">
-                    <a:srgbClr val="000000">
-                      <a:alpha val="43137"/>
-                    </a:srgbClr>
-                  </a:outerShdw>
-                </a:effectLst>
-                <a:latin typeface="Consolas" pitchFamily="49" charset="0"/>
-                <a:cs typeface="Consolas" pitchFamily="49" charset="0"/>
-              </a:rPr>
-              <a:t>+ str(</a:t>
+              <a:t>print('Perimeter =' + str(</a:t>
             </a:r>
             <a:r>
               <a:rPr lang="it-IT" sz="2800" b="1" noProof="1" smtClean="0">
@@ -10227,24 +9973,7 @@
                 <a:latin typeface="Consolas" pitchFamily="49" charset="0"/>
                 <a:cs typeface="Consolas" pitchFamily="49" charset="0"/>
               </a:rPr>
-              <a:t>print</a:t>
-            </a:r>
-            <a:r>
-              <a:rPr lang="en-US" b="1" noProof="1" smtClean="0">
-                <a:solidFill>
-                  <a:srgbClr val="FBEEDC"/>
-                </a:solidFill>
-                <a:effectLst>
-                  <a:outerShdw blurRad="38100" dist="38100" dir="2700000" algn="tl">
-                    <a:srgbClr val="000000">
-                      <a:alpha val="43137"/>
-                    </a:srgbClr>
-                  </a:outerShdw>
-                </a:effectLst>
-                <a:latin typeface="Consolas" pitchFamily="49" charset="0"/>
-                <a:cs typeface="Consolas" pitchFamily="49" charset="0"/>
-              </a:rPr>
-              <a:t>('Area =', </a:t>
+              <a:t>print('Area =', </a:t>
             </a:r>
             <a:r>
               <a:rPr lang="en-US" b="1" noProof="1">
@@ -10323,24 +10052,7 @@
                 <a:latin typeface="Consolas" pitchFamily="49" charset="0"/>
                 <a:cs typeface="Consolas" pitchFamily="49" charset="0"/>
               </a:rPr>
-              <a:t>print</a:t>
-            </a:r>
-            <a:r>
-              <a:rPr lang="en-US" b="1" noProof="1" smtClean="0">
-                <a:solidFill>
-                  <a:srgbClr val="FBEEDC"/>
-                </a:solidFill>
-                <a:effectLst>
-                  <a:outerShdw blurRad="38100" dist="38100" dir="2700000" algn="tl">
-                    <a:srgbClr val="000000">
-                      <a:alpha val="43137"/>
-                    </a:srgbClr>
-                  </a:outerShdw>
-                </a:effectLst>
-                <a:latin typeface="Consolas" pitchFamily="49" charset="0"/>
-                <a:cs typeface="Consolas" pitchFamily="49" charset="0"/>
-              </a:rPr>
-              <a:t>('Perimeter =', </a:t>
+              <a:t>print('Perimeter =', </a:t>
             </a:r>
             <a:r>
               <a:rPr lang="en-US" b="1" noProof="1">
@@ -11422,121 +11134,7 @@
                 <a:latin typeface="Consolas" pitchFamily="49" charset="0"/>
                 <a:cs typeface="Consolas" pitchFamily="49" charset="0"/>
               </a:rPr>
-              <a:t>str(3) + </a:t>
-            </a:r>
-            <a:r>
-              <a:rPr lang="en-US" sz="2800" b="1" noProof="1" smtClean="0">
-                <a:solidFill>
-                  <a:schemeClr val="tx2">
-                    <a:lumMod val="75000"/>
-                  </a:schemeClr>
-                </a:solidFill>
-                <a:effectLst>
-                  <a:outerShdw blurRad="38100" dist="38100" dir="2700000" algn="tl">
-                    <a:srgbClr val="000000">
-                      <a:alpha val="43137"/>
-                    </a:srgbClr>
-                  </a:outerShdw>
-                </a:effectLst>
-                <a:latin typeface="Consolas" pitchFamily="49" charset="0"/>
-                <a:cs typeface="Consolas" pitchFamily="49" charset="0"/>
-              </a:rPr>
-              <a:t>' </a:t>
-            </a:r>
-            <a:r>
-              <a:rPr lang="en-US" sz="2800" b="1" noProof="1" smtClean="0">
-                <a:solidFill>
-                  <a:schemeClr val="tx2">
-                    <a:lumMod val="75000"/>
-                  </a:schemeClr>
-                </a:solidFill>
-                <a:effectLst>
-                  <a:outerShdw blurRad="38100" dist="38100" dir="2700000" algn="tl">
-                    <a:srgbClr val="000000">
-                      <a:alpha val="43137"/>
-                    </a:srgbClr>
-                  </a:outerShdw>
-                </a:effectLst>
-                <a:latin typeface="Consolas" pitchFamily="49" charset="0"/>
-                <a:cs typeface="Consolas" pitchFamily="49" charset="0"/>
-              </a:rPr>
-              <a:t>+ </a:t>
-            </a:r>
-            <a:r>
-              <a:rPr lang="en-US" sz="2800" b="1" noProof="1" smtClean="0">
-                <a:solidFill>
-                  <a:schemeClr val="tx2">
-                    <a:lumMod val="75000"/>
-                  </a:schemeClr>
-                </a:solidFill>
-                <a:effectLst>
-                  <a:outerShdw blurRad="38100" dist="38100" dir="2700000" algn="tl">
-                    <a:srgbClr val="000000">
-                      <a:alpha val="43137"/>
-                    </a:srgbClr>
-                  </a:outerShdw>
-                </a:effectLst>
-                <a:latin typeface="Consolas" pitchFamily="49" charset="0"/>
-                <a:cs typeface="Consolas" pitchFamily="49" charset="0"/>
-              </a:rPr>
-              <a:t>' </a:t>
-            </a:r>
-            <a:r>
-              <a:rPr lang="en-US" sz="2800" b="1" noProof="1" smtClean="0">
-                <a:solidFill>
-                  <a:schemeClr val="tx2">
-                    <a:lumMod val="75000"/>
-                  </a:schemeClr>
-                </a:solidFill>
-                <a:effectLst>
-                  <a:outerShdw blurRad="38100" dist="38100" dir="2700000" algn="tl">
-                    <a:srgbClr val="000000">
-                      <a:alpha val="43137"/>
-                    </a:srgbClr>
-                  </a:outerShdw>
-                </a:effectLst>
-                <a:latin typeface="Consolas" pitchFamily="49" charset="0"/>
-                <a:cs typeface="Consolas" pitchFamily="49" charset="0"/>
-              </a:rPr>
-              <a:t>+ str(5) + </a:t>
-            </a:r>
-            <a:r>
-              <a:rPr lang="en-US" sz="2800" b="1" noProof="1" smtClean="0">
-                <a:solidFill>
-                  <a:schemeClr val="tx2">
-                    <a:lumMod val="75000"/>
-                  </a:schemeClr>
-                </a:solidFill>
-                <a:effectLst>
-                  <a:outerShdw blurRad="38100" dist="38100" dir="2700000" algn="tl">
-                    <a:srgbClr val="000000">
-                      <a:alpha val="43137"/>
-                    </a:srgbClr>
-                  </a:outerShdw>
-                </a:effectLst>
-                <a:latin typeface="Consolas" pitchFamily="49" charset="0"/>
-                <a:cs typeface="Consolas" pitchFamily="49" charset="0"/>
-              </a:rPr>
-              <a:t>' = ' </a:t>
-            </a:r>
-            <a:r>
-              <a:rPr lang="en-US" sz="2800" b="1" noProof="1" smtClean="0">
-                <a:solidFill>
-                  <a:schemeClr val="tx2">
-                    <a:lumMod val="75000"/>
-                  </a:schemeClr>
-                </a:solidFill>
-                <a:effectLst>
-                  <a:outerShdw blurRad="38100" dist="38100" dir="2700000" algn="tl">
-                    <a:srgbClr val="000000">
-                      <a:alpha val="43137"/>
-                    </a:srgbClr>
-                  </a:outerShdw>
-                </a:effectLst>
-                <a:latin typeface="Consolas" pitchFamily="49" charset="0"/>
-                <a:cs typeface="Consolas" pitchFamily="49" charset="0"/>
-              </a:rPr>
-              <a:t>+ str(3 + 5)</a:t>
+              <a:t>str(3) + ' + ' + str(5) + ' = ' + str(3 + 5)</a:t>
             </a:r>
             <a:r>
               <a:rPr lang="en-US" sz="2800" b="1" noProof="1" smtClean="0">
@@ -12189,33 +11787,17 @@
               <a:rPr lang="bg-BG" sz="2000" dirty="0" smtClean="0">
                 <a:hlinkClick r:id="rId4"/>
               </a:rPr>
-              <a:t>Основи </a:t>
-            </a:r>
-            <a:r>
-              <a:rPr lang="bg-BG" sz="2000" dirty="0" smtClean="0">
-                <a:hlinkClick r:id="rId4"/>
-              </a:rPr>
-              <a:t>на програмирането със </a:t>
+              <a:t>Основи на програмирането със </a:t>
             </a:r>
             <a:r>
               <a:rPr lang="en-US" sz="2000" dirty="0" smtClean="0">
                 <a:hlinkClick r:id="rId4"/>
               </a:rPr>
-              <a:t>C</a:t>
-            </a:r>
-            <a:r>
-              <a:rPr lang="en-US" sz="2000" dirty="0" smtClean="0">
-                <a:hlinkClick r:id="rId4"/>
-              </a:rPr>
-              <a:t>#'</a:t>
+              <a:t>C#'</a:t>
             </a:r>
             <a:r>
               <a:rPr lang="bg-BG" sz="2000" dirty="0" smtClean="0"/>
-              <a:t> </a:t>
-            </a:r>
-            <a:r>
-              <a:rPr lang="bg-BG" sz="2000" dirty="0" smtClean="0"/>
-              <a:t>от Светлин Наков и колектив с лиценз</a:t>
+              <a:t> от Светлин Наков и колектив с лиценз</a:t>
             </a:r>
             <a:r>
               <a:rPr lang="en-US" sz="2000" dirty="0" smtClean="0"/>
@@ -12641,11 +12223,7 @@
             </a:pPr>
             <a:r>
               <a:rPr lang="bg-BG" sz="3200" dirty="0" smtClean="0"/>
-              <a:t>Фондация </a:t>
-            </a:r>
-            <a:r>
-              <a:rPr lang="bg-BG" sz="3200" dirty="0" smtClean="0"/>
-              <a:t>'Софтуерен университет' </a:t>
+              <a:t>Фондация 'Софтуерен университет' </a:t>
             </a:r>
             <a:r>
               <a:rPr lang="en-US" sz="3200" dirty="0" smtClean="0"/>
@@ -13121,7 +12699,13 @@
             <a:endParaRPr lang="en-US" sz="3200" dirty="0"/>
           </a:p>
           <a:p>
-            <a:endParaRPr lang="en-US" sz="3200" dirty="0"/>
+            <a:pPr marL="0" indent="0">
+              <a:spcBef>
+                <a:spcPts val="1200"/>
+              </a:spcBef>
+              <a:buNone/>
+            </a:pPr>
+            <a:endParaRPr lang="en-US" sz="3200" dirty="0" smtClean="0"/>
           </a:p>
           <a:p>
             <a:pPr>
@@ -13129,9 +12713,21 @@
                 <a:spcPts val="1200"/>
               </a:spcBef>
             </a:pPr>
+            <a:endParaRPr lang="en-US" sz="3200" dirty="0" smtClean="0"/>
+          </a:p>
+          <a:p>
+            <a:pPr>
+              <a:spcBef>
+                <a:spcPts val="1200"/>
+              </a:spcBef>
+            </a:pPr>
             <a:r>
               <a:rPr lang="bg-BG" sz="3200" dirty="0" smtClean="0"/>
-              <a:t>Пример: пресмятане на лице на квадрат със страна </a:t>
+              <a:t>Пример</a:t>
+            </a:r>
+            <a:r>
+              <a:rPr lang="bg-BG" sz="3200" dirty="0" smtClean="0"/>
+              <a:t>: пресмятане на лице на квадрат със страна </a:t>
             </a:r>
             <a:r>
               <a:rPr lang="bg-BG" sz="3200" b="1" dirty="0" smtClean="0">
@@ -13216,8 +12812,8 @@
         </p:nvSpPr>
         <p:spPr bwMode="auto">
           <a:xfrm>
-            <a:off x="760412" y="3352800"/>
-            <a:ext cx="10668000" cy="1988237"/>
+            <a:off x="758824" y="4158288"/>
+            <a:ext cx="10668000" cy="1514261"/>
           </a:xfrm>
           <a:prstGeom prst="rect">
             <a:avLst/>
@@ -13259,68 +12855,6 @@
             <a:r>
               <a:rPr lang="it-IT" sz="2800" b="1" noProof="1" smtClean="0">
                 <a:solidFill>
-                  <a:srgbClr val="FBEEDC"/>
-                </a:solidFill>
-                <a:effectLst>
-                  <a:outerShdw blurRad="38100" dist="38100" dir="2700000" algn="tl">
-                    <a:srgbClr val="000000">
-                      <a:alpha val="43137"/>
-                    </a:srgbClr>
-                  </a:outerShdw>
-                </a:effectLst>
-                <a:latin typeface="Consolas" pitchFamily="49" charset="0"/>
-                <a:cs typeface="Consolas" pitchFamily="49" charset="0"/>
-              </a:rPr>
-              <a:t>print</a:t>
-            </a:r>
-            <a:r>
-              <a:rPr lang="it-IT" sz="2800" b="1" noProof="1" smtClean="0">
-                <a:solidFill>
-                  <a:srgbClr val="FBEEDC"/>
-                </a:solidFill>
-                <a:effectLst>
-                  <a:outerShdw blurRad="38100" dist="38100" dir="2700000" algn="tl">
-                    <a:srgbClr val="000000">
-                      <a:alpha val="43137"/>
-                    </a:srgbClr>
-                  </a:outerShdw>
-                </a:effectLst>
-                <a:latin typeface="Consolas" pitchFamily="49" charset="0"/>
-                <a:cs typeface="Consolas" pitchFamily="49" charset="0"/>
-              </a:rPr>
-              <a:t>('a =')</a:t>
-            </a:r>
-            <a:endParaRPr lang="it-IT" sz="2800" b="1" noProof="1">
-              <a:solidFill>
-                <a:srgbClr val="FBEEDC"/>
-              </a:solidFill>
-              <a:effectLst>
-                <a:outerShdw blurRad="38100" dist="38100" dir="2700000" algn="tl">
-                  <a:srgbClr val="000000">
-                    <a:alpha val="43137"/>
-                  </a:srgbClr>
-                </a:outerShdw>
-              </a:effectLst>
-              <a:latin typeface="Consolas" pitchFamily="49" charset="0"/>
-              <a:cs typeface="Consolas" pitchFamily="49" charset="0"/>
-            </a:endParaRPr>
-          </a:p>
-          <a:p>
-            <a:pPr eaLnBrk="0" hangingPunct="0">
-              <a:lnSpc>
-                <a:spcPct val="110000"/>
-              </a:lnSpc>
-              <a:buClr>
-                <a:schemeClr val="accent5">
-                  <a:lumMod val="40000"/>
-                  <a:lumOff val="60000"/>
-                </a:schemeClr>
-              </a:buClr>
-              <a:buSzPct val="70000"/>
-            </a:pPr>
-            <a:r>
-              <a:rPr lang="it-IT" sz="2800" b="1" noProof="1" smtClean="0">
-                <a:solidFill>
                   <a:schemeClr val="tx2">
                     <a:lumMod val="75000"/>
                   </a:schemeClr>
@@ -13335,7 +12869,45 @@
                 <a:latin typeface="Consolas" pitchFamily="49" charset="0"/>
                 <a:cs typeface="Consolas" pitchFamily="49" charset="0"/>
               </a:rPr>
-              <a:t>a = int(input())</a:t>
+              <a:t>a </a:t>
+            </a:r>
+            <a:r>
+              <a:rPr lang="it-IT" sz="2800" b="1" noProof="1" smtClean="0">
+                <a:solidFill>
+                  <a:schemeClr val="tx2">
+                    <a:lumMod val="75000"/>
+                  </a:schemeClr>
+                </a:solidFill>
+                <a:effectLst>
+                  <a:outerShdw blurRad="38100" dist="38100" dir="2700000" algn="tl">
+                    <a:srgbClr val="000000">
+                      <a:alpha val="43137"/>
+                    </a:srgbClr>
+                  </a:outerShdw>
+                </a:effectLst>
+                <a:latin typeface="Consolas" pitchFamily="49" charset="0"/>
+                <a:cs typeface="Consolas" pitchFamily="49" charset="0"/>
+              </a:rPr>
+              <a:t>= int(input</a:t>
+            </a:r>
+            <a:r>
+              <a:rPr lang="it-IT" sz="2800" b="1" noProof="1" smtClean="0">
+                <a:solidFill>
+                  <a:schemeClr val="tx2">
+                    <a:lumMod val="75000"/>
+                  </a:schemeClr>
+                </a:solidFill>
+                <a:effectLst>
+                  <a:outerShdw blurRad="38100" dist="38100" dir="2700000" algn="tl">
+                    <a:srgbClr val="000000">
+                      <a:alpha val="43137"/>
+                    </a:srgbClr>
+                  </a:outerShdw>
+                </a:effectLst>
+                <a:latin typeface="Consolas" pitchFamily="49" charset="0"/>
+                <a:cs typeface="Consolas" pitchFamily="49" charset="0"/>
+              </a:rPr>
+              <a:t>('a = '))</a:t>
             </a:r>
             <a:endParaRPr lang="it-IT" sz="2800" b="1" noProof="1">
               <a:solidFill>
@@ -13478,24 +13050,7 @@
                 <a:latin typeface="Consolas" pitchFamily="49" charset="0"/>
                 <a:cs typeface="Consolas" pitchFamily="49" charset="0"/>
               </a:rPr>
-              <a:t>rint</a:t>
-            </a:r>
-            <a:r>
-              <a:rPr lang="it-IT" sz="2800" b="1" noProof="1" smtClean="0">
-                <a:solidFill>
-                  <a:srgbClr val="FBEEDC"/>
-                </a:solidFill>
-                <a:effectLst>
-                  <a:outerShdw blurRad="38100" dist="38100" dir="2700000" algn="tl">
-                    <a:srgbClr val="000000">
-                      <a:alpha val="43137"/>
-                    </a:srgbClr>
-                  </a:outerShdw>
-                </a:effectLst>
-                <a:latin typeface="Consolas" pitchFamily="49" charset="0"/>
-                <a:cs typeface="Consolas" pitchFamily="49" charset="0"/>
-              </a:rPr>
-              <a:t>('Square =', </a:t>
+              <a:t>rint('Square =', </a:t>
             </a:r>
             <a:r>
               <a:rPr lang="en-US" sz="2800" b="1" noProof="1" smtClean="0">
@@ -13558,8 +13113,8 @@
         </p:nvSpPr>
         <p:spPr bwMode="auto">
           <a:xfrm>
-            <a:off x="760412" y="1869757"/>
-            <a:ext cx="10668000" cy="523220"/>
+            <a:off x="758824" y="2058526"/>
+            <a:ext cx="10668000" cy="954107"/>
           </a:xfrm>
           <a:prstGeom prst="rect">
             <a:avLst/>
@@ -13646,7 +13201,109 @@
                 <a:latin typeface="Consolas" pitchFamily="49" charset="0"/>
                 <a:cs typeface="Consolas" pitchFamily="49" charset="0"/>
               </a:rPr>
-              <a:t>int(input())</a:t>
+              <a:t>int(input</a:t>
+            </a:r>
+            <a:r>
+              <a:rPr lang="nn-NO" sz="2800" b="1" noProof="1" smtClean="0">
+                <a:solidFill>
+                  <a:schemeClr val="tx2">
+                    <a:lumMod val="75000"/>
+                  </a:schemeClr>
+                </a:solidFill>
+                <a:effectLst>
+                  <a:outerShdw blurRad="38100" dist="38100" dir="2700000" algn="tl">
+                    <a:srgbClr val="000000">
+                      <a:alpha val="43137"/>
+                    </a:srgbClr>
+                  </a:outerShdw>
+                </a:effectLst>
+                <a:latin typeface="Consolas" pitchFamily="49" charset="0"/>
+                <a:cs typeface="Consolas" pitchFamily="49" charset="0"/>
+              </a:rPr>
+              <a:t>())</a:t>
+            </a:r>
+          </a:p>
+          <a:p>
+            <a:pPr eaLnBrk="0" hangingPunct="0">
+              <a:buClr>
+                <a:schemeClr val="accent5">
+                  <a:lumMod val="40000"/>
+                  <a:lumOff val="60000"/>
+                </a:schemeClr>
+              </a:buClr>
+              <a:buSzPct val="70000"/>
+            </a:pPr>
+            <a:r>
+              <a:rPr lang="en-US" sz="2800" b="1" noProof="1">
+                <a:solidFill>
+                  <a:srgbClr val="FBEEDC"/>
+                </a:solidFill>
+                <a:effectLst>
+                  <a:outerShdw blurRad="38100" dist="38100" dir="2700000" algn="tl">
+                    <a:srgbClr val="000000">
+                      <a:alpha val="43137"/>
+                    </a:srgbClr>
+                  </a:outerShdw>
+                </a:effectLst>
+                <a:latin typeface="Consolas" pitchFamily="49" charset="0"/>
+                <a:cs typeface="Consolas" pitchFamily="49" charset="0"/>
+              </a:rPr>
+              <a:t>num</a:t>
+            </a:r>
+            <a:r>
+              <a:rPr lang="nn-NO" sz="2800" b="1" noProof="1">
+                <a:solidFill>
+                  <a:srgbClr val="FBEEDC"/>
+                </a:solidFill>
+                <a:effectLst>
+                  <a:outerShdw blurRad="38100" dist="38100" dir="2700000" algn="tl">
+                    <a:srgbClr val="000000">
+                      <a:alpha val="43137"/>
+                    </a:srgbClr>
+                  </a:outerShdw>
+                </a:effectLst>
+                <a:latin typeface="Consolas" pitchFamily="49" charset="0"/>
+                <a:cs typeface="Consolas" pitchFamily="49" charset="0"/>
+              </a:rPr>
+              <a:t> = </a:t>
+            </a:r>
+            <a:r>
+              <a:rPr lang="nn-NO" sz="2800" b="1" noProof="1">
+                <a:solidFill>
+                  <a:schemeClr val="tx2">
+                    <a:lumMod val="75000"/>
+                  </a:schemeClr>
+                </a:solidFill>
+                <a:effectLst>
+                  <a:outerShdw blurRad="38100" dist="38100" dir="2700000" algn="tl">
+                    <a:srgbClr val="000000">
+                      <a:alpha val="43137"/>
+                    </a:srgbClr>
+                  </a:outerShdw>
+                </a:effectLst>
+                <a:latin typeface="Consolas" pitchFamily="49" charset="0"/>
+                <a:cs typeface="Consolas" pitchFamily="49" charset="0"/>
+              </a:rPr>
+              <a:t>int(input</a:t>
+            </a:r>
+            <a:r>
+              <a:rPr lang="nn-NO" sz="2800" b="1" noProof="1" smtClean="0">
+                <a:solidFill>
+                  <a:schemeClr val="tx2">
+                    <a:lumMod val="75000"/>
+                  </a:schemeClr>
+                </a:solidFill>
+                <a:effectLst>
+                  <a:outerShdw blurRad="38100" dist="38100" dir="2700000" algn="tl">
+                    <a:srgbClr val="000000">
+                      <a:alpha val="43137"/>
+                    </a:srgbClr>
+                  </a:outerShdw>
+                </a:effectLst>
+                <a:latin typeface="Consolas" pitchFamily="49" charset="0"/>
+                <a:cs typeface="Consolas" pitchFamily="49" charset="0"/>
+              </a:rPr>
+              <a:t>('Some text'))</a:t>
             </a:r>
             <a:endParaRPr lang="en-US" sz="2800" b="1" noProof="1">
               <a:solidFill>
@@ -15068,9 +14725,21 @@
                 <a:spcPts val="1200"/>
               </a:spcBef>
             </a:pPr>
+            <a:endParaRPr lang="en-US" sz="3200" dirty="0" smtClean="0"/>
+          </a:p>
+          <a:p>
+            <a:pPr>
+              <a:spcBef>
+                <a:spcPts val="1200"/>
+              </a:spcBef>
+            </a:pPr>
             <a:r>
               <a:rPr lang="bg-BG" sz="3200" dirty="0" smtClean="0"/>
-              <a:t>Пример: прехвърляне от инчове в сантиметри:</a:t>
+              <a:t>Пример</a:t>
+            </a:r>
+            <a:r>
+              <a:rPr lang="bg-BG" sz="3200" dirty="0" smtClean="0"/>
+              <a:t>: прехвърляне от инчове в сантиметри:</a:t>
             </a:r>
             <a:endParaRPr lang="en-US" sz="3200" b="1" dirty="0">
               <a:solidFill>
@@ -15140,8 +14809,8 @@
         </p:nvSpPr>
         <p:spPr bwMode="auto">
           <a:xfrm>
-            <a:off x="760412" y="3352800"/>
-            <a:ext cx="10668000" cy="1988237"/>
+            <a:off x="760412" y="4038600"/>
+            <a:ext cx="10668000" cy="1514261"/>
           </a:xfrm>
           <a:prstGeom prst="rect">
             <a:avLst/>
@@ -15183,102 +14852,6 @@
             <a:r>
               <a:rPr lang="it-IT" sz="2800" b="1" noProof="1" smtClean="0">
                 <a:solidFill>
-                  <a:srgbClr val="FBEEDC"/>
-                </a:solidFill>
-                <a:effectLst>
-                  <a:outerShdw blurRad="38100" dist="38100" dir="2700000" algn="tl">
-                    <a:srgbClr val="000000">
-                      <a:alpha val="43137"/>
-                    </a:srgbClr>
-                  </a:outerShdw>
-                </a:effectLst>
-                <a:latin typeface="Consolas" pitchFamily="49" charset="0"/>
-                <a:cs typeface="Consolas" pitchFamily="49" charset="0"/>
-              </a:rPr>
-              <a:t>print</a:t>
-            </a:r>
-            <a:r>
-              <a:rPr lang="it-IT" sz="2800" b="1" noProof="1" smtClean="0">
-                <a:solidFill>
-                  <a:srgbClr val="FBEEDC"/>
-                </a:solidFill>
-                <a:effectLst>
-                  <a:outerShdw blurRad="38100" dist="38100" dir="2700000" algn="tl">
-                    <a:srgbClr val="000000">
-                      <a:alpha val="43137"/>
-                    </a:srgbClr>
-                  </a:outerShdw>
-                </a:effectLst>
-                <a:latin typeface="Consolas" pitchFamily="49" charset="0"/>
-                <a:cs typeface="Consolas" pitchFamily="49" charset="0"/>
-              </a:rPr>
-              <a:t>('</a:t>
-            </a:r>
-            <a:r>
-              <a:rPr lang="en-US" sz="2800" b="1" noProof="1" smtClean="0">
-                <a:solidFill>
-                  <a:srgbClr val="FBEEDC"/>
-                </a:solidFill>
-                <a:effectLst>
-                  <a:outerShdw blurRad="38100" dist="38100" dir="2700000" algn="tl">
-                    <a:srgbClr val="000000">
-                      <a:alpha val="43137"/>
-                    </a:srgbClr>
-                  </a:outerShdw>
-                </a:effectLst>
-                <a:latin typeface="Consolas" pitchFamily="49" charset="0"/>
-                <a:cs typeface="Consolas" pitchFamily="49" charset="0"/>
-              </a:rPr>
-              <a:t>I</a:t>
-            </a:r>
-            <a:r>
-              <a:rPr lang="it-IT" sz="2800" b="1" noProof="1" smtClean="0">
-                <a:solidFill>
-                  <a:srgbClr val="FBEEDC"/>
-                </a:solidFill>
-                <a:effectLst>
-                  <a:outerShdw blurRad="38100" dist="38100" dir="2700000" algn="tl">
-                    <a:srgbClr val="000000">
-                      <a:alpha val="43137"/>
-                    </a:srgbClr>
-                  </a:outerShdw>
-                </a:effectLst>
-                <a:latin typeface="Consolas" pitchFamily="49" charset="0"/>
-                <a:cs typeface="Consolas" pitchFamily="49" charset="0"/>
-              </a:rPr>
-              <a:t>nches =')     </a:t>
-            </a:r>
-            <a:endParaRPr lang="it-IT" sz="2800" b="1" noProof="1">
-              <a:solidFill>
-                <a:srgbClr val="FBEEDC"/>
-              </a:solidFill>
-              <a:effectLst>
-                <a:outerShdw blurRad="38100" dist="38100" dir="2700000" algn="tl">
-                  <a:srgbClr val="000000">
-                    <a:alpha val="43137"/>
-                  </a:srgbClr>
-                </a:outerShdw>
-              </a:effectLst>
-              <a:latin typeface="Consolas" pitchFamily="49" charset="0"/>
-              <a:cs typeface="Consolas" pitchFamily="49" charset="0"/>
-            </a:endParaRPr>
-          </a:p>
-          <a:p>
-            <a:pPr eaLnBrk="0" hangingPunct="0">
-              <a:lnSpc>
-                <a:spcPct val="110000"/>
-              </a:lnSpc>
-              <a:buClr>
-                <a:schemeClr val="accent5">
-                  <a:lumMod val="40000"/>
-                  <a:lumOff val="60000"/>
-                </a:schemeClr>
-              </a:buClr>
-              <a:buSzPct val="70000"/>
-            </a:pPr>
-            <a:r>
-              <a:rPr lang="it-IT" sz="2800" b="1" noProof="1" smtClean="0">
-                <a:solidFill>
                   <a:schemeClr val="tx2">
                     <a:lumMod val="75000"/>
                   </a:schemeClr>
@@ -15331,7 +14904,147 @@
                 <a:latin typeface="Consolas" pitchFamily="49" charset="0"/>
                 <a:cs typeface="Consolas" pitchFamily="49" charset="0"/>
               </a:rPr>
-              <a:t>float(input())</a:t>
+              <a:t>float(input</a:t>
+            </a:r>
+            <a:r>
+              <a:rPr lang="it-IT" sz="2800" b="1" noProof="1" smtClean="0">
+                <a:solidFill>
+                  <a:schemeClr val="tx2">
+                    <a:lumMod val="75000"/>
+                  </a:schemeClr>
+                </a:solidFill>
+                <a:effectLst>
+                  <a:outerShdw blurRad="38100" dist="38100" dir="2700000" algn="tl">
+                    <a:srgbClr val="000000">
+                      <a:alpha val="43137"/>
+                    </a:srgbClr>
+                  </a:outerShdw>
+                </a:effectLst>
+                <a:latin typeface="Consolas" pitchFamily="49" charset="0"/>
+                <a:cs typeface="Consolas" pitchFamily="49" charset="0"/>
+              </a:rPr>
+              <a:t>(</a:t>
+            </a:r>
+            <a:r>
+              <a:rPr lang="it-IT" sz="2800" b="1" noProof="1">
+                <a:solidFill>
+                  <a:srgbClr val="FBEEDC"/>
+                </a:solidFill>
+                <a:effectLst>
+                  <a:outerShdw blurRad="38100" dist="38100" dir="2700000" algn="tl">
+                    <a:srgbClr val="000000">
+                      <a:alpha val="43137"/>
+                    </a:srgbClr>
+                  </a:outerShdw>
+                </a:effectLst>
+                <a:latin typeface="Consolas" pitchFamily="49" charset="0"/>
+                <a:cs typeface="Consolas" pitchFamily="49" charset="0"/>
+              </a:rPr>
+              <a:t>'</a:t>
+            </a:r>
+            <a:r>
+              <a:rPr lang="en-US" sz="2800" b="1" noProof="1">
+                <a:solidFill>
+                  <a:srgbClr val="FBEEDC"/>
+                </a:solidFill>
+                <a:effectLst>
+                  <a:outerShdw blurRad="38100" dist="38100" dir="2700000" algn="tl">
+                    <a:srgbClr val="000000">
+                      <a:alpha val="43137"/>
+                    </a:srgbClr>
+                  </a:outerShdw>
+                </a:effectLst>
+                <a:latin typeface="Consolas" pitchFamily="49" charset="0"/>
+                <a:cs typeface="Consolas" pitchFamily="49" charset="0"/>
+              </a:rPr>
+              <a:t>I</a:t>
+            </a:r>
+            <a:r>
+              <a:rPr lang="it-IT" sz="2800" b="1" noProof="1">
+                <a:solidFill>
+                  <a:srgbClr val="FBEEDC"/>
+                </a:solidFill>
+                <a:effectLst>
+                  <a:outerShdw blurRad="38100" dist="38100" dir="2700000" algn="tl">
+                    <a:srgbClr val="000000">
+                      <a:alpha val="43137"/>
+                    </a:srgbClr>
+                  </a:outerShdw>
+                </a:effectLst>
+                <a:latin typeface="Consolas" pitchFamily="49" charset="0"/>
+                <a:cs typeface="Consolas" pitchFamily="49" charset="0"/>
+              </a:rPr>
+              <a:t>nches </a:t>
+            </a:r>
+            <a:r>
+              <a:rPr lang="it-IT" sz="2800" b="1" noProof="1" smtClean="0">
+                <a:solidFill>
+                  <a:srgbClr val="FBEEDC"/>
+                </a:solidFill>
+                <a:effectLst>
+                  <a:outerShdw blurRad="38100" dist="38100" dir="2700000" algn="tl">
+                    <a:srgbClr val="000000">
+                      <a:alpha val="43137"/>
+                    </a:srgbClr>
+                  </a:outerShdw>
+                </a:effectLst>
+                <a:latin typeface="Consolas" pitchFamily="49" charset="0"/>
+                <a:cs typeface="Consolas" pitchFamily="49" charset="0"/>
+              </a:rPr>
+              <a:t>=</a:t>
+            </a:r>
+            <a:r>
+              <a:rPr lang="bg-BG" sz="2800" b="1" noProof="1" smtClean="0">
+                <a:solidFill>
+                  <a:srgbClr val="FBEEDC"/>
+                </a:solidFill>
+                <a:effectLst>
+                  <a:outerShdw blurRad="38100" dist="38100" dir="2700000" algn="tl">
+                    <a:srgbClr val="000000">
+                      <a:alpha val="43137"/>
+                    </a:srgbClr>
+                  </a:outerShdw>
+                </a:effectLst>
+                <a:latin typeface="Consolas" pitchFamily="49" charset="0"/>
+                <a:cs typeface="Consolas" pitchFamily="49" charset="0"/>
+              </a:rPr>
+              <a:t> </a:t>
+            </a:r>
+            <a:r>
+              <a:rPr lang="it-IT" sz="2800" b="1" noProof="1" smtClean="0">
+                <a:solidFill>
+                  <a:srgbClr val="FBEEDC"/>
+                </a:solidFill>
+                <a:effectLst>
+                  <a:outerShdw blurRad="38100" dist="38100" dir="2700000" algn="tl">
+                    <a:srgbClr val="000000">
+                      <a:alpha val="43137"/>
+                    </a:srgbClr>
+                  </a:outerShdw>
+                </a:effectLst>
+                <a:latin typeface="Consolas" pitchFamily="49" charset="0"/>
+                <a:cs typeface="Consolas" pitchFamily="49" charset="0"/>
+              </a:rPr>
+              <a:t>'</a:t>
+            </a:r>
+            <a:r>
+              <a:rPr lang="it-IT" sz="2800" b="1" noProof="1" smtClean="0">
+                <a:solidFill>
+                  <a:schemeClr val="tx2">
+                    <a:lumMod val="75000"/>
+                  </a:schemeClr>
+                </a:solidFill>
+                <a:effectLst>
+                  <a:outerShdw blurRad="38100" dist="38100" dir="2700000" algn="tl">
+                    <a:srgbClr val="000000">
+                      <a:alpha val="43137"/>
+                    </a:srgbClr>
+                  </a:outerShdw>
+                </a:effectLst>
+                <a:latin typeface="Consolas" pitchFamily="49" charset="0"/>
+                <a:cs typeface="Consolas" pitchFamily="49" charset="0"/>
+              </a:rPr>
+              <a:t>))</a:t>
             </a:r>
             <a:endParaRPr lang="it-IT" sz="2800" b="1" noProof="1">
               <a:solidFill>
@@ -15457,41 +15170,7 @@
                 <a:latin typeface="Consolas" pitchFamily="49" charset="0"/>
                 <a:cs typeface="Consolas" pitchFamily="49" charset="0"/>
               </a:rPr>
-              <a:t>print</a:t>
-            </a:r>
-            <a:r>
-              <a:rPr lang="it-IT" sz="2800" b="1" noProof="1" smtClean="0">
-                <a:solidFill>
-                  <a:srgbClr val="FBEEDC"/>
-                </a:solidFill>
-                <a:effectLst>
-                  <a:outerShdw blurRad="38100" dist="38100" dir="2700000" algn="tl">
-                    <a:srgbClr val="000000">
-                      <a:alpha val="43137"/>
-                    </a:srgbClr>
-                  </a:outerShdw>
-                </a:effectLst>
-                <a:latin typeface="Consolas" pitchFamily="49" charset="0"/>
-                <a:cs typeface="Consolas" pitchFamily="49" charset="0"/>
-              </a:rPr>
-              <a:t>('Centimeters =', </a:t>
-            </a:r>
-            <a:r>
-              <a:rPr lang="it-IT" sz="2800" b="1" noProof="1" smtClean="0">
-                <a:solidFill>
-                  <a:srgbClr val="FBEEDC"/>
-                </a:solidFill>
-                <a:effectLst>
-                  <a:outerShdw blurRad="38100" dist="38100" dir="2700000" algn="tl">
-                    <a:srgbClr val="000000">
-                      <a:alpha val="43137"/>
-                    </a:srgbClr>
-                  </a:outerShdw>
-                </a:effectLst>
-                <a:latin typeface="Consolas" pitchFamily="49" charset="0"/>
-                <a:cs typeface="Consolas" pitchFamily="49" charset="0"/>
-              </a:rPr>
-              <a:t>centimeters)</a:t>
+              <a:t>print('Centimeters =', centimeters)</a:t>
             </a:r>
             <a:endParaRPr lang="en-US" sz="2800" b="1" noProof="1">
               <a:solidFill>
@@ -15520,8 +15199,8 @@
         </p:nvSpPr>
         <p:spPr bwMode="auto">
           <a:xfrm>
-            <a:off x="760412" y="1897053"/>
-            <a:ext cx="10668000" cy="523220"/>
+            <a:off x="760412" y="2003772"/>
+            <a:ext cx="10668000" cy="954107"/>
           </a:xfrm>
           <a:prstGeom prst="rect">
             <a:avLst/>
@@ -15608,22 +15287,165 @@
                 <a:latin typeface="Consolas" pitchFamily="49" charset="0"/>
                 <a:cs typeface="Consolas" pitchFamily="49" charset="0"/>
               </a:rPr>
-              <a:t>float(input())</a:t>
-            </a:r>
-            <a:endParaRPr lang="en-US" sz="2800" b="1" noProof="1">
-              <a:solidFill>
-                <a:srgbClr val="FBEEDC"/>
-              </a:solidFill>
-              <a:effectLst>
-                <a:outerShdw blurRad="38100" dist="38100" dir="2700000" algn="tl">
-                  <a:srgbClr val="000000">
-                    <a:alpha val="43137"/>
-                  </a:srgbClr>
-                </a:outerShdw>
-              </a:effectLst>
-              <a:latin typeface="Consolas" pitchFamily="49" charset="0"/>
-              <a:cs typeface="Consolas" pitchFamily="49" charset="0"/>
-            </a:endParaRPr>
+              <a:t>float(input</a:t>
+            </a:r>
+            <a:r>
+              <a:rPr lang="en-US" sz="2800" b="1" noProof="1" smtClean="0">
+                <a:solidFill>
+                  <a:schemeClr val="tx2">
+                    <a:lumMod val="75000"/>
+                  </a:schemeClr>
+                </a:solidFill>
+                <a:effectLst>
+                  <a:outerShdw blurRad="38100" dist="38100" dir="2700000" algn="tl">
+                    <a:srgbClr val="000000">
+                      <a:alpha val="43137"/>
+                    </a:srgbClr>
+                  </a:outerShdw>
+                </a:effectLst>
+                <a:latin typeface="Consolas" pitchFamily="49" charset="0"/>
+                <a:cs typeface="Consolas" pitchFamily="49" charset="0"/>
+              </a:rPr>
+              <a:t>())</a:t>
+            </a:r>
+          </a:p>
+          <a:p>
+            <a:pPr eaLnBrk="0" hangingPunct="0">
+              <a:buClr>
+                <a:schemeClr val="accent5">
+                  <a:lumMod val="40000"/>
+                  <a:lumOff val="60000"/>
+                </a:schemeClr>
+              </a:buClr>
+              <a:buSzPct val="70000"/>
+            </a:pPr>
+            <a:r>
+              <a:rPr lang="it-IT" sz="2800" b="1" noProof="1">
+                <a:solidFill>
+                  <a:schemeClr val="tx2">
+                    <a:lumMod val="75000"/>
+                  </a:schemeClr>
+                </a:solidFill>
+                <a:effectLst>
+                  <a:outerShdw blurRad="38100" dist="38100" dir="2700000" algn="tl">
+                    <a:srgbClr val="000000">
+                      <a:alpha val="43137"/>
+                    </a:srgbClr>
+                  </a:outerShdw>
+                </a:effectLst>
+                <a:latin typeface="Consolas" pitchFamily="49" charset="0"/>
+                <a:cs typeface="Consolas" pitchFamily="49" charset="0"/>
+              </a:rPr>
+              <a:t>inches = </a:t>
+            </a:r>
+            <a:r>
+              <a:rPr lang="it-IT" sz="2800" b="1" noProof="1">
+                <a:solidFill>
+                  <a:schemeClr val="tx2">
+                    <a:lumMod val="75000"/>
+                  </a:schemeClr>
+                </a:solidFill>
+                <a:effectLst>
+                  <a:outerShdw blurRad="38100" dist="38100" dir="2700000" algn="tl">
+                    <a:srgbClr val="000000">
+                      <a:alpha val="43137"/>
+                    </a:srgbClr>
+                  </a:outerShdw>
+                </a:effectLst>
+                <a:latin typeface="Consolas" pitchFamily="49" charset="0"/>
+                <a:cs typeface="Consolas" pitchFamily="49" charset="0"/>
+              </a:rPr>
+              <a:t>float(input</a:t>
+            </a:r>
+            <a:r>
+              <a:rPr lang="it-IT" sz="2800" b="1" noProof="1" smtClean="0">
+                <a:solidFill>
+                  <a:schemeClr val="tx2">
+                    <a:lumMod val="75000"/>
+                  </a:schemeClr>
+                </a:solidFill>
+                <a:effectLst>
+                  <a:outerShdw blurRad="38100" dist="38100" dir="2700000" algn="tl">
+                    <a:srgbClr val="000000">
+                      <a:alpha val="43137"/>
+                    </a:srgbClr>
+                  </a:outerShdw>
+                </a:effectLst>
+                <a:latin typeface="Consolas" pitchFamily="49" charset="0"/>
+                <a:cs typeface="Consolas" pitchFamily="49" charset="0"/>
+              </a:rPr>
+              <a:t>(</a:t>
+            </a:r>
+            <a:r>
+              <a:rPr lang="it-IT" sz="2800" b="1" noProof="1" smtClean="0">
+                <a:solidFill>
+                  <a:srgbClr val="FBEEDC"/>
+                </a:solidFill>
+                <a:effectLst>
+                  <a:outerShdw blurRad="38100" dist="38100" dir="2700000" algn="tl">
+                    <a:srgbClr val="000000">
+                      <a:alpha val="43137"/>
+                    </a:srgbClr>
+                  </a:outerShdw>
+                </a:effectLst>
+                <a:latin typeface="Consolas" pitchFamily="49" charset="0"/>
+                <a:cs typeface="Consolas" pitchFamily="49" charset="0"/>
+              </a:rPr>
+              <a:t>'</a:t>
+            </a:r>
+            <a:r>
+              <a:rPr lang="en-US" sz="2800" b="1" noProof="1" smtClean="0">
+                <a:solidFill>
+                  <a:srgbClr val="FBEEDC"/>
+                </a:solidFill>
+                <a:effectLst>
+                  <a:outerShdw blurRad="38100" dist="38100" dir="2700000" algn="tl">
+                    <a:srgbClr val="000000">
+                      <a:alpha val="43137"/>
+                    </a:srgbClr>
+                  </a:outerShdw>
+                </a:effectLst>
+                <a:latin typeface="Consolas" pitchFamily="49" charset="0"/>
+                <a:cs typeface="Consolas" pitchFamily="49" charset="0"/>
+              </a:rPr>
+              <a:t>Some text</a:t>
+            </a:r>
+            <a:r>
+              <a:rPr lang="it-IT" sz="2800" b="1" noProof="1" smtClean="0">
+                <a:solidFill>
+                  <a:srgbClr val="FBEEDC"/>
+                </a:solidFill>
+                <a:effectLst>
+                  <a:outerShdw blurRad="38100" dist="38100" dir="2700000" algn="tl">
+                    <a:srgbClr val="000000">
+                      <a:alpha val="43137"/>
+                    </a:srgbClr>
+                  </a:outerShdw>
+                </a:effectLst>
+                <a:latin typeface="Consolas" pitchFamily="49" charset="0"/>
+                <a:cs typeface="Consolas" pitchFamily="49" charset="0"/>
+              </a:rPr>
+              <a:t>'</a:t>
+            </a:r>
+            <a:r>
+              <a:rPr lang="it-IT" sz="2800" b="1" noProof="1" smtClean="0">
+                <a:solidFill>
+                  <a:schemeClr val="tx2">
+                    <a:lumMod val="75000"/>
+                  </a:schemeClr>
+                </a:solidFill>
+                <a:effectLst>
+                  <a:outerShdw blurRad="38100" dist="38100" dir="2700000" algn="tl">
+                    <a:srgbClr val="000000">
+                      <a:alpha val="43137"/>
+                    </a:srgbClr>
+                  </a:outerShdw>
+                </a:effectLst>
+                <a:latin typeface="Consolas" pitchFamily="49" charset="0"/>
+                <a:cs typeface="Consolas" pitchFamily="49" charset="0"/>
+              </a:rPr>
+              <a:t>))</a:t>
+            </a:r>
           </a:p>
         </p:txBody>
       </p:sp>
@@ -15751,9 +15573,21 @@
                 <a:spcPts val="1800"/>
               </a:spcBef>
             </a:pPr>
+            <a:endParaRPr lang="bg-BG" sz="3200" dirty="0" smtClean="0"/>
+          </a:p>
+          <a:p>
+            <a:pPr>
+              <a:spcBef>
+                <a:spcPts val="1800"/>
+              </a:spcBef>
+            </a:pPr>
             <a:r>
               <a:rPr lang="bg-BG" sz="3200" dirty="0" smtClean="0"/>
-              <a:t>Пример: поздрав по име:</a:t>
+              <a:t>Пример</a:t>
+            </a:r>
+            <a:r>
+              <a:rPr lang="bg-BG" sz="3200" dirty="0" smtClean="0"/>
+              <a:t>: поздрав по име:</a:t>
             </a:r>
             <a:endParaRPr lang="en-US" sz="3200" dirty="0"/>
           </a:p>
@@ -15819,8 +15653,8 @@
         </p:nvSpPr>
         <p:spPr bwMode="auto">
           <a:xfrm>
-            <a:off x="682624" y="1937595"/>
-            <a:ext cx="10823576" cy="523220"/>
+            <a:off x="760412" y="2010426"/>
+            <a:ext cx="10823576" cy="954107"/>
           </a:xfrm>
           <a:prstGeom prst="rect">
             <a:avLst/>
@@ -15890,7 +15724,108 @@
                 <a:latin typeface="Consolas" pitchFamily="49" charset="0"/>
                 <a:cs typeface="Consolas" pitchFamily="49" charset="0"/>
               </a:rPr>
-              <a:t>input()</a:t>
+              <a:t>input</a:t>
+            </a:r>
+            <a:r>
+              <a:rPr lang="en-US" sz="2800" b="1" noProof="1" smtClean="0">
+                <a:solidFill>
+                  <a:schemeClr val="tx2">
+                    <a:lumMod val="75000"/>
+                  </a:schemeClr>
+                </a:solidFill>
+                <a:effectLst>
+                  <a:outerShdw blurRad="38100" dist="38100" dir="2700000" algn="tl">
+                    <a:srgbClr val="000000">
+                      <a:alpha val="43137"/>
+                    </a:srgbClr>
+                  </a:outerShdw>
+                </a:effectLst>
+                <a:latin typeface="Consolas" pitchFamily="49" charset="0"/>
+                <a:cs typeface="Consolas" pitchFamily="49" charset="0"/>
+              </a:rPr>
+              <a:t>()</a:t>
+            </a:r>
+            <a:endParaRPr lang="bg-BG" sz="2800" b="1" noProof="1" smtClean="0">
+              <a:solidFill>
+                <a:schemeClr val="tx2">
+                  <a:lumMod val="75000"/>
+                </a:schemeClr>
+              </a:solidFill>
+              <a:effectLst>
+                <a:outerShdw blurRad="38100" dist="38100" dir="2700000" algn="tl">
+                  <a:srgbClr val="000000">
+                    <a:alpha val="43137"/>
+                  </a:srgbClr>
+                </a:outerShdw>
+              </a:effectLst>
+              <a:latin typeface="Consolas" pitchFamily="49" charset="0"/>
+              <a:cs typeface="Consolas" pitchFamily="49" charset="0"/>
+            </a:endParaRPr>
+          </a:p>
+          <a:p>
+            <a:pPr eaLnBrk="0" hangingPunct="0">
+              <a:buClr>
+                <a:schemeClr val="accent5">
+                  <a:lumMod val="40000"/>
+                  <a:lumOff val="60000"/>
+                </a:schemeClr>
+              </a:buClr>
+              <a:buSzPct val="70000"/>
+            </a:pPr>
+            <a:r>
+              <a:rPr lang="en-US" sz="2800" b="1" noProof="1">
+                <a:solidFill>
+                  <a:srgbClr val="FBEEDC"/>
+                </a:solidFill>
+                <a:effectLst>
+                  <a:outerShdw blurRad="38100" dist="38100" dir="2700000" algn="tl">
+                    <a:srgbClr val="000000">
+                      <a:alpha val="43137"/>
+                    </a:srgbClr>
+                  </a:outerShdw>
+                </a:effectLst>
+                <a:latin typeface="Consolas" pitchFamily="49" charset="0"/>
+                <a:cs typeface="Consolas" pitchFamily="49" charset="0"/>
+              </a:rPr>
+              <a:t>str = </a:t>
+            </a:r>
+            <a:r>
+              <a:rPr lang="en-US" sz="2800" b="1" noProof="1">
+                <a:solidFill>
+                  <a:schemeClr val="tx2">
+                    <a:lumMod val="75000"/>
+                  </a:schemeClr>
+                </a:solidFill>
+                <a:effectLst>
+                  <a:outerShdw blurRad="38100" dist="38100" dir="2700000" algn="tl">
+                    <a:srgbClr val="000000">
+                      <a:alpha val="43137"/>
+                    </a:srgbClr>
+                  </a:outerShdw>
+                </a:effectLst>
+                <a:latin typeface="Consolas" pitchFamily="49" charset="0"/>
+                <a:cs typeface="Consolas" pitchFamily="49" charset="0"/>
+              </a:rPr>
+              <a:t>input</a:t>
+            </a:r>
+            <a:r>
+              <a:rPr lang="en-US" sz="2800" b="1" noProof="1" smtClean="0">
+                <a:solidFill>
+                  <a:schemeClr val="tx2">
+                    <a:lumMod val="75000"/>
+                  </a:schemeClr>
+                </a:solidFill>
+                <a:effectLst>
+                  <a:outerShdw blurRad="38100" dist="38100" dir="2700000" algn="tl">
+                    <a:srgbClr val="000000">
+                      <a:alpha val="43137"/>
+                    </a:srgbClr>
+                  </a:outerShdw>
+                </a:effectLst>
+                <a:latin typeface="Consolas" pitchFamily="49" charset="0"/>
+                <a:cs typeface="Consolas" pitchFamily="49" charset="0"/>
+              </a:rPr>
+              <a:t>()</a:t>
             </a:r>
             <a:endParaRPr lang="nn-NO" sz="2800" b="1" noProof="1">
               <a:solidFill>
@@ -15919,8 +15854,8 @@
         </p:nvSpPr>
         <p:spPr bwMode="auto">
           <a:xfrm>
-            <a:off x="760412" y="3429000"/>
-            <a:ext cx="10668000" cy="1514261"/>
+            <a:off x="758824" y="4495860"/>
+            <a:ext cx="10668000" cy="1040285"/>
           </a:xfrm>
           <a:prstGeom prst="rect">
             <a:avLst/>
@@ -15962,136 +15897,6 @@
             <a:r>
               <a:rPr lang="it-IT" sz="2800" b="1" noProof="1" smtClean="0">
                 <a:solidFill>
-                  <a:srgbClr val="FBEEDC"/>
-                </a:solidFill>
-                <a:effectLst>
-                  <a:outerShdw blurRad="38100" dist="38100" dir="2700000" algn="tl">
-                    <a:srgbClr val="000000">
-                      <a:alpha val="43137"/>
-                    </a:srgbClr>
-                  </a:outerShdw>
-                </a:effectLst>
-                <a:latin typeface="Consolas" pitchFamily="49" charset="0"/>
-                <a:cs typeface="Consolas" pitchFamily="49" charset="0"/>
-              </a:rPr>
-              <a:t>print</a:t>
-            </a:r>
-            <a:r>
-              <a:rPr lang="it-IT" sz="2800" b="1" noProof="1" smtClean="0">
-                <a:solidFill>
-                  <a:srgbClr val="FBEEDC"/>
-                </a:solidFill>
-                <a:effectLst>
-                  <a:outerShdw blurRad="38100" dist="38100" dir="2700000" algn="tl">
-                    <a:srgbClr val="000000">
-                      <a:alpha val="43137"/>
-                    </a:srgbClr>
-                  </a:outerShdw>
-                </a:effectLst>
-                <a:latin typeface="Consolas" pitchFamily="49" charset="0"/>
-                <a:cs typeface="Consolas" pitchFamily="49" charset="0"/>
-              </a:rPr>
-              <a:t>('</a:t>
-            </a:r>
-            <a:r>
-              <a:rPr lang="en-US" sz="2800" b="1" noProof="1" smtClean="0">
-                <a:solidFill>
-                  <a:srgbClr val="FBEEDC"/>
-                </a:solidFill>
-                <a:effectLst>
-                  <a:outerShdw blurRad="38100" dist="38100" dir="2700000" algn="tl">
-                    <a:srgbClr val="000000">
-                      <a:alpha val="43137"/>
-                    </a:srgbClr>
-                  </a:outerShdw>
-                </a:effectLst>
-                <a:latin typeface="Consolas" pitchFamily="49" charset="0"/>
-                <a:cs typeface="Consolas" pitchFamily="49" charset="0"/>
-              </a:rPr>
-              <a:t>Enter </a:t>
-            </a:r>
-            <a:r>
-              <a:rPr lang="en-US" sz="2800" b="1" noProof="1" smtClean="0">
-                <a:solidFill>
-                  <a:srgbClr val="FBEEDC"/>
-                </a:solidFill>
-                <a:effectLst>
-                  <a:outerShdw blurRad="38100" dist="38100" dir="2700000" algn="tl">
-                    <a:srgbClr val="000000">
-                      <a:alpha val="43137"/>
-                    </a:srgbClr>
-                  </a:outerShdw>
-                </a:effectLst>
-                <a:latin typeface="Consolas" pitchFamily="49" charset="0"/>
-                <a:cs typeface="Consolas" pitchFamily="49" charset="0"/>
-              </a:rPr>
-              <a:t>your name</a:t>
-            </a:r>
-            <a:r>
-              <a:rPr lang="it-IT" sz="2800" b="1" noProof="1" smtClean="0">
-                <a:solidFill>
-                  <a:srgbClr val="FBEEDC"/>
-                </a:solidFill>
-                <a:effectLst>
-                  <a:outerShdw blurRad="38100" dist="38100" dir="2700000" algn="tl">
-                    <a:srgbClr val="000000">
-                      <a:alpha val="43137"/>
-                    </a:srgbClr>
-                  </a:outerShdw>
-                </a:effectLst>
-                <a:latin typeface="Consolas" pitchFamily="49" charset="0"/>
-                <a:cs typeface="Consolas" pitchFamily="49" charset="0"/>
-              </a:rPr>
-              <a:t>: </a:t>
-            </a:r>
-            <a:r>
-              <a:rPr lang="it-IT" sz="2800" b="1" noProof="1" smtClean="0">
-                <a:solidFill>
-                  <a:srgbClr val="FBEEDC"/>
-                </a:solidFill>
-                <a:effectLst>
-                  <a:outerShdw blurRad="38100" dist="38100" dir="2700000" algn="tl">
-                    <a:srgbClr val="000000">
-                      <a:alpha val="43137"/>
-                    </a:srgbClr>
-                  </a:outerShdw>
-                </a:effectLst>
-                <a:latin typeface="Consolas" pitchFamily="49" charset="0"/>
-                <a:cs typeface="Consolas" pitchFamily="49" charset="0"/>
-              </a:rPr>
-              <a:t>')</a:t>
-            </a:r>
-            <a:endParaRPr lang="it-IT" sz="2800" b="1" noProof="1">
-              <a:solidFill>
-                <a:srgbClr val="FBEEDC"/>
-              </a:solidFill>
-              <a:effectLst>
-                <a:outerShdw blurRad="38100" dist="38100" dir="2700000" algn="tl">
-                  <a:srgbClr val="000000">
-                    <a:alpha val="43137"/>
-                  </a:srgbClr>
-                </a:outerShdw>
-              </a:effectLst>
-              <a:latin typeface="Consolas" pitchFamily="49" charset="0"/>
-              <a:cs typeface="Consolas" pitchFamily="49" charset="0"/>
-            </a:endParaRPr>
-          </a:p>
-          <a:p>
-            <a:pPr eaLnBrk="0" hangingPunct="0">
-              <a:lnSpc>
-                <a:spcPct val="110000"/>
-              </a:lnSpc>
-              <a:buClr>
-                <a:schemeClr val="accent5">
-                  <a:lumMod val="40000"/>
-                  <a:lumOff val="60000"/>
-                </a:schemeClr>
-              </a:buClr>
-              <a:buSzPct val="70000"/>
-            </a:pPr>
-            <a:r>
-              <a:rPr lang="it-IT" sz="2800" b="1" noProof="1" smtClean="0">
-                <a:solidFill>
                   <a:schemeClr val="tx2">
                     <a:lumMod val="75000"/>
                   </a:schemeClr>
@@ -16144,7 +15949,96 @@
                 <a:latin typeface="Consolas" pitchFamily="49" charset="0"/>
                 <a:cs typeface="Consolas" pitchFamily="49" charset="0"/>
               </a:rPr>
-              <a:t>input()</a:t>
+              <a:t>input</a:t>
+            </a:r>
+            <a:r>
+              <a:rPr lang="it-IT" sz="2800" b="1" noProof="1" smtClean="0">
+                <a:solidFill>
+                  <a:schemeClr val="tx2">
+                    <a:lumMod val="75000"/>
+                  </a:schemeClr>
+                </a:solidFill>
+                <a:effectLst>
+                  <a:outerShdw blurRad="38100" dist="38100" dir="2700000" algn="tl">
+                    <a:srgbClr val="000000">
+                      <a:alpha val="43137"/>
+                    </a:srgbClr>
+                  </a:outerShdw>
+                </a:effectLst>
+                <a:latin typeface="Consolas" pitchFamily="49" charset="0"/>
+                <a:cs typeface="Consolas" pitchFamily="49" charset="0"/>
+              </a:rPr>
+              <a:t>(</a:t>
+            </a:r>
+            <a:r>
+              <a:rPr lang="it-IT" sz="2800" b="1" noProof="1">
+                <a:solidFill>
+                  <a:srgbClr val="FBEEDC"/>
+                </a:solidFill>
+                <a:effectLst>
+                  <a:outerShdw blurRad="38100" dist="38100" dir="2700000" algn="tl">
+                    <a:srgbClr val="000000">
+                      <a:alpha val="43137"/>
+                    </a:srgbClr>
+                  </a:outerShdw>
+                </a:effectLst>
+                <a:latin typeface="Consolas" pitchFamily="49" charset="0"/>
+                <a:cs typeface="Consolas" pitchFamily="49" charset="0"/>
+              </a:rPr>
+              <a:t>'</a:t>
+            </a:r>
+            <a:r>
+              <a:rPr lang="en-US" sz="2800" b="1" noProof="1">
+                <a:solidFill>
+                  <a:srgbClr val="FBEEDC"/>
+                </a:solidFill>
+                <a:effectLst>
+                  <a:outerShdw blurRad="38100" dist="38100" dir="2700000" algn="tl">
+                    <a:srgbClr val="000000">
+                      <a:alpha val="43137"/>
+                    </a:srgbClr>
+                  </a:outerShdw>
+                </a:effectLst>
+                <a:latin typeface="Consolas" pitchFamily="49" charset="0"/>
+                <a:cs typeface="Consolas" pitchFamily="49" charset="0"/>
+              </a:rPr>
+              <a:t>Enter your name</a:t>
+            </a:r>
+            <a:r>
+              <a:rPr lang="it-IT" sz="2800" b="1" noProof="1">
+                <a:solidFill>
+                  <a:srgbClr val="FBEEDC"/>
+                </a:solidFill>
+                <a:effectLst>
+                  <a:outerShdw blurRad="38100" dist="38100" dir="2700000" algn="tl">
+                    <a:srgbClr val="000000">
+                      <a:alpha val="43137"/>
+                    </a:srgbClr>
+                  </a:outerShdw>
+                </a:effectLst>
+                <a:latin typeface="Consolas" pitchFamily="49" charset="0"/>
+                <a:cs typeface="Consolas" pitchFamily="49" charset="0"/>
+              </a:rPr>
+              <a:t>: '</a:t>
+            </a:r>
+            <a:r>
+              <a:rPr lang="it-IT" sz="2800" b="1" noProof="1" smtClean="0">
+                <a:solidFill>
+                  <a:schemeClr val="tx2">
+                    <a:lumMod val="75000"/>
+                  </a:schemeClr>
+                </a:solidFill>
+                <a:effectLst>
+                  <a:outerShdw blurRad="38100" dist="38100" dir="2700000" algn="tl">
+                    <a:srgbClr val="000000">
+                      <a:alpha val="43137"/>
+                    </a:srgbClr>
+                  </a:outerShdw>
+                </a:effectLst>
+                <a:latin typeface="Consolas" pitchFamily="49" charset="0"/>
+                <a:cs typeface="Consolas" pitchFamily="49" charset="0"/>
+              </a:rPr>
+              <a:t>)</a:t>
             </a:r>
             <a:endParaRPr lang="it-IT" sz="2800" b="1" noProof="1">
               <a:solidFill>
@@ -16208,24 +16102,7 @@
                 <a:latin typeface="Consolas" pitchFamily="49" charset="0"/>
                 <a:cs typeface="Consolas" pitchFamily="49" charset="0"/>
               </a:rPr>
-              <a:t>rint</a:t>
-            </a:r>
-            <a:r>
-              <a:rPr lang="en-US" sz="2800" b="1" noProof="1" smtClean="0">
-                <a:solidFill>
-                  <a:srgbClr val="FBEEDC"/>
-                </a:solidFill>
-                <a:effectLst>
-                  <a:outerShdw blurRad="38100" dist="38100" dir="2700000" algn="tl">
-                    <a:srgbClr val="000000">
-                      <a:alpha val="43137"/>
-                    </a:srgbClr>
-                  </a:outerShdw>
-                </a:effectLst>
-                <a:latin typeface="Consolas" pitchFamily="49" charset="0"/>
-                <a:cs typeface="Consolas" pitchFamily="49" charset="0"/>
-              </a:rPr>
-              <a:t>(</a:t>
+              <a:t>rint(</a:t>
             </a:r>
             <a:r>
               <a:rPr lang="it-IT" sz="2800" b="1" noProof="1" smtClean="0">
@@ -16242,58 +16119,7 @@
                 <a:latin typeface="Consolas" pitchFamily="49" charset="0"/>
                 <a:cs typeface="Consolas" pitchFamily="49" charset="0"/>
               </a:rPr>
-              <a:t>'Hello</a:t>
-            </a:r>
-            <a:r>
-              <a:rPr lang="it-IT" sz="2800" b="1" noProof="1" smtClean="0">
-                <a:solidFill>
-                  <a:srgbClr val="FBEEDC"/>
-                </a:solidFill>
-                <a:effectLst>
-                  <a:outerShdw blurRad="38100" dist="38100" dir="2700000" algn="tl">
-                    <a:srgbClr val="000000">
-                      <a:alpha val="43137"/>
-                    </a:srgbClr>
-                  </a:outerShdw>
-                </a:effectLst>
-                <a:latin typeface="Consolas" pitchFamily="49" charset="0"/>
-                <a:cs typeface="Consolas" pitchFamily="49" charset="0"/>
-              </a:rPr>
-              <a:t>, </a:t>
-            </a:r>
-            <a:r>
-              <a:rPr lang="it-IT" sz="2800" b="1" noProof="1" smtClean="0">
-                <a:solidFill>
-                  <a:srgbClr val="FBEEDC"/>
-                </a:solidFill>
-                <a:effectLst>
-                  <a:outerShdw blurRad="38100" dist="38100" dir="2700000" algn="tl">
-                    <a:srgbClr val="000000">
-                      <a:alpha val="43137"/>
-                    </a:srgbClr>
-                  </a:outerShdw>
-                </a:effectLst>
-                <a:latin typeface="Consolas" pitchFamily="49" charset="0"/>
-                <a:cs typeface="Consolas" pitchFamily="49" charset="0"/>
-              </a:rPr>
-              <a:t>' </a:t>
-            </a:r>
-            <a:r>
-              <a:rPr lang="it-IT" sz="2800" b="1" noProof="1" smtClean="0">
-                <a:solidFill>
-                  <a:srgbClr val="FBEEDC"/>
-                </a:solidFill>
-                <a:effectLst>
-                  <a:outerShdw blurRad="38100" dist="38100" dir="2700000" algn="tl">
-                    <a:srgbClr val="000000">
-                      <a:alpha val="43137"/>
-                    </a:srgbClr>
-                  </a:outerShdw>
-                </a:effectLst>
-                <a:latin typeface="Consolas" pitchFamily="49" charset="0"/>
-                <a:cs typeface="Consolas" pitchFamily="49" charset="0"/>
-              </a:rPr>
-              <a:t>+ </a:t>
+              <a:t>'Hello, ' + </a:t>
             </a:r>
             <a:r>
               <a:rPr lang="it-IT" sz="2800" b="1" noProof="1">
@@ -17014,7 +16840,24 @@
                 <a:latin typeface="Consolas" pitchFamily="49" charset="0"/>
                 <a:cs typeface="Consolas" pitchFamily="49" charset="0"/>
               </a:rPr>
-              <a:t>print</a:t>
+              <a:t>print('You </a:t>
+            </a:r>
+            <a:r>
+              <a:rPr lang="it-IT" sz="2800" b="1" noProof="1">
+                <a:solidFill>
+                  <a:srgbClr val="FBEEDC"/>
+                </a:solidFill>
+                <a:effectLst>
+                  <a:outerShdw blurRad="38100" dist="38100" dir="2700000" algn="tl">
+                    <a:srgbClr val="000000">
+                      <a:alpha val="43137"/>
+                    </a:srgbClr>
+                  </a:outerShdw>
+                </a:effectLst>
+                <a:latin typeface="Consolas" pitchFamily="49" charset="0"/>
+                <a:cs typeface="Consolas" pitchFamily="49" charset="0"/>
+              </a:rPr>
+              <a:t>are </a:t>
             </a:r>
             <a:r>
               <a:rPr lang="it-IT" sz="2800" b="1" noProof="1" smtClean="0">
@@ -17031,58 +16874,7 @@
                 <a:latin typeface="Consolas" pitchFamily="49" charset="0"/>
                 <a:cs typeface="Consolas" pitchFamily="49" charset="0"/>
               </a:rPr>
-              <a:t>('You </a:t>
-            </a:r>
-            <a:r>
-              <a:rPr lang="it-IT" sz="2800" b="1" noProof="1">
-                <a:solidFill>
-                  <a:srgbClr val="FBEEDC"/>
-                </a:solidFill>
-                <a:effectLst>
-                  <a:outerShdw blurRad="38100" dist="38100" dir="2700000" algn="tl">
-                    <a:srgbClr val="000000">
-                      <a:alpha val="43137"/>
-                    </a:srgbClr>
-                  </a:outerShdw>
-                </a:effectLst>
-                <a:latin typeface="Consolas" pitchFamily="49" charset="0"/>
-                <a:cs typeface="Consolas" pitchFamily="49" charset="0"/>
-              </a:rPr>
-              <a:t>are </a:t>
-            </a:r>
-            <a:r>
-              <a:rPr lang="it-IT" sz="2800" b="1" noProof="1" smtClean="0">
-                <a:solidFill>
-                  <a:srgbClr val="FBEEDC"/>
-                </a:solidFill>
-                <a:effectLst>
-                  <a:outerShdw blurRad="38100" dist="38100" dir="2700000" algn="tl">
-                    <a:srgbClr val="000000">
-                      <a:alpha val="43137"/>
-                    </a:srgbClr>
-                  </a:outerShdw>
-                </a:effectLst>
-                <a:latin typeface="Consolas" pitchFamily="49" charset="0"/>
-                <a:cs typeface="Consolas" pitchFamily="49" charset="0"/>
-              </a:rPr>
-              <a:t>' </a:t>
-            </a:r>
-            <a:r>
-              <a:rPr lang="it-IT" sz="2800" b="1" noProof="1" smtClean="0">
-                <a:solidFill>
-                  <a:srgbClr val="FBEEDC"/>
-                </a:solidFill>
-                <a:effectLst>
-                  <a:outerShdw blurRad="38100" dist="38100" dir="2700000" algn="tl">
-                    <a:srgbClr val="000000">
-                      <a:alpha val="43137"/>
-                    </a:srgbClr>
-                  </a:outerShdw>
-                </a:effectLst>
-                <a:latin typeface="Consolas" pitchFamily="49" charset="0"/>
-                <a:cs typeface="Consolas" pitchFamily="49" charset="0"/>
-              </a:rPr>
-              <a:t>+ </a:t>
+              <a:t>' + </a:t>
             </a:r>
             <a:r>
               <a:rPr lang="it-IT" sz="2800" b="1" noProof="1" smtClean="0">
@@ -17118,41 +16910,7 @@
                 <a:latin typeface="Consolas" pitchFamily="49" charset="0"/>
                 <a:cs typeface="Consolas" pitchFamily="49" charset="0"/>
               </a:rPr>
-              <a:t> + </a:t>
-            </a:r>
-            <a:r>
-              <a:rPr lang="it-IT" sz="2800" b="1" noProof="1" smtClean="0">
-                <a:solidFill>
-                  <a:srgbClr val="FBEEDC"/>
-                </a:solidFill>
-                <a:effectLst>
-                  <a:outerShdw blurRad="38100" dist="38100" dir="2700000" algn="tl">
-                    <a:srgbClr val="000000">
-                      <a:alpha val="43137"/>
-                    </a:srgbClr>
-                  </a:outerShdw>
-                </a:effectLst>
-                <a:latin typeface="Consolas" pitchFamily="49" charset="0"/>
-                <a:cs typeface="Consolas" pitchFamily="49" charset="0"/>
-              </a:rPr>
-              <a:t>' ' </a:t>
-            </a:r>
-            <a:r>
-              <a:rPr lang="it-IT" sz="2800" b="1" noProof="1" smtClean="0">
-                <a:solidFill>
-                  <a:srgbClr val="FBEEDC"/>
-                </a:solidFill>
-                <a:effectLst>
-                  <a:outerShdw blurRad="38100" dist="38100" dir="2700000" algn="tl">
-                    <a:srgbClr val="000000">
-                      <a:alpha val="43137"/>
-                    </a:srgbClr>
-                  </a:outerShdw>
-                </a:effectLst>
-                <a:latin typeface="Consolas" pitchFamily="49" charset="0"/>
-                <a:cs typeface="Consolas" pitchFamily="49" charset="0"/>
-              </a:rPr>
-              <a:t>+</a:t>
+              <a:t> + ' ' +</a:t>
             </a:r>
             <a:r>
               <a:rPr lang="it-IT" sz="2800" b="1" noProof="1" smtClean="0">
@@ -17202,56 +16960,8 @@
                 <a:latin typeface="Consolas" pitchFamily="49" charset="0"/>
                 <a:cs typeface="Consolas" pitchFamily="49" charset="0"/>
               </a:rPr>
-              <a:t>', </a:t>
-            </a:r>
-            <a:r>
-              <a:rPr lang="it-IT" sz="2800" b="1" noProof="1" smtClean="0">
-                <a:solidFill>
-                  <a:srgbClr val="FBEEDC"/>
-                </a:solidFill>
-                <a:effectLst>
-                  <a:outerShdw blurRad="38100" dist="38100" dir="2700000" algn="tl">
-                    <a:srgbClr val="000000">
-                      <a:alpha val="43137"/>
-                    </a:srgbClr>
-                  </a:outerShdw>
-                </a:effectLst>
-                <a:latin typeface="Consolas" pitchFamily="49" charset="0"/>
-                <a:cs typeface="Consolas" pitchFamily="49" charset="0"/>
-              </a:rPr>
-              <a:t>a </a:t>
-            </a:r>
-            <a:r>
-              <a:rPr lang="it-IT" sz="2800" b="1" noProof="1" smtClean="0">
-                <a:solidFill>
-                  <a:srgbClr val="FBEEDC"/>
-                </a:solidFill>
-                <a:effectLst>
-                  <a:outerShdw blurRad="38100" dist="38100" dir="2700000" algn="tl">
-                    <a:srgbClr val="000000">
-                      <a:alpha val="43137"/>
-                    </a:srgbClr>
-                  </a:outerShdw>
-                </a:effectLst>
-                <a:latin typeface="Consolas" pitchFamily="49" charset="0"/>
-                <a:cs typeface="Consolas" pitchFamily="49" charset="0"/>
-              </a:rPr>
-              <a:t>'</a:t>
-            </a:r>
-            <a:endParaRPr lang="it-IT" sz="2800" b="1" noProof="1" smtClean="0">
-              <a:solidFill>
-                <a:srgbClr val="FBEEDC"/>
-              </a:solidFill>
-              <a:effectLst>
-                <a:outerShdw blurRad="38100" dist="38100" dir="2700000" algn="tl">
-                  <a:srgbClr val="000000">
-                    <a:alpha val="43137"/>
-                  </a:srgbClr>
-                </a:outerShdw>
-              </a:effectLst>
-              <a:latin typeface="Consolas" pitchFamily="49" charset="0"/>
-              <a:cs typeface="Consolas" pitchFamily="49" charset="0"/>
-            </a:endParaRPr>
+              <a:t>', a '</a:t>
+            </a:r>
           </a:p>
           <a:p>
             <a:pPr eaLnBrk="0" hangingPunct="0">
@@ -17317,7 +17027,24 @@
                 <a:latin typeface="Consolas" pitchFamily="49" charset="0"/>
                 <a:cs typeface="Consolas" pitchFamily="49" charset="0"/>
               </a:rPr>
-              <a:t> + </a:t>
+              <a:t> + '-</a:t>
+            </a:r>
+            <a:r>
+              <a:rPr lang="it-IT" sz="2800" b="1" noProof="1">
+                <a:solidFill>
+                  <a:srgbClr val="FBEEDC"/>
+                </a:solidFill>
+                <a:effectLst>
+                  <a:outerShdw blurRad="38100" dist="38100" dir="2700000" algn="tl">
+                    <a:srgbClr val="000000">
+                      <a:alpha val="43137"/>
+                    </a:srgbClr>
+                  </a:outerShdw>
+                </a:effectLst>
+                <a:latin typeface="Consolas" pitchFamily="49" charset="0"/>
+                <a:cs typeface="Consolas" pitchFamily="49" charset="0"/>
+              </a:rPr>
+              <a:t>years old person from </a:t>
             </a:r>
             <a:r>
               <a:rPr lang="it-IT" sz="2800" b="1" noProof="1" smtClean="0">
@@ -17334,58 +17061,7 @@
                 <a:latin typeface="Consolas" pitchFamily="49" charset="0"/>
                 <a:cs typeface="Consolas" pitchFamily="49" charset="0"/>
               </a:rPr>
-              <a:t>'-</a:t>
-            </a:r>
-            <a:r>
-              <a:rPr lang="it-IT" sz="2800" b="1" noProof="1">
-                <a:solidFill>
-                  <a:srgbClr val="FBEEDC"/>
-                </a:solidFill>
-                <a:effectLst>
-                  <a:outerShdw blurRad="38100" dist="38100" dir="2700000" algn="tl">
-                    <a:srgbClr val="000000">
-                      <a:alpha val="43137"/>
-                    </a:srgbClr>
-                  </a:outerShdw>
-                </a:effectLst>
-                <a:latin typeface="Consolas" pitchFamily="49" charset="0"/>
-                <a:cs typeface="Consolas" pitchFamily="49" charset="0"/>
-              </a:rPr>
-              <a:t>years old person from </a:t>
-            </a:r>
-            <a:r>
-              <a:rPr lang="it-IT" sz="2800" b="1" noProof="1" smtClean="0">
-                <a:solidFill>
-                  <a:srgbClr val="FBEEDC"/>
-                </a:solidFill>
-                <a:effectLst>
-                  <a:outerShdw blurRad="38100" dist="38100" dir="2700000" algn="tl">
-                    <a:srgbClr val="000000">
-                      <a:alpha val="43137"/>
-                    </a:srgbClr>
-                  </a:outerShdw>
-                </a:effectLst>
-                <a:latin typeface="Consolas" pitchFamily="49" charset="0"/>
-                <a:cs typeface="Consolas" pitchFamily="49" charset="0"/>
-              </a:rPr>
-              <a:t>' </a:t>
-            </a:r>
-            <a:r>
-              <a:rPr lang="it-IT" sz="2800" b="1" noProof="1" smtClean="0">
-                <a:solidFill>
-                  <a:srgbClr val="FBEEDC"/>
-                </a:solidFill>
-                <a:effectLst>
-                  <a:outerShdw blurRad="38100" dist="38100" dir="2700000" algn="tl">
-                    <a:srgbClr val="000000">
-                      <a:alpha val="43137"/>
-                    </a:srgbClr>
-                  </a:outerShdw>
-                </a:effectLst>
-                <a:latin typeface="Consolas" pitchFamily="49" charset="0"/>
-                <a:cs typeface="Consolas" pitchFamily="49" charset="0"/>
-              </a:rPr>
-              <a:t>+</a:t>
+              <a:t>' +</a:t>
             </a:r>
           </a:p>
           <a:p>

--- a/2. Simple-Calculations/2. Simple-Calculations.pptx
+++ b/2. Simple-Calculations/2. Simple-Calculations.pptx
@@ -245,7 +245,7 @@
             <a:fld id="{FE5B4EDC-59C0-49C7-8ADA-5A781B329E02}" type="datetimeFigureOut">
               <a:rPr lang="en-US"/>
               <a:pPr/>
-              <a:t>2/14/2017</a:t>
+              <a:t>2/19/2017</a:t>
             </a:fld>
             <a:endParaRPr dirty="0"/>
           </a:p>
@@ -444,7 +444,7 @@
             <a:fld id="{F2D8D46A-B586-417D-BFBD-8C8FE0AAF762}" type="datetimeFigureOut">
               <a:rPr lang="en-US" smtClean="0"/>
               <a:pPr/>
-              <a:t>2/14/2017</a:t>
+              <a:t>2/19/2017</a:t>
             </a:fld>
             <a:endParaRPr lang="en-US"/>
           </a:p>
@@ -2194,7 +2194,7 @@
             <a:fld id="{055373AC-9AA7-423B-BA00-BA1C74164DBD}" type="datetime1">
               <a:rPr lang="en-US" smtClean="0"/>
               <a:pPr/>
-              <a:t>2/14/2017</a:t>
+              <a:t>2/19/2017</a:t>
             </a:fld>
             <a:endParaRPr lang="en-US" dirty="0"/>
           </a:p>
@@ -3468,7 +3468,7 @@
             <a:fld id="{055373AC-9AA7-423B-BA00-BA1C74164DBD}" type="datetime1">
               <a:rPr lang="en-US" smtClean="0"/>
               <a:pPr/>
-              <a:t>2/14/2017</a:t>
+              <a:t>2/19/2017</a:t>
             </a:fld>
             <a:endParaRPr lang="en-US" dirty="0"/>
           </a:p>
@@ -5451,21 +5451,23 @@
               <a:rPr lang="bg-BG" dirty="0" smtClean="0">
                 <a:latin typeface="Consolas" panose="020B0609020204030204" pitchFamily="49" charset="0"/>
               </a:rPr>
-              <a:t>*</a:t>
-            </a:r>
-            <a:r>
-              <a:rPr lang="en-US" dirty="0" smtClean="0"/>
+              <a:t>*,</a:t>
+            </a:r>
+            <a:r>
+              <a:rPr lang="bg-BG" dirty="0" smtClean="0"/>
               <a:t> </a:t>
-            </a:r>
-            <a:r>
-              <a:rPr lang="bg-BG" dirty="0" smtClean="0"/>
-              <a:t>и </a:t>
             </a:r>
             <a:r>
               <a:rPr lang="en-US" dirty="0" smtClean="0">
                 <a:latin typeface="Consolas" panose="020B0609020204030204" pitchFamily="49" charset="0"/>
               </a:rPr>
               <a:t>/</a:t>
+            </a:r>
+            <a:r>
+              <a:rPr lang="bg-BG" smtClean="0">
+                <a:latin typeface="Consolas" panose="020B0609020204030204" pitchFamily="49" charset="0"/>
+              </a:rPr>
+              <a:t>, // и %</a:t>
             </a:r>
             <a:endParaRPr lang="en-US" dirty="0">
               <a:latin typeface="Consolas" panose="020B0609020204030204" pitchFamily="49" charset="0"/>
@@ -5710,7 +5712,7 @@
         <p:spPr bwMode="auto">
           <a:xfrm>
             <a:off x="911223" y="4356318"/>
-            <a:ext cx="10363202" cy="1815882"/>
+            <a:ext cx="10363202" cy="2246769"/>
           </a:xfrm>
           <a:prstGeom prst="rect">
             <a:avLst/>
@@ -6250,7 +6252,220 @@
                 <a:latin typeface="Consolas" pitchFamily="49" charset="0"/>
                 <a:cs typeface="Consolas" pitchFamily="49" charset="0"/>
               </a:rPr>
-              <a:t>целочислено деление</a:t>
+              <a:t>целочислено </a:t>
+            </a:r>
+            <a:r>
+              <a:rPr lang="bg-BG" sz="2800" b="1" i="1" noProof="1" smtClean="0">
+                <a:solidFill>
+                  <a:schemeClr val="tx2">
+                    <a:lumMod val="75000"/>
+                  </a:schemeClr>
+                </a:solidFill>
+                <a:effectLst>
+                  <a:outerShdw blurRad="38100" dist="38100" dir="2700000" algn="tl">
+                    <a:srgbClr val="000000">
+                      <a:alpha val="43137"/>
+                    </a:srgbClr>
+                  </a:outerShdw>
+                </a:effectLst>
+                <a:latin typeface="Consolas" pitchFamily="49" charset="0"/>
+                <a:cs typeface="Consolas" pitchFamily="49" charset="0"/>
+              </a:rPr>
+              <a:t>деление</a:t>
+            </a:r>
+            <a:endParaRPr lang="en-US" sz="2800" b="1" i="1" noProof="1" smtClean="0">
+              <a:solidFill>
+                <a:schemeClr val="tx2">
+                  <a:lumMod val="75000"/>
+                </a:schemeClr>
+              </a:solidFill>
+              <a:effectLst>
+                <a:outerShdw blurRad="38100" dist="38100" dir="2700000" algn="tl">
+                  <a:srgbClr val="000000">
+                    <a:alpha val="43137"/>
+                  </a:srgbClr>
+                </a:outerShdw>
+              </a:effectLst>
+              <a:latin typeface="Consolas" pitchFamily="49" charset="0"/>
+              <a:cs typeface="Consolas" pitchFamily="49" charset="0"/>
+            </a:endParaRPr>
+          </a:p>
+          <a:p>
+            <a:pPr eaLnBrk="0" hangingPunct="0">
+              <a:buClr>
+                <a:schemeClr val="accent5">
+                  <a:lumMod val="40000"/>
+                  <a:lumOff val="60000"/>
+                </a:schemeClr>
+              </a:buClr>
+              <a:buSzPct val="70000"/>
+            </a:pPr>
+            <a:r>
+              <a:rPr lang="en-US" sz="2800" b="1" noProof="1" smtClean="0">
+                <a:solidFill>
+                  <a:srgbClr val="FBEEDC"/>
+                </a:solidFill>
+                <a:effectLst>
+                  <a:outerShdw blurRad="38100" dist="38100" dir="2700000" algn="tl">
+                    <a:srgbClr val="000000">
+                      <a:alpha val="43137"/>
+                    </a:srgbClr>
+                  </a:outerShdw>
+                </a:effectLst>
+                <a:latin typeface="Consolas" pitchFamily="49" charset="0"/>
+                <a:cs typeface="Consolas" pitchFamily="49" charset="0"/>
+              </a:rPr>
+              <a:t>r = a </a:t>
+            </a:r>
+            <a:r>
+              <a:rPr lang="en-US" sz="2800" b="1" noProof="1" smtClean="0">
+                <a:solidFill>
+                  <a:schemeClr val="tx2">
+                    <a:lumMod val="75000"/>
+                  </a:schemeClr>
+                </a:solidFill>
+                <a:effectLst>
+                  <a:outerShdw blurRad="38100" dist="38100" dir="2700000" algn="tl">
+                    <a:srgbClr val="000000">
+                      <a:alpha val="43137"/>
+                    </a:srgbClr>
+                  </a:outerShdw>
+                </a:effectLst>
+                <a:latin typeface="Consolas" pitchFamily="49" charset="0"/>
+                <a:cs typeface="Consolas" pitchFamily="49" charset="0"/>
+              </a:rPr>
+              <a:t>%</a:t>
+            </a:r>
+            <a:r>
+              <a:rPr lang="en-US" sz="2800" b="1" noProof="1" smtClean="0">
+                <a:solidFill>
+                  <a:srgbClr val="FBEEDC"/>
+                </a:solidFill>
+                <a:effectLst>
+                  <a:outerShdw blurRad="38100" dist="38100" dir="2700000" algn="tl">
+                    <a:srgbClr val="000000">
+                      <a:alpha val="43137"/>
+                    </a:srgbClr>
+                  </a:outerShdw>
+                </a:effectLst>
+                <a:latin typeface="Consolas" pitchFamily="49" charset="0"/>
+                <a:cs typeface="Consolas" pitchFamily="49" charset="0"/>
+              </a:rPr>
+              <a:t> 4      </a:t>
+            </a:r>
+            <a:r>
+              <a:rPr lang="en-US" sz="2800" b="1" i="1" noProof="1">
+                <a:solidFill>
+                  <a:schemeClr val="tx2">
+                    <a:lumMod val="75000"/>
+                  </a:schemeClr>
+                </a:solidFill>
+                <a:effectLst>
+                  <a:outerShdw blurRad="38100" dist="38100" dir="2700000" algn="tl">
+                    <a:srgbClr val="000000">
+                      <a:alpha val="43137"/>
+                    </a:srgbClr>
+                  </a:outerShdw>
+                </a:effectLst>
+                <a:latin typeface="Consolas" pitchFamily="49" charset="0"/>
+                <a:cs typeface="Consolas" pitchFamily="49" charset="0"/>
+              </a:rPr>
+              <a:t># </a:t>
+            </a:r>
+            <a:r>
+              <a:rPr lang="bg-BG" sz="2800" b="1" i="1" noProof="1" smtClean="0">
+                <a:solidFill>
+                  <a:schemeClr val="tx2">
+                    <a:lumMod val="75000"/>
+                  </a:schemeClr>
+                </a:solidFill>
+                <a:effectLst>
+                  <a:outerShdw blurRad="38100" dist="38100" dir="2700000" algn="tl">
+                    <a:srgbClr val="000000">
+                      <a:alpha val="43137"/>
+                    </a:srgbClr>
+                  </a:outerShdw>
+                </a:effectLst>
+                <a:latin typeface="Consolas" pitchFamily="49" charset="0"/>
+                <a:cs typeface="Consolas" pitchFamily="49" charset="0"/>
+              </a:rPr>
+              <a:t>3</a:t>
+            </a:r>
+            <a:r>
+              <a:rPr lang="en-US" sz="2800" b="1" i="1" noProof="1" smtClean="0">
+                <a:solidFill>
+                  <a:schemeClr val="tx2">
+                    <a:lumMod val="75000"/>
+                  </a:schemeClr>
+                </a:solidFill>
+                <a:effectLst>
+                  <a:outerShdw blurRad="38100" dist="38100" dir="2700000" algn="tl">
+                    <a:srgbClr val="000000">
+                      <a:alpha val="43137"/>
+                    </a:srgbClr>
+                  </a:outerShdw>
+                </a:effectLst>
+                <a:latin typeface="Consolas" pitchFamily="49" charset="0"/>
+                <a:cs typeface="Consolas" pitchFamily="49" charset="0"/>
+              </a:rPr>
+              <a:t> </a:t>
+            </a:r>
+            <a:r>
+              <a:rPr lang="bg-BG" sz="2800" b="1" i="1" noProof="1">
+                <a:solidFill>
+                  <a:schemeClr val="tx2">
+                    <a:lumMod val="75000"/>
+                  </a:schemeClr>
+                </a:solidFill>
+                <a:effectLst>
+                  <a:outerShdw blurRad="38100" dist="38100" dir="2700000" algn="tl">
+                    <a:srgbClr val="000000">
+                      <a:alpha val="43137"/>
+                    </a:srgbClr>
+                  </a:outerShdw>
+                </a:effectLst>
+                <a:latin typeface="Consolas" pitchFamily="49" charset="0"/>
+                <a:cs typeface="Consolas" pitchFamily="49" charset="0"/>
+              </a:rPr>
+              <a:t>– </a:t>
+            </a:r>
+            <a:r>
+              <a:rPr lang="bg-BG" sz="2800" b="1" i="1" noProof="1" smtClean="0">
+                <a:solidFill>
+                  <a:schemeClr val="tx2">
+                    <a:lumMod val="75000"/>
+                  </a:schemeClr>
+                </a:solidFill>
+                <a:effectLst>
+                  <a:outerShdw blurRad="38100" dist="38100" dir="2700000" algn="tl">
+                    <a:srgbClr val="000000">
+                      <a:alpha val="43137"/>
+                    </a:srgbClr>
+                  </a:outerShdw>
+                </a:effectLst>
+                <a:latin typeface="Consolas" pitchFamily="49" charset="0"/>
+                <a:cs typeface="Consolas" pitchFamily="49" charset="0"/>
+              </a:rPr>
+              <a:t>остатък при целочислено </a:t>
+            </a:r>
+            <a:r>
+              <a:rPr lang="bg-BG" sz="2800" b="1" i="1" noProof="1">
+                <a:solidFill>
+                  <a:schemeClr val="tx2">
+                    <a:lumMod val="75000"/>
+                  </a:schemeClr>
+                </a:solidFill>
+                <a:effectLst>
+                  <a:outerShdw blurRad="38100" dist="38100" dir="2700000" algn="tl">
+                    <a:srgbClr val="000000">
+                      <a:alpha val="43137"/>
+                    </a:srgbClr>
+                  </a:outerShdw>
+                </a:effectLst>
+                <a:latin typeface="Consolas" pitchFamily="49" charset="0"/>
+                <a:cs typeface="Consolas" pitchFamily="49" charset="0"/>
+              </a:rPr>
+              <a:t>деление</a:t>
             </a:r>
             <a:endParaRPr lang="en-US" sz="2800" b="1" i="1" noProof="1">
               <a:solidFill>
@@ -6294,7 +6509,24 @@
                 <a:latin typeface="Consolas" pitchFamily="49" charset="0"/>
                 <a:cs typeface="Consolas" pitchFamily="49" charset="0"/>
               </a:rPr>
-              <a:t>error = </a:t>
+              <a:t>error </a:t>
+            </a:r>
+            <a:r>
+              <a:rPr lang="en-US" sz="2800" b="1" noProof="1" smtClean="0">
+                <a:solidFill>
+                  <a:srgbClr val="FBEEDC"/>
+                </a:solidFill>
+                <a:effectLst>
+                  <a:outerShdw blurRad="38100" dist="38100" dir="2700000" algn="tl">
+                    <a:srgbClr val="000000">
+                      <a:alpha val="43137"/>
+                    </a:srgbClr>
+                  </a:outerShdw>
+                </a:effectLst>
+                <a:latin typeface="Consolas" pitchFamily="49" charset="0"/>
+                <a:cs typeface="Consolas" pitchFamily="49" charset="0"/>
+              </a:rPr>
+              <a:t>= </a:t>
             </a:r>
             <a:r>
               <a:rPr lang="en-US" sz="2800" b="1" noProof="1">
@@ -8644,24 +8876,7 @@
                 <a:latin typeface="Consolas" pitchFamily="49" charset="0"/>
                 <a:cs typeface="Consolas" pitchFamily="49" charset="0"/>
               </a:rPr>
-              <a:t>import </a:t>
-            </a:r>
-            <a:r>
-              <a:rPr lang="en-US" sz="2800" b="1" noProof="1" smtClean="0">
-                <a:solidFill>
-                  <a:srgbClr val="FBEEDC"/>
-                </a:solidFill>
-                <a:effectLst>
-                  <a:outerShdw blurRad="38100" dist="38100" dir="2700000" algn="tl">
-                    <a:srgbClr val="000000">
-                      <a:alpha val="43137"/>
-                    </a:srgbClr>
-                  </a:outerShdw>
-                </a:effectLst>
-                <a:latin typeface="Consolas" pitchFamily="49" charset="0"/>
-                <a:cs typeface="Consolas" pitchFamily="49" charset="0"/>
-              </a:rPr>
-              <a:t>math</a:t>
+              <a:t>import math</a:t>
             </a:r>
             <a:endParaRPr lang="bg-BG" sz="2800" b="1" noProof="1" smtClean="0">
               <a:solidFill>
@@ -8793,20 +9008,6 @@
               </a:rPr>
               <a:t>))</a:t>
             </a:r>
-            <a:endParaRPr lang="it-IT" sz="2800" b="1" noProof="1" smtClean="0">
-              <a:solidFill>
-                <a:srgbClr val="FBEEDC"/>
-              </a:solidFill>
-              <a:effectLst>
-                <a:outerShdw blurRad="38100" dist="38100" dir="2700000" algn="tl">
-                  <a:srgbClr val="000000">
-                    <a:alpha val="43137"/>
-                  </a:srgbClr>
-                </a:outerShdw>
-              </a:effectLst>
-              <a:latin typeface="Consolas" pitchFamily="49" charset="0"/>
-              <a:cs typeface="Consolas" pitchFamily="49" charset="0"/>
-            </a:endParaRPr>
           </a:p>
           <a:p>
             <a:pPr eaLnBrk="0" hangingPunct="0">
@@ -10553,6 +10754,21 @@
                 <a:latin typeface="Consolas" panose="020B0609020204030204" pitchFamily="49" charset="0"/>
               </a:rPr>
               <a:t>/</a:t>
+            </a:r>
+            <a:r>
+              <a:rPr lang="en-US" sz="3200" dirty="0" smtClean="0"/>
+              <a:t>, </a:t>
+            </a:r>
+            <a:r>
+              <a:rPr lang="en-US" sz="3200" b="1" dirty="0" smtClean="0">
+                <a:solidFill>
+                  <a:schemeClr val="tx2">
+                    <a:lumMod val="75000"/>
+                  </a:schemeClr>
+                </a:solidFill>
+                <a:latin typeface="Consolas" panose="020B0609020204030204" pitchFamily="49" charset="0"/>
+              </a:rPr>
+              <a:t>%</a:t>
             </a:r>
             <a:r>
               <a:rPr lang="en-US" sz="3200" dirty="0"/>
@@ -12723,11 +12939,7 @@
             </a:pPr>
             <a:r>
               <a:rPr lang="bg-BG" sz="3200" dirty="0" smtClean="0"/>
-              <a:t>Пример</a:t>
-            </a:r>
-            <a:r>
-              <a:rPr lang="bg-BG" sz="3200" dirty="0" smtClean="0"/>
-              <a:t>: пресмятане на лице на квадрат със страна </a:t>
+              <a:t>Пример: пресмятане на лице на квадрат със страна </a:t>
             </a:r>
             <a:r>
               <a:rPr lang="bg-BG" sz="3200" b="1" dirty="0" smtClean="0">
@@ -12869,45 +13081,7 @@
                 <a:latin typeface="Consolas" pitchFamily="49" charset="0"/>
                 <a:cs typeface="Consolas" pitchFamily="49" charset="0"/>
               </a:rPr>
-              <a:t>a </a:t>
-            </a:r>
-            <a:r>
-              <a:rPr lang="it-IT" sz="2800" b="1" noProof="1" smtClean="0">
-                <a:solidFill>
-                  <a:schemeClr val="tx2">
-                    <a:lumMod val="75000"/>
-                  </a:schemeClr>
-                </a:solidFill>
-                <a:effectLst>
-                  <a:outerShdw blurRad="38100" dist="38100" dir="2700000" algn="tl">
-                    <a:srgbClr val="000000">
-                      <a:alpha val="43137"/>
-                    </a:srgbClr>
-                  </a:outerShdw>
-                </a:effectLst>
-                <a:latin typeface="Consolas" pitchFamily="49" charset="0"/>
-                <a:cs typeface="Consolas" pitchFamily="49" charset="0"/>
-              </a:rPr>
-              <a:t>= int(input</a:t>
-            </a:r>
-            <a:r>
-              <a:rPr lang="it-IT" sz="2800" b="1" noProof="1" smtClean="0">
-                <a:solidFill>
-                  <a:schemeClr val="tx2">
-                    <a:lumMod val="75000"/>
-                  </a:schemeClr>
-                </a:solidFill>
-                <a:effectLst>
-                  <a:outerShdw blurRad="38100" dist="38100" dir="2700000" algn="tl">
-                    <a:srgbClr val="000000">
-                      <a:alpha val="43137"/>
-                    </a:srgbClr>
-                  </a:outerShdw>
-                </a:effectLst>
-                <a:latin typeface="Consolas" pitchFamily="49" charset="0"/>
-                <a:cs typeface="Consolas" pitchFamily="49" charset="0"/>
-              </a:rPr>
-              <a:t>('a = '))</a:t>
+              <a:t>a = int(input('a = '))</a:t>
             </a:r>
             <a:endParaRPr lang="it-IT" sz="2800" b="1" noProof="1">
               <a:solidFill>
@@ -13201,26 +13375,7 @@
                 <a:latin typeface="Consolas" pitchFamily="49" charset="0"/>
                 <a:cs typeface="Consolas" pitchFamily="49" charset="0"/>
               </a:rPr>
-              <a:t>int(input</a:t>
-            </a:r>
-            <a:r>
-              <a:rPr lang="nn-NO" sz="2800" b="1" noProof="1" smtClean="0">
-                <a:solidFill>
-                  <a:schemeClr val="tx2">
-                    <a:lumMod val="75000"/>
-                  </a:schemeClr>
-                </a:solidFill>
-                <a:effectLst>
-                  <a:outerShdw blurRad="38100" dist="38100" dir="2700000" algn="tl">
-                    <a:srgbClr val="000000">
-                      <a:alpha val="43137"/>
-                    </a:srgbClr>
-                  </a:outerShdw>
-                </a:effectLst>
-                <a:latin typeface="Consolas" pitchFamily="49" charset="0"/>
-                <a:cs typeface="Consolas" pitchFamily="49" charset="0"/>
-              </a:rPr>
-              <a:t>())</a:t>
+              <a:t>int(input())</a:t>
             </a:r>
           </a:p>
           <a:p>
@@ -14735,11 +14890,7 @@
             </a:pPr>
             <a:r>
               <a:rPr lang="bg-BG" sz="3200" dirty="0" smtClean="0"/>
-              <a:t>Пример</a:t>
-            </a:r>
-            <a:r>
-              <a:rPr lang="bg-BG" sz="3200" dirty="0" smtClean="0"/>
-              <a:t>: прехвърляне от инчове в сантиметри:</a:t>
+              <a:t>Пример: прехвърляне от инчове в сантиметри:</a:t>
             </a:r>
             <a:endParaRPr lang="en-US" sz="3200" b="1" dirty="0">
               <a:solidFill>
@@ -14904,26 +15055,7 @@
                 <a:latin typeface="Consolas" pitchFamily="49" charset="0"/>
                 <a:cs typeface="Consolas" pitchFamily="49" charset="0"/>
               </a:rPr>
-              <a:t>float(input</a:t>
-            </a:r>
-            <a:r>
-              <a:rPr lang="it-IT" sz="2800" b="1" noProof="1" smtClean="0">
-                <a:solidFill>
-                  <a:schemeClr val="tx2">
-                    <a:lumMod val="75000"/>
-                  </a:schemeClr>
-                </a:solidFill>
-                <a:effectLst>
-                  <a:outerShdw blurRad="38100" dist="38100" dir="2700000" algn="tl">
-                    <a:srgbClr val="000000">
-                      <a:alpha val="43137"/>
-                    </a:srgbClr>
-                  </a:outerShdw>
-                </a:effectLst>
-                <a:latin typeface="Consolas" pitchFamily="49" charset="0"/>
-                <a:cs typeface="Consolas" pitchFamily="49" charset="0"/>
-              </a:rPr>
-              <a:t>(</a:t>
+              <a:t>float(input(</a:t>
             </a:r>
             <a:r>
               <a:rPr lang="it-IT" sz="2800" b="1" noProof="1">
@@ -15287,26 +15419,7 @@
                 <a:latin typeface="Consolas" pitchFamily="49" charset="0"/>
                 <a:cs typeface="Consolas" pitchFamily="49" charset="0"/>
               </a:rPr>
-              <a:t>float(input</a:t>
-            </a:r>
-            <a:r>
-              <a:rPr lang="en-US" sz="2800" b="1" noProof="1" smtClean="0">
-                <a:solidFill>
-                  <a:schemeClr val="tx2">
-                    <a:lumMod val="75000"/>
-                  </a:schemeClr>
-                </a:solidFill>
-                <a:effectLst>
-                  <a:outerShdw blurRad="38100" dist="38100" dir="2700000" algn="tl">
-                    <a:srgbClr val="000000">
-                      <a:alpha val="43137"/>
-                    </a:srgbClr>
-                  </a:outerShdw>
-                </a:effectLst>
-                <a:latin typeface="Consolas" pitchFamily="49" charset="0"/>
-                <a:cs typeface="Consolas" pitchFamily="49" charset="0"/>
-              </a:rPr>
-              <a:t>())</a:t>
+              <a:t>float(input())</a:t>
             </a:r>
           </a:p>
           <a:p>
@@ -15336,26 +15449,7 @@
                 <a:latin typeface="Consolas" pitchFamily="49" charset="0"/>
                 <a:cs typeface="Consolas" pitchFamily="49" charset="0"/>
               </a:rPr>
-              <a:t>inches = </a:t>
-            </a:r>
-            <a:r>
-              <a:rPr lang="it-IT" sz="2800" b="1" noProof="1">
-                <a:solidFill>
-                  <a:schemeClr val="tx2">
-                    <a:lumMod val="75000"/>
-                  </a:schemeClr>
-                </a:solidFill>
-                <a:effectLst>
-                  <a:outerShdw blurRad="38100" dist="38100" dir="2700000" algn="tl">
-                    <a:srgbClr val="000000">
-                      <a:alpha val="43137"/>
-                    </a:srgbClr>
-                  </a:outerShdw>
-                </a:effectLst>
-                <a:latin typeface="Consolas" pitchFamily="49" charset="0"/>
-                <a:cs typeface="Consolas" pitchFamily="49" charset="0"/>
-              </a:rPr>
-              <a:t>float(input</a:t>
+              <a:t>inches = float(input</a:t>
             </a:r>
             <a:r>
               <a:rPr lang="it-IT" sz="2800" b="1" noProof="1" smtClean="0">
@@ -15583,11 +15677,7 @@
             </a:pPr>
             <a:r>
               <a:rPr lang="bg-BG" sz="3200" dirty="0" smtClean="0"/>
-              <a:t>Пример</a:t>
-            </a:r>
-            <a:r>
-              <a:rPr lang="bg-BG" sz="3200" dirty="0" smtClean="0"/>
-              <a:t>: поздрав по име:</a:t>
+              <a:t>Пример: поздрав по име:</a:t>
             </a:r>
             <a:endParaRPr lang="en-US" sz="3200" dirty="0"/>
           </a:p>
@@ -15724,26 +15814,7 @@
                 <a:latin typeface="Consolas" pitchFamily="49" charset="0"/>
                 <a:cs typeface="Consolas" pitchFamily="49" charset="0"/>
               </a:rPr>
-              <a:t>input</a:t>
-            </a:r>
-            <a:r>
-              <a:rPr lang="en-US" sz="2800" b="1" noProof="1" smtClean="0">
-                <a:solidFill>
-                  <a:schemeClr val="tx2">
-                    <a:lumMod val="75000"/>
-                  </a:schemeClr>
-                </a:solidFill>
-                <a:effectLst>
-                  <a:outerShdw blurRad="38100" dist="38100" dir="2700000" algn="tl">
-                    <a:srgbClr val="000000">
-                      <a:alpha val="43137"/>
-                    </a:srgbClr>
-                  </a:outerShdw>
-                </a:effectLst>
-                <a:latin typeface="Consolas" pitchFamily="49" charset="0"/>
-                <a:cs typeface="Consolas" pitchFamily="49" charset="0"/>
-              </a:rPr>
-              <a:t>()</a:t>
+              <a:t>input()</a:t>
             </a:r>
             <a:endParaRPr lang="bg-BG" sz="2800" b="1" noProof="1" smtClean="0">
               <a:solidFill>
@@ -15949,26 +16020,7 @@
                 <a:latin typeface="Consolas" pitchFamily="49" charset="0"/>
                 <a:cs typeface="Consolas" pitchFamily="49" charset="0"/>
               </a:rPr>
-              <a:t>input</a:t>
-            </a:r>
-            <a:r>
-              <a:rPr lang="it-IT" sz="2800" b="1" noProof="1" smtClean="0">
-                <a:solidFill>
-                  <a:schemeClr val="tx2">
-                    <a:lumMod val="75000"/>
-                  </a:schemeClr>
-                </a:solidFill>
-                <a:effectLst>
-                  <a:outerShdw blurRad="38100" dist="38100" dir="2700000" algn="tl">
-                    <a:srgbClr val="000000">
-                      <a:alpha val="43137"/>
-                    </a:srgbClr>
-                  </a:outerShdw>
-                </a:effectLst>
-                <a:latin typeface="Consolas" pitchFamily="49" charset="0"/>
-                <a:cs typeface="Consolas" pitchFamily="49" charset="0"/>
-              </a:rPr>
-              <a:t>(</a:t>
+              <a:t>input(</a:t>
             </a:r>
             <a:r>
               <a:rPr lang="it-IT" sz="2800" b="1" noProof="1">

--- a/2. Simple-Calculations/2. Simple-Calculations.pptx
+++ b/2. Simple-Calculations/2. Simple-Calculations.pptx
@@ -6252,26 +6252,7 @@
                 <a:latin typeface="Consolas" pitchFamily="49" charset="0"/>
                 <a:cs typeface="Consolas" pitchFamily="49" charset="0"/>
               </a:rPr>
-              <a:t>целочислено </a:t>
-            </a:r>
-            <a:r>
-              <a:rPr lang="bg-BG" sz="2800" b="1" i="1" noProof="1" smtClean="0">
-                <a:solidFill>
-                  <a:schemeClr val="tx2">
-                    <a:lumMod val="75000"/>
-                  </a:schemeClr>
-                </a:solidFill>
-                <a:effectLst>
-                  <a:outerShdw blurRad="38100" dist="38100" dir="2700000" algn="tl">
-                    <a:srgbClr val="000000">
-                      <a:alpha val="43137"/>
-                    </a:srgbClr>
-                  </a:outerShdw>
-                </a:effectLst>
-                <a:latin typeface="Consolas" pitchFamily="49" charset="0"/>
-                <a:cs typeface="Consolas" pitchFamily="49" charset="0"/>
-              </a:rPr>
-              <a:t>деление</a:t>
+              <a:t>целочислено деление</a:t>
             </a:r>
             <a:endParaRPr lang="en-US" sz="2800" b="1" i="1" noProof="1" smtClean="0">
               <a:solidFill>
@@ -6509,24 +6490,7 @@
                 <a:latin typeface="Consolas" pitchFamily="49" charset="0"/>
                 <a:cs typeface="Consolas" pitchFamily="49" charset="0"/>
               </a:rPr>
-              <a:t>error </a:t>
-            </a:r>
-            <a:r>
-              <a:rPr lang="en-US" sz="2800" b="1" noProof="1" smtClean="0">
-                <a:solidFill>
-                  <a:srgbClr val="FBEEDC"/>
-                </a:solidFill>
-                <a:effectLst>
-                  <a:outerShdw blurRad="38100" dist="38100" dir="2700000" algn="tl">
-                    <a:srgbClr val="000000">
-                      <a:alpha val="43137"/>
-                    </a:srgbClr>
-                  </a:outerShdw>
-                </a:effectLst>
-                <a:latin typeface="Consolas" pitchFamily="49" charset="0"/>
-                <a:cs typeface="Consolas" pitchFamily="49" charset="0"/>
-              </a:rPr>
-              <a:t>= </a:t>
+              <a:t>error = </a:t>
             </a:r>
             <a:r>
               <a:rPr lang="en-US" sz="2800" b="1" noProof="1">
@@ -14117,126 +14081,9 @@
   <p:timing>
     <p:tnLst>
       <p:par>
-        <p:cTn id="1" dur="indefinite" restart="never" nodeType="tmRoot">
-          <p:childTnLst>
-            <p:seq concurrent="1" nextAc="seek">
-              <p:cTn id="2" dur="indefinite" nodeType="mainSeq">
-                <p:childTnLst>
-                  <p:par>
-                    <p:cTn id="3" fill="hold">
-                      <p:stCondLst>
-                        <p:cond delay="indefinite"/>
-                      </p:stCondLst>
-                      <p:childTnLst>
-                        <p:par>
-                          <p:cTn id="4" fill="hold">
-                            <p:stCondLst>
-                              <p:cond delay="0"/>
-                            </p:stCondLst>
-                            <p:childTnLst>
-                              <p:par>
-                                <p:cTn id="5" presetID="1" presetClass="entr" presetSubtype="0" fill="hold" grpId="0" nodeType="clickEffect">
-                                  <p:stCondLst>
-                                    <p:cond delay="0"/>
-                                  </p:stCondLst>
-                                  <p:childTnLst>
-                                    <p:set>
-                                      <p:cBhvr>
-                                        <p:cTn id="6" dur="1" fill="hold">
-                                          <p:stCondLst>
-                                            <p:cond delay="0"/>
-                                          </p:stCondLst>
-                                        </p:cTn>
-                                        <p:tgtEl>
-                                          <p:spTgt spid="560134"/>
-                                        </p:tgtEl>
-                                        <p:attrNameLst>
-                                          <p:attrName>style.visibility</p:attrName>
-                                        </p:attrNameLst>
-                                      </p:cBhvr>
-                                      <p:to>
-                                        <p:strVal val="visible"/>
-                                      </p:to>
-                                    </p:set>
-                                  </p:childTnLst>
-                                </p:cTn>
-                              </p:par>
-                            </p:childTnLst>
-                          </p:cTn>
-                        </p:par>
-                      </p:childTnLst>
-                    </p:cTn>
-                  </p:par>
-                  <p:par>
-                    <p:cTn id="7" fill="hold">
-                      <p:stCondLst>
-                        <p:cond delay="indefinite"/>
-                      </p:stCondLst>
-                      <p:childTnLst>
-                        <p:par>
-                          <p:cTn id="8" fill="hold">
-                            <p:stCondLst>
-                              <p:cond delay="0"/>
-                            </p:stCondLst>
-                            <p:childTnLst>
-                              <p:par>
-                                <p:cTn id="9" presetID="1" presetClass="entr" presetSubtype="0" fill="hold" grpId="0" nodeType="clickEffect">
-                                  <p:stCondLst>
-                                    <p:cond delay="0"/>
-                                  </p:stCondLst>
-                                  <p:childTnLst>
-                                    <p:set>
-                                      <p:cBhvr>
-                                        <p:cTn id="10" dur="1" fill="hold">
-                                          <p:stCondLst>
-                                            <p:cond delay="0"/>
-                                          </p:stCondLst>
-                                        </p:cTn>
-                                        <p:tgtEl>
-                                          <p:spTgt spid="560135"/>
-                                        </p:tgtEl>
-                                        <p:attrNameLst>
-                                          <p:attrName>style.visibility</p:attrName>
-                                        </p:attrNameLst>
-                                      </p:cBhvr>
-                                      <p:to>
-                                        <p:strVal val="visible"/>
-                                      </p:to>
-                                    </p:set>
-                                  </p:childTnLst>
-                                </p:cTn>
-                              </p:par>
-                            </p:childTnLst>
-                          </p:cTn>
-                        </p:par>
-                      </p:childTnLst>
-                    </p:cTn>
-                  </p:par>
-                </p:childTnLst>
-              </p:cTn>
-              <p:prevCondLst>
-                <p:cond evt="onPrev" delay="0">
-                  <p:tgtEl>
-                    <p:sldTgt/>
-                  </p:tgtEl>
-                </p:cond>
-              </p:prevCondLst>
-              <p:nextCondLst>
-                <p:cond evt="onNext" delay="0">
-                  <p:tgtEl>
-                    <p:sldTgt/>
-                  </p:tgtEl>
-                </p:cond>
-              </p:nextCondLst>
-            </p:seq>
-          </p:childTnLst>
-        </p:cTn>
+        <p:cTn id="1" dur="indefinite" restart="never" nodeType="tmRoot"/>
       </p:par>
     </p:tnLst>
-    <p:bldLst>
-      <p:bldP spid="560134" grpId="0" animBg="1"/>
-      <p:bldP spid="560135" grpId="0" animBg="1"/>
-    </p:bldLst>
   </p:timing>
 </p:sld>
 </file>
@@ -16354,7 +16201,43 @@
                   </a:outerShdw>
                 </a:effectLst>
               </a:rPr>
-              <a:t>При печат на текст, можем да ги съединим</a:t>
+              <a:t>При печат на </a:t>
+            </a:r>
+            <a:r>
+              <a:rPr lang="bg-BG" sz="2800" dirty="0" smtClean="0">
+                <a:effectLst>
+                  <a:outerShdw blurRad="38100" dist="38100" dir="2700000" algn="tl">
+                    <a:srgbClr val="000000">
+                      <a:alpha val="43137"/>
+                    </a:srgbClr>
+                  </a:outerShdw>
+                </a:effectLst>
+              </a:rPr>
+              <a:t>текст </a:t>
+            </a:r>
+            <a:r>
+              <a:rPr lang="bg-BG" sz="2800" dirty="0" smtClean="0">
+                <a:effectLst>
+                  <a:outerShdw blurRad="38100" dist="38100" dir="2700000" algn="tl">
+                    <a:srgbClr val="000000">
+                      <a:alpha val="43137"/>
+                    </a:srgbClr>
+                  </a:outerShdw>
+                </a:effectLst>
+              </a:rPr>
+              <a:t>можем </a:t>
+            </a:r>
+            <a:r>
+              <a:rPr lang="bg-BG" sz="2800" dirty="0" smtClean="0">
+                <a:effectLst>
+                  <a:outerShdw blurRad="38100" dist="38100" dir="2700000" algn="tl">
+                    <a:srgbClr val="000000">
+                      <a:alpha val="43137"/>
+                    </a:srgbClr>
+                  </a:outerShdw>
+                </a:effectLst>
+              </a:rPr>
+              <a:t>да съединим</a:t>
             </a:r>
             <a:r>
               <a:rPr lang="en-US" sz="2800" dirty="0" smtClean="0">
@@ -16378,7 +16261,31 @@
                   </a:outerShdw>
                 </a:effectLst>
               </a:rPr>
-              <a:t>няколко такива, използвайки оператор +. Можем да </a:t>
+              <a:t>няколко </a:t>
+            </a:r>
+            <a:r>
+              <a:rPr lang="bg-BG" sz="2800" dirty="0" smtClean="0">
+                <a:effectLst>
+                  <a:outerShdw blurRad="38100" dist="38100" dir="2700000" algn="tl">
+                    <a:srgbClr val="000000">
+                      <a:alpha val="43137"/>
+                    </a:srgbClr>
+                  </a:outerShdw>
+                </a:effectLst>
+              </a:rPr>
+              <a:t>такива, </a:t>
+            </a:r>
+            <a:r>
+              <a:rPr lang="bg-BG" sz="2800" dirty="0" smtClean="0">
+                <a:effectLst>
+                  <a:outerShdw blurRad="38100" dist="38100" dir="2700000" algn="tl">
+                    <a:srgbClr val="000000">
+                      <a:alpha val="43137"/>
+                    </a:srgbClr>
+                  </a:outerShdw>
+                </a:effectLst>
+              </a:rPr>
+              <a:t>използвайки оператор +. Можем да </a:t>
             </a:r>
             <a:r>
               <a:rPr lang="it-IT" sz="2800" noProof="1" smtClean="0">

--- a/2. Simple-Calculations/2. Simple-Calculations.pptx
+++ b/2. Simple-Calculations/2. Simple-Calculations.pptx
@@ -245,7 +245,7 @@
             <a:fld id="{FE5B4EDC-59C0-49C7-8ADA-5A781B329E02}" type="datetimeFigureOut">
               <a:rPr lang="en-US"/>
               <a:pPr/>
-              <a:t>2/19/2017</a:t>
+              <a:t>3/29/2017</a:t>
             </a:fld>
             <a:endParaRPr dirty="0"/>
           </a:p>
@@ -444,7 +444,7 @@
             <a:fld id="{F2D8D46A-B586-417D-BFBD-8C8FE0AAF762}" type="datetimeFigureOut">
               <a:rPr lang="en-US" smtClean="0"/>
               <a:pPr/>
-              <a:t>2/19/2017</a:t>
+              <a:t>3/29/2017</a:t>
             </a:fld>
             <a:endParaRPr lang="en-US"/>
           </a:p>
@@ -2194,7 +2194,7 @@
             <a:fld id="{055373AC-9AA7-423B-BA00-BA1C74164DBD}" type="datetime1">
               <a:rPr lang="en-US" smtClean="0"/>
               <a:pPr/>
-              <a:t>2/19/2017</a:t>
+              <a:t>3/29/2017</a:t>
             </a:fld>
             <a:endParaRPr lang="en-US" dirty="0"/>
           </a:p>
@@ -3468,7 +3468,7 @@
             <a:fld id="{055373AC-9AA7-423B-BA00-BA1C74164DBD}" type="datetime1">
               <a:rPr lang="en-US" smtClean="0"/>
               <a:pPr/>
-              <a:t>2/19/2017</a:t>
+              <a:t>3/29/2017</a:t>
             </a:fld>
             <a:endParaRPr lang="en-US" dirty="0"/>
           </a:p>
@@ -10486,8 +10486,8 @@
         </p:blipFill>
         <p:spPr>
           <a:xfrm>
-            <a:off x="5103812" y="846909"/>
-            <a:ext cx="3713086" cy="1600200"/>
+            <a:off x="5103812" y="877520"/>
+            <a:ext cx="3713086" cy="1538977"/>
           </a:xfrm>
           <a:prstGeom prst="rect">
             <a:avLst/>
@@ -10516,8 +10516,8 @@
         </p:blipFill>
         <p:spPr>
           <a:xfrm>
-            <a:off x="6559392" y="2092022"/>
-            <a:ext cx="4515012" cy="1519700"/>
+            <a:off x="6960355" y="2419021"/>
+            <a:ext cx="4515012" cy="1514651"/>
           </a:xfrm>
           <a:prstGeom prst="rect">
             <a:avLst/>
@@ -10532,22 +10532,21 @@
           </p:cNvPicPr>
           <p:nvPr/>
         </p:nvPicPr>
-        <p:blipFill>
-          <a:blip r:embed="rId6">
+        <p:blipFill rotWithShape="1">
+          <a:blip r:embed="rId6" cstate="print">
             <a:extLst>
               <a:ext uri="{28A0092B-C50C-407E-A947-70E740481C1C}">
                 <a14:useLocalDpi xmlns:a14="http://schemas.microsoft.com/office/drawing/2010/main" val="0"/>
               </a:ext>
             </a:extLst>
           </a:blip>
-          <a:stretch>
-            <a:fillRect/>
-          </a:stretch>
+          <a:srcRect/>
+          <a:stretch/>
         </p:blipFill>
         <p:spPr>
           <a:xfrm>
-            <a:off x="3659403" y="3132841"/>
-            <a:ext cx="4419600" cy="1746957"/>
+            <a:off x="4208964" y="2761718"/>
+            <a:ext cx="2751391" cy="2149606"/>
           </a:xfrm>
           <a:prstGeom prst="rect">
             <a:avLst/>
@@ -16201,7 +16200,19 @@
                   </a:outerShdw>
                 </a:effectLst>
               </a:rPr>
-              <a:t>При печат на </a:t>
+              <a:t>При печат на текст можем да съединим</a:t>
+            </a:r>
+            <a:r>
+              <a:rPr lang="en-US" sz="2800" dirty="0" smtClean="0">
+                <a:effectLst>
+                  <a:outerShdw blurRad="38100" dist="38100" dir="2700000" algn="tl">
+                    <a:srgbClr val="000000">
+                      <a:alpha val="43137"/>
+                    </a:srgbClr>
+                  </a:outerShdw>
+                </a:effectLst>
+              </a:rPr>
+              <a:t> </a:t>
             </a:r>
             <a:r>
               <a:rPr lang="bg-BG" sz="2800" dirty="0" smtClean="0">
@@ -16213,79 +16224,7 @@
                   </a:outerShdw>
                 </a:effectLst>
               </a:rPr>
-              <a:t>текст </a:t>
-            </a:r>
-            <a:r>
-              <a:rPr lang="bg-BG" sz="2800" dirty="0" smtClean="0">
-                <a:effectLst>
-                  <a:outerShdw blurRad="38100" dist="38100" dir="2700000" algn="tl">
-                    <a:srgbClr val="000000">
-                      <a:alpha val="43137"/>
-                    </a:srgbClr>
-                  </a:outerShdw>
-                </a:effectLst>
-              </a:rPr>
-              <a:t>можем </a:t>
-            </a:r>
-            <a:r>
-              <a:rPr lang="bg-BG" sz="2800" dirty="0" smtClean="0">
-                <a:effectLst>
-                  <a:outerShdw blurRad="38100" dist="38100" dir="2700000" algn="tl">
-                    <a:srgbClr val="000000">
-                      <a:alpha val="43137"/>
-                    </a:srgbClr>
-                  </a:outerShdw>
-                </a:effectLst>
-              </a:rPr>
-              <a:t>да съединим</a:t>
-            </a:r>
-            <a:r>
-              <a:rPr lang="en-US" sz="2800" dirty="0" smtClean="0">
-                <a:effectLst>
-                  <a:outerShdw blurRad="38100" dist="38100" dir="2700000" algn="tl">
-                    <a:srgbClr val="000000">
-                      <a:alpha val="43137"/>
-                    </a:srgbClr>
-                  </a:outerShdw>
-                </a:effectLst>
-              </a:rPr>
-              <a:t> </a:t>
-            </a:r>
-            <a:r>
-              <a:rPr lang="bg-BG" sz="2800" dirty="0" smtClean="0">
-                <a:effectLst>
-                  <a:outerShdw blurRad="38100" dist="38100" dir="2700000" algn="tl">
-                    <a:srgbClr val="000000">
-                      <a:alpha val="43137"/>
-                    </a:srgbClr>
-                  </a:outerShdw>
-                </a:effectLst>
-              </a:rPr>
-              <a:t>няколко </a:t>
-            </a:r>
-            <a:r>
-              <a:rPr lang="bg-BG" sz="2800" dirty="0" smtClean="0">
-                <a:effectLst>
-                  <a:outerShdw blurRad="38100" dist="38100" dir="2700000" algn="tl">
-                    <a:srgbClr val="000000">
-                      <a:alpha val="43137"/>
-                    </a:srgbClr>
-                  </a:outerShdw>
-                </a:effectLst>
-              </a:rPr>
-              <a:t>такива, </a:t>
-            </a:r>
-            <a:r>
-              <a:rPr lang="bg-BG" sz="2800" dirty="0" smtClean="0">
-                <a:effectLst>
-                  <a:outerShdw blurRad="38100" dist="38100" dir="2700000" algn="tl">
-                    <a:srgbClr val="000000">
-                      <a:alpha val="43137"/>
-                    </a:srgbClr>
-                  </a:outerShdw>
-                </a:effectLst>
-              </a:rPr>
-              <a:t>използвайки оператор +. Можем да </a:t>
+              <a:t>няколко такива, използвайки оператор +. Можем да </a:t>
             </a:r>
             <a:r>
               <a:rPr lang="it-IT" sz="2800" noProof="1" smtClean="0">
@@ -17353,8 +17292,8 @@
         </p:blipFill>
         <p:spPr>
           <a:xfrm>
-            <a:off x="531812" y="2311901"/>
-            <a:ext cx="4037880" cy="1400232"/>
+            <a:off x="531812" y="2479121"/>
+            <a:ext cx="4037880" cy="1065792"/>
           </a:xfrm>
           <a:prstGeom prst="rect">
             <a:avLst/>
@@ -17385,7 +17324,7 @@
           <p:nvPr/>
         </p:nvPicPr>
         <p:blipFill>
-          <a:blip r:embed="rId3">
+          <a:blip r:embed="rId2">
             <a:extLst>
               <a:ext uri="{28A0092B-C50C-407E-A947-70E740481C1C}">
                 <a14:useLocalDpi xmlns:a14="http://schemas.microsoft.com/office/drawing/2010/main" val="0"/>
@@ -17398,8 +17337,8 @@
         </p:blipFill>
         <p:spPr>
           <a:xfrm>
-            <a:off x="2894012" y="1632697"/>
-            <a:ext cx="4230896" cy="1503541"/>
+            <a:off x="2894012" y="1826098"/>
+            <a:ext cx="4230896" cy="1116738"/>
           </a:xfrm>
           <a:prstGeom prst="rect">
             <a:avLst/>
@@ -17425,7 +17364,7 @@
           <p:nvPr/>
         </p:nvPicPr>
         <p:blipFill>
-          <a:blip r:embed="rId4">
+          <a:blip r:embed="rId3">
             <a:extLst>
               <a:ext uri="{28A0092B-C50C-407E-A947-70E740481C1C}">
                 <a14:useLocalDpi xmlns:a14="http://schemas.microsoft.com/office/drawing/2010/main" val="0"/>
@@ -17438,8 +17377,8 @@
         </p:blipFill>
         <p:spPr>
           <a:xfrm>
-            <a:off x="5408612" y="1781974"/>
-            <a:ext cx="5444453" cy="2460086"/>
+            <a:off x="5408612" y="2464126"/>
+            <a:ext cx="5444453" cy="1095782"/>
           </a:xfrm>
           <a:prstGeom prst="rect">
             <a:avLst/>

--- a/2. Simple-Calculations/2. Simple-Calculations.pptx
+++ b/2. Simple-Calculations/2. Simple-Calculations.pptx
@@ -245,7 +245,7 @@
             <a:fld id="{FE5B4EDC-59C0-49C7-8ADA-5A781B329E02}" type="datetimeFigureOut">
               <a:rPr lang="en-US"/>
               <a:pPr/>
-              <a:t>3/29/2017</a:t>
+              <a:t>4/12/2017</a:t>
             </a:fld>
             <a:endParaRPr dirty="0"/>
           </a:p>
@@ -444,7 +444,7 @@
             <a:fld id="{F2D8D46A-B586-417D-BFBD-8C8FE0AAF762}" type="datetimeFigureOut">
               <a:rPr lang="en-US" smtClean="0"/>
               <a:pPr/>
-              <a:t>3/29/2017</a:t>
+              <a:t>4/12/2017</a:t>
             </a:fld>
             <a:endParaRPr lang="en-US"/>
           </a:p>
@@ -2194,7 +2194,7 @@
             <a:fld id="{055373AC-9AA7-423B-BA00-BA1C74164DBD}" type="datetime1">
               <a:rPr lang="en-US" smtClean="0"/>
               <a:pPr/>
-              <a:t>3/29/2017</a:t>
+              <a:t>4/12/2017</a:t>
             </a:fld>
             <a:endParaRPr lang="en-US" dirty="0"/>
           </a:p>
@@ -3468,7 +3468,7 @@
             <a:fld id="{055373AC-9AA7-423B-BA00-BA1C74164DBD}" type="datetime1">
               <a:rPr lang="en-US" smtClean="0"/>
               <a:pPr/>
-              <a:t>3/29/2017</a:t>
+              <a:t>4/12/2017</a:t>
             </a:fld>
             <a:endParaRPr lang="en-US" dirty="0"/>
           </a:p>
@@ -8500,28 +8500,20 @@
               <a:t>Тестване на решението: </a:t>
             </a:r>
             <a:r>
+              <a:rPr lang="en-US" dirty="0">
+                <a:hlinkClick r:id="rId2"/>
+              </a:rPr>
+              <a:t>https://</a:t>
+            </a:r>
+            <a:r>
               <a:rPr lang="en-US" dirty="0" smtClean="0">
                 <a:hlinkClick r:id="rId2"/>
               </a:rPr>
-              <a:t>https</a:t>
-            </a:r>
-            <a:r>
-              <a:rPr lang="en-US" dirty="0">
-                <a:hlinkClick r:id="rId2"/>
-              </a:rPr>
-              <a:t>://</a:t>
-            </a:r>
-            <a:r>
-              <a:rPr lang="en-US" dirty="0" smtClean="0">
-                <a:hlinkClick r:id="rId2"/>
-              </a:rPr>
-              <a:t>judge.softuni.bg/Contests/Practice/Index/151#</a:t>
-            </a:r>
-            <a:r>
-              <a:rPr lang="bg-BG" dirty="0" smtClean="0">
-                <a:hlinkClick r:id="rId2"/>
-              </a:rPr>
-              <a:t>4</a:t>
+              <a:t>judge.softuni.bg/Contests/Practice/Index/487#4</a:t>
+            </a:r>
+            <a:r>
+              <a:rPr lang="en-US" dirty="0" smtClean="0"/>
+              <a:t> </a:t>
             </a:r>
             <a:endParaRPr lang="en-US" dirty="0"/>
           </a:p>
@@ -9202,22 +9194,20 @@
               <a:t>Тестване на решението: </a:t>
             </a:r>
             <a:r>
+              <a:rPr lang="en-US" dirty="0">
+                <a:hlinkClick r:id="rId2"/>
+              </a:rPr>
+              <a:t>https://</a:t>
+            </a:r>
+            <a:r>
               <a:rPr lang="en-US" dirty="0" smtClean="0">
                 <a:hlinkClick r:id="rId2"/>
               </a:rPr>
-              <a:t>https</a:t>
-            </a:r>
-            <a:r>
-              <a:rPr lang="en-US" dirty="0">
-                <a:hlinkClick r:id="rId2"/>
-              </a:rPr>
-              <a:t>://</a:t>
-            </a:r>
-            <a:r>
-              <a:rPr lang="en-US" dirty="0" smtClean="0">
-                <a:hlinkClick r:id="rId2"/>
-              </a:rPr>
-              <a:t>judge.softuni.bg/Contests/Practice/Index/151#5</a:t>
+              <a:t>judge.softuni.bg/Contests/Practice/Index/487#5</a:t>
+            </a:r>
+            <a:r>
+              <a:rPr lang="en-US" dirty="0" smtClean="0"/>
+              <a:t> </a:t>
             </a:r>
             <a:endParaRPr lang="en-US" dirty="0"/>
           </a:p>
@@ -13466,22 +13456,20 @@
               <a:t>Тестване на решението: </a:t>
             </a:r>
             <a:r>
+              <a:rPr lang="en-US" dirty="0">
+                <a:hlinkClick r:id="rId2"/>
+              </a:rPr>
+              <a:t>https://</a:t>
+            </a:r>
+            <a:r>
               <a:rPr lang="en-US" dirty="0" smtClean="0">
                 <a:hlinkClick r:id="rId2"/>
               </a:rPr>
-              <a:t>https</a:t>
-            </a:r>
-            <a:r>
-              <a:rPr lang="en-US" dirty="0">
-                <a:hlinkClick r:id="rId2"/>
-              </a:rPr>
-              <a:t>://</a:t>
-            </a:r>
-            <a:r>
-              <a:rPr lang="en-US" dirty="0" smtClean="0">
-                <a:hlinkClick r:id="rId2"/>
-              </a:rPr>
-              <a:t>judge.softuni.bg/Contests/Practice/Index/151#0</a:t>
+              <a:t>judge.softuni.bg/Contests/Practice/Index/487#0</a:t>
+            </a:r>
+            <a:r>
+              <a:rPr lang="en-US" dirty="0" smtClean="0"/>
+              <a:t> </a:t>
             </a:r>
             <a:endParaRPr lang="en-US" dirty="0"/>
           </a:p>
@@ -15415,22 +15403,20 @@
               <a:t>Тестване на решението: </a:t>
             </a:r>
             <a:r>
+              <a:rPr lang="en-US" dirty="0">
+                <a:hlinkClick r:id="rId2"/>
+              </a:rPr>
+              <a:t>https://</a:t>
+            </a:r>
+            <a:r>
               <a:rPr lang="en-US" dirty="0" smtClean="0">
                 <a:hlinkClick r:id="rId2"/>
               </a:rPr>
-              <a:t>https</a:t>
-            </a:r>
-            <a:r>
-              <a:rPr lang="en-US" dirty="0">
-                <a:hlinkClick r:id="rId2"/>
-              </a:rPr>
-              <a:t>://</a:t>
-            </a:r>
-            <a:r>
-              <a:rPr lang="en-US" dirty="0" smtClean="0">
-                <a:hlinkClick r:id="rId2"/>
-              </a:rPr>
-              <a:t>judge.softuni.bg/Contests/Practice/Index/151#1</a:t>
+              <a:t>judge.softuni.bg/Contests/Practice/Index/487#1</a:t>
+            </a:r>
+            <a:r>
+              <a:rPr lang="en-US" dirty="0" smtClean="0"/>
+              <a:t> </a:t>
             </a:r>
             <a:endParaRPr lang="en-US" dirty="0"/>
           </a:p>
@@ -16096,28 +16082,20 @@
               <a:t>Тестване на решението: </a:t>
             </a:r>
             <a:r>
+              <a:rPr lang="en-US" dirty="0">
+                <a:hlinkClick r:id="rId2"/>
+              </a:rPr>
+              <a:t>https://</a:t>
+            </a:r>
+            <a:r>
               <a:rPr lang="en-US" dirty="0" smtClean="0">
                 <a:hlinkClick r:id="rId2"/>
               </a:rPr>
-              <a:t>https</a:t>
-            </a:r>
-            <a:r>
-              <a:rPr lang="en-US" dirty="0">
-                <a:hlinkClick r:id="rId2"/>
-              </a:rPr>
-              <a:t>://</a:t>
-            </a:r>
-            <a:r>
-              <a:rPr lang="en-US" dirty="0" smtClean="0">
-                <a:hlinkClick r:id="rId2"/>
-              </a:rPr>
-              <a:t>judge.softuni.bg/Contests/Practice/Index/151#</a:t>
-            </a:r>
-            <a:r>
-              <a:rPr lang="bg-BG" dirty="0" smtClean="0">
-                <a:hlinkClick r:id="rId2"/>
-              </a:rPr>
-              <a:t>2</a:t>
+              <a:t>judge.softuni.bg/Contests/Practice/Index/487#2</a:t>
+            </a:r>
+            <a:r>
+              <a:rPr lang="en-US" dirty="0" smtClean="0"/>
+              <a:t> </a:t>
             </a:r>
             <a:endParaRPr lang="en-US" dirty="0"/>
           </a:p>
@@ -17140,22 +17118,20 @@
               <a:t>Тестване на решението: </a:t>
             </a:r>
             <a:r>
+              <a:rPr lang="en-US" dirty="0">
+                <a:hlinkClick r:id="rId2"/>
+              </a:rPr>
+              <a:t>https://</a:t>
+            </a:r>
+            <a:r>
               <a:rPr lang="en-US" dirty="0" smtClean="0">
                 <a:hlinkClick r:id="rId2"/>
               </a:rPr>
-              <a:t>https</a:t>
-            </a:r>
-            <a:r>
-              <a:rPr lang="en-US" dirty="0">
-                <a:hlinkClick r:id="rId2"/>
-              </a:rPr>
-              <a:t>://</a:t>
-            </a:r>
-            <a:r>
-              <a:rPr lang="en-US" dirty="0" smtClean="0">
-                <a:hlinkClick r:id="rId2"/>
-              </a:rPr>
-              <a:t>judge.softuni.bg/Contests/Practice/Index/151#3</a:t>
+              <a:t>judge.softuni.bg/Contests/Practice/Index/487#3</a:t>
+            </a:r>
+            <a:r>
+              <a:rPr lang="en-US" dirty="0" smtClean="0"/>
+              <a:t> </a:t>
             </a:r>
             <a:endParaRPr lang="en-US" dirty="0"/>
           </a:p>

--- a/2. Simple-Calculations/2. Simple-Calculations.pptx
+++ b/2. Simple-Calculations/2. Simple-Calculations.pptx
@@ -5,10 +5,10 @@
     <p:sldMasterId id="2147483660" r:id="rId2"/>
   </p:sldMasterIdLst>
   <p:notesMasterIdLst>
-    <p:notesMasterId r:id="rId23"/>
+    <p:notesMasterId r:id="rId25"/>
   </p:notesMasterIdLst>
   <p:handoutMasterIdLst>
-    <p:handoutMasterId r:id="rId24"/>
+    <p:handoutMasterId r:id="rId26"/>
   </p:handoutMasterIdLst>
   <p:sldIdLst>
     <p:sldId id="274" r:id="rId3"/>
@@ -24,13 +24,15 @@
     <p:sldId id="425" r:id="rId13"/>
     <p:sldId id="426" r:id="rId14"/>
     <p:sldId id="439" r:id="rId15"/>
-    <p:sldId id="431" r:id="rId16"/>
-    <p:sldId id="429" r:id="rId17"/>
-    <p:sldId id="441" r:id="rId18"/>
-    <p:sldId id="349" r:id="rId19"/>
-    <p:sldId id="445" r:id="rId20"/>
-    <p:sldId id="413" r:id="rId21"/>
-    <p:sldId id="414" r:id="rId22"/>
+    <p:sldId id="446" r:id="rId16"/>
+    <p:sldId id="431" r:id="rId17"/>
+    <p:sldId id="429" r:id="rId18"/>
+    <p:sldId id="441" r:id="rId19"/>
+    <p:sldId id="349" r:id="rId20"/>
+    <p:sldId id="447" r:id="rId21"/>
+    <p:sldId id="445" r:id="rId22"/>
+    <p:sldId id="413" r:id="rId23"/>
+    <p:sldId id="414" r:id="rId24"/>
   </p:sldIdLst>
   <p:sldSz cx="12188825" cy="6858000"/>
   <p:notesSz cx="6858000" cy="9144000"/>
@@ -245,7 +247,7 @@
             <a:fld id="{FE5B4EDC-59C0-49C7-8ADA-5A781B329E02}" type="datetimeFigureOut">
               <a:rPr lang="en-US"/>
               <a:pPr/>
-              <a:t>4/12/2017</a:t>
+              <a:t>5/11/2017</a:t>
             </a:fld>
             <a:endParaRPr dirty="0"/>
           </a:p>
@@ -444,7 +446,7 @@
             <a:fld id="{F2D8D46A-B586-417D-BFBD-8C8FE0AAF762}" type="datetimeFigureOut">
               <a:rPr lang="en-US" smtClean="0"/>
               <a:pPr/>
-              <a:t>4/12/2017</a:t>
+              <a:t>5/11/2017</a:t>
             </a:fld>
             <a:endParaRPr lang="en-US"/>
           </a:p>
@@ -1132,7 +1134,7 @@
             <a:fld id="{3EBA5BD7-F043-4D1B-AA17-CD412FC534DE}" type="slidenum">
               <a:rPr lang="en-US" smtClean="0"/>
               <a:pPr/>
-              <a:t>17</a:t>
+              <a:t>18</a:t>
             </a:fld>
             <a:endParaRPr lang="en-US" dirty="0"/>
           </a:p>
@@ -1301,7 +1303,7 @@
                 </a:solidFill>
               </a:rPr>
               <a:pPr/>
-              <a:t>18</a:t>
+              <a:t>20</a:t>
             </a:fld>
             <a:endParaRPr lang="en-US" dirty="0">
               <a:solidFill>
@@ -1440,7 +1442,7 @@
             <a:fld id="{3EBA5BD7-F043-4D1B-AA17-CD412FC534DE}" type="slidenum">
               <a:rPr lang="en-US" smtClean="0"/>
               <a:pPr/>
-              <a:t>19</a:t>
+              <a:t>21</a:t>
             </a:fld>
             <a:endParaRPr lang="en-US" dirty="0"/>
           </a:p>
@@ -1575,7 +1577,7 @@
             <a:fld id="{3EBA5BD7-F043-4D1B-AA17-CD412FC534DE}" type="slidenum">
               <a:rPr lang="en-US" smtClean="0"/>
               <a:pPr/>
-              <a:t>20</a:t>
+              <a:t>22</a:t>
             </a:fld>
             <a:endParaRPr lang="en-US" dirty="0"/>
           </a:p>
@@ -2194,7 +2196,7 @@
             <a:fld id="{055373AC-9AA7-423B-BA00-BA1C74164DBD}" type="datetime1">
               <a:rPr lang="en-US" smtClean="0"/>
               <a:pPr/>
-              <a:t>4/12/2017</a:t>
+              <a:t>5/11/2017</a:t>
             </a:fld>
             <a:endParaRPr lang="en-US" dirty="0"/>
           </a:p>
@@ -3468,7 +3470,7 @@
             <a:fld id="{055373AC-9AA7-423B-BA00-BA1C74164DBD}" type="datetime1">
               <a:rPr lang="en-US" smtClean="0"/>
               <a:pPr/>
-              <a:t>4/12/2017</a:t>
+              <a:t>5/11/2017</a:t>
             </a:fld>
             <a:endParaRPr lang="en-US" dirty="0"/>
           </a:p>
@@ -8559,7 +8561,7 @@
       </p:grpSpPr>
       <p:sp>
         <p:nvSpPr>
-          <p:cNvPr id="2" name="Slide Number Placeholder 1"/>
+          <p:cNvPr id="2" name="Контейнер за номер на слайда 1"/>
           <p:cNvSpPr>
             <a:spLocks noGrp="1"/>
           </p:cNvSpPr>
@@ -8583,7 +8585,7 @@
       </p:sp>
       <p:sp>
         <p:nvSpPr>
-          <p:cNvPr id="3" name="Content Placeholder 2"/>
+          <p:cNvPr id="3" name="Контейнер за съдържание 2"/>
           <p:cNvSpPr>
             <a:spLocks noGrp="1"/>
           </p:cNvSpPr>
@@ -8598,149 +8600,38 @@
           <a:p>
             <a:r>
               <a:rPr lang="bg-BG" dirty="0" smtClean="0"/>
-              <a:t>Напишете програма, която въвежда радиуса </a:t>
-            </a:r>
-            <a:r>
-              <a:rPr lang="en-US" b="1" dirty="0" smtClean="0">
-                <a:solidFill>
-                  <a:schemeClr val="tx2">
-                    <a:lumMod val="75000"/>
-                  </a:schemeClr>
-                </a:solidFill>
-                <a:latin typeface="Consolas" panose="020B0609020204030204" pitchFamily="49" charset="0"/>
-              </a:rPr>
-              <a:t>r</a:t>
-            </a:r>
-            <a:r>
-              <a:rPr lang="en-US" dirty="0" smtClean="0"/>
-              <a:t> </a:t>
-            </a:r>
+              <a:t>Понякога се налага да използваме вече готови програми, за да ни е по-лесно да напишем нашата:</a:t>
+            </a:r>
+          </a:p>
+          <a:p>
+            <a:pPr marL="0" indent="0">
+              <a:buNone/>
+            </a:pPr>
+            <a:endParaRPr lang="bg-BG" dirty="0"/>
+          </a:p>
+          <a:p>
+            <a:pPr marL="0" indent="0">
+              <a:buNone/>
+            </a:pPr>
+            <a:endParaRPr lang="bg-BG" dirty="0" smtClean="0"/>
+          </a:p>
+          <a:p>
             <a:r>
               <a:rPr lang="bg-BG" dirty="0" smtClean="0"/>
-              <a:t>на кръг и изчислява лицето и периметъра на кръга </a:t>
-            </a:r>
-            <a:r>
-              <a:rPr lang="en-US" dirty="0" smtClean="0"/>
-              <a:t>/</a:t>
-            </a:r>
-            <a:r>
-              <a:rPr lang="bg-BG" dirty="0" smtClean="0"/>
-              <a:t> окръжността</a:t>
-            </a:r>
-          </a:p>
-          <a:p>
-            <a:pPr lvl="1"/>
-            <a:r>
-              <a:rPr lang="bg-BG" dirty="0"/>
-              <a:t>Лице = </a:t>
-            </a:r>
-            <a:r>
-              <a:rPr lang="el-GR" b="1" dirty="0">
-                <a:solidFill>
-                  <a:schemeClr val="tx2">
-                    <a:lumMod val="75000"/>
-                  </a:schemeClr>
-                </a:solidFill>
-                <a:latin typeface="Consolas" panose="020B0609020204030204" pitchFamily="49" charset="0"/>
-              </a:rPr>
-              <a:t>π</a:t>
-            </a:r>
-            <a:r>
-              <a:rPr lang="bg-BG" dirty="0"/>
-              <a:t> * </a:t>
-            </a:r>
-            <a:r>
-              <a:rPr lang="en-US" b="1" dirty="0">
-                <a:solidFill>
-                  <a:schemeClr val="tx2">
-                    <a:lumMod val="75000"/>
-                  </a:schemeClr>
-                </a:solidFill>
-                <a:latin typeface="Consolas" panose="020B0609020204030204" pitchFamily="49" charset="0"/>
-              </a:rPr>
-              <a:t>r</a:t>
-            </a:r>
-            <a:r>
-              <a:rPr lang="en-US" dirty="0"/>
-              <a:t> * </a:t>
-            </a:r>
-            <a:r>
-              <a:rPr lang="en-US" b="1" dirty="0">
-                <a:solidFill>
-                  <a:schemeClr val="tx2">
-                    <a:lumMod val="75000"/>
-                  </a:schemeClr>
-                </a:solidFill>
-                <a:latin typeface="Consolas" panose="020B0609020204030204" pitchFamily="49" charset="0"/>
-              </a:rPr>
-              <a:t>r</a:t>
-            </a:r>
-          </a:p>
-          <a:p>
-            <a:pPr lvl="1"/>
-            <a:r>
-              <a:rPr lang="bg-BG" dirty="0" smtClean="0"/>
-              <a:t>Периметър </a:t>
-            </a:r>
-            <a:r>
-              <a:rPr lang="bg-BG" dirty="0"/>
-              <a:t>= </a:t>
-            </a:r>
-            <a:r>
-              <a:rPr lang="bg-BG" b="1" dirty="0" smtClean="0">
-                <a:solidFill>
-                  <a:schemeClr val="tx2">
-                    <a:lumMod val="75000"/>
-                  </a:schemeClr>
-                </a:solidFill>
-                <a:latin typeface="Consolas" panose="020B0609020204030204" pitchFamily="49" charset="0"/>
-              </a:rPr>
-              <a:t>2</a:t>
-            </a:r>
-            <a:r>
-              <a:rPr lang="bg-BG" dirty="0" smtClean="0"/>
-              <a:t> * </a:t>
-            </a:r>
-            <a:r>
-              <a:rPr lang="el-GR" b="1" dirty="0" smtClean="0">
-                <a:solidFill>
-                  <a:schemeClr val="tx2">
-                    <a:lumMod val="75000"/>
-                  </a:schemeClr>
-                </a:solidFill>
-                <a:latin typeface="Consolas" panose="020B0609020204030204" pitchFamily="49" charset="0"/>
-              </a:rPr>
-              <a:t>π</a:t>
-            </a:r>
-            <a:r>
-              <a:rPr lang="bg-BG" dirty="0" smtClean="0"/>
-              <a:t> </a:t>
-            </a:r>
-            <a:r>
-              <a:rPr lang="bg-BG" dirty="0"/>
-              <a:t>* </a:t>
-            </a:r>
-            <a:r>
-              <a:rPr lang="en-US" b="1" dirty="0" smtClean="0">
-                <a:solidFill>
-                  <a:schemeClr val="tx2">
-                    <a:lumMod val="75000"/>
-                  </a:schemeClr>
-                </a:solidFill>
-                <a:latin typeface="Consolas" panose="020B0609020204030204" pitchFamily="49" charset="0"/>
-              </a:rPr>
-              <a:t>r</a:t>
-            </a:r>
-          </a:p>
-          <a:p>
-            <a:pPr lvl="1"/>
+              <a:t>Пример:</a:t>
+            </a:r>
+          </a:p>
+          <a:p>
+            <a:endParaRPr lang="bg-BG" dirty="0" smtClean="0"/>
+          </a:p>
+          <a:p>
             <a:endParaRPr lang="en-US" dirty="0"/>
           </a:p>
         </p:txBody>
       </p:sp>
       <p:sp>
         <p:nvSpPr>
-          <p:cNvPr id="4" name="Title 3"/>
+          <p:cNvPr id="4" name="Заглавие 3"/>
           <p:cNvSpPr>
             <a:spLocks noGrp="1"/>
           </p:cNvSpPr>
@@ -8750,18 +8641,16 @@
         </p:nvSpPr>
         <p:spPr/>
         <p:txBody>
-          <a:bodyPr>
-            <a:normAutofit/>
-          </a:bodyPr>
+          <a:bodyPr/>
           <a:lstStyle/>
           <a:p>
             <a:r>
-              <a:rPr lang="bg-BG" dirty="0"/>
-              <a:t>Периметър </a:t>
-            </a:r>
-            <a:r>
               <a:rPr lang="bg-BG" dirty="0" smtClean="0"/>
-              <a:t>и лице на кръг – пример</a:t>
+              <a:t>Зареждане на библиотеки(</a:t>
+            </a:r>
+            <a:r>
+              <a:rPr lang="en-US" dirty="0" smtClean="0"/>
+              <a:t>import)</a:t>
             </a:r>
             <a:endParaRPr lang="en-US" dirty="0"/>
           </a:p>
@@ -8777,8 +8666,8 @@
         </p:nvSpPr>
         <p:spPr bwMode="auto">
           <a:xfrm>
-            <a:off x="836612" y="3688947"/>
-            <a:ext cx="10515600" cy="1988237"/>
+            <a:off x="604247" y="2708474"/>
+            <a:ext cx="10515600" cy="540148"/>
           </a:xfrm>
           <a:prstGeom prst="rect">
             <a:avLst/>
@@ -8820,24 +8709,37 @@
             <a:r>
               <a:rPr lang="en-US" sz="2800" b="1" noProof="1" smtClean="0">
                 <a:solidFill>
-                  <a:srgbClr val="FBEEDC"/>
-                </a:solidFill>
-                <a:effectLst>
-                  <a:outerShdw blurRad="38100" dist="38100" dir="2700000" algn="tl">
-                    <a:srgbClr val="000000">
-                      <a:alpha val="43137"/>
-                    </a:srgbClr>
-                  </a:outerShdw>
-                </a:effectLst>
-                <a:latin typeface="Consolas" pitchFamily="49" charset="0"/>
-                <a:cs typeface="Consolas" pitchFamily="49" charset="0"/>
-              </a:rPr>
-              <a:t>import math</a:t>
-            </a:r>
-            <a:endParaRPr lang="bg-BG" sz="2800" b="1" noProof="1" smtClean="0">
-              <a:solidFill>
-                <a:srgbClr val="FBEEDC"/>
-              </a:solidFill>
+                  <a:schemeClr val="tx2">
+                    <a:lumMod val="75000"/>
+                  </a:schemeClr>
+                </a:solidFill>
+                <a:effectLst>
+                  <a:outerShdw blurRad="38100" dist="38100" dir="2700000" algn="tl">
+                    <a:srgbClr val="000000">
+                      <a:alpha val="43137"/>
+                    </a:srgbClr>
+                  </a:outerShdw>
+                </a:effectLst>
+                <a:latin typeface="Consolas" pitchFamily="49" charset="0"/>
+                <a:cs typeface="Consolas" pitchFamily="49" charset="0"/>
+              </a:rPr>
+              <a:t>import </a:t>
+            </a:r>
+            <a:r>
+              <a:rPr lang="bg-BG" sz="2800" b="1" i="1" noProof="1" smtClean="0">
+                <a:effectLst>
+                  <a:outerShdw blurRad="38100" dist="38100" dir="2700000" algn="tl">
+                    <a:srgbClr val="000000">
+                      <a:alpha val="43137"/>
+                    </a:srgbClr>
+                  </a:outerShdw>
+                </a:effectLst>
+                <a:latin typeface="Consolas" pitchFamily="49" charset="0"/>
+                <a:cs typeface="Consolas" pitchFamily="49" charset="0"/>
+              </a:rPr>
+              <a:t>Името на библиотеката</a:t>
+            </a:r>
+            <a:endParaRPr lang="it-IT" sz="2800" b="1" i="1" noProof="1">
               <a:effectLst>
                 <a:outerShdw blurRad="38100" dist="38100" dir="2700000" algn="tl">
                   <a:srgbClr val="000000">
@@ -8849,6 +8751,45 @@
               <a:cs typeface="Consolas" pitchFamily="49" charset="0"/>
             </a:endParaRPr>
           </a:p>
+        </p:txBody>
+      </p:sp>
+      <p:sp>
+        <p:nvSpPr>
+          <p:cNvPr id="6" name="Rectangle 4"/>
+          <p:cNvSpPr>
+            <a:spLocks noChangeArrowheads="1"/>
+          </p:cNvSpPr>
+          <p:nvPr/>
+        </p:nvSpPr>
+        <p:spPr bwMode="auto">
+          <a:xfrm>
+            <a:off x="604246" y="4744793"/>
+            <a:ext cx="10671765" cy="1514261"/>
+          </a:xfrm>
+          <a:prstGeom prst="rect">
+            <a:avLst/>
+          </a:prstGeom>
+          <a:solidFill>
+            <a:schemeClr val="accent5">
+              <a:lumMod val="40000"/>
+              <a:lumOff val="60000"/>
+              <a:alpha val="20000"/>
+            </a:schemeClr>
+          </a:solidFill>
+          <a:ln w="12700">
+            <a:solidFill>
+              <a:schemeClr val="accent5">
+                <a:lumMod val="60000"/>
+                <a:lumOff val="40000"/>
+              </a:schemeClr>
+            </a:solidFill>
+          </a:ln>
+        </p:spPr>
+        <p:txBody>
+          <a:bodyPr wrap="square">
+            <a:spAutoFit/>
+          </a:bodyPr>
+          <a:lstStyle/>
           <a:p>
             <a:pPr eaLnBrk="0" hangingPunct="0">
               <a:lnSpc>
@@ -8863,107 +8804,103 @@
               <a:buSzPct val="70000"/>
             </a:pPr>
             <a:r>
-              <a:rPr lang="it-IT" sz="2800" b="1" noProof="1" smtClean="0">
-                <a:solidFill>
-                  <a:srgbClr val="FBEEDC"/>
-                </a:solidFill>
-                <a:effectLst>
-                  <a:outerShdw blurRad="38100" dist="38100" dir="2700000" algn="tl">
-                    <a:srgbClr val="000000">
-                      <a:alpha val="43137"/>
-                    </a:srgbClr>
-                  </a:outerShdw>
-                </a:effectLst>
-                <a:latin typeface="Consolas" pitchFamily="49" charset="0"/>
-                <a:cs typeface="Consolas" pitchFamily="49" charset="0"/>
-              </a:rPr>
-              <a:t>r </a:t>
-            </a:r>
-            <a:r>
-              <a:rPr lang="it-IT" sz="2800" b="1" noProof="1">
-                <a:solidFill>
-                  <a:srgbClr val="FBEEDC"/>
-                </a:solidFill>
-                <a:effectLst>
-                  <a:outerShdw blurRad="38100" dist="38100" dir="2700000" algn="tl">
-                    <a:srgbClr val="000000">
-                      <a:alpha val="43137"/>
-                    </a:srgbClr>
-                  </a:outerShdw>
-                </a:effectLst>
-                <a:latin typeface="Consolas" pitchFamily="49" charset="0"/>
-                <a:cs typeface="Consolas" pitchFamily="49" charset="0"/>
-              </a:rPr>
-              <a:t>= </a:t>
-            </a:r>
-            <a:r>
               <a:rPr lang="en-US" sz="2800" b="1" noProof="1" smtClean="0">
                 <a:solidFill>
-                  <a:srgbClr val="FBEEDC"/>
-                </a:solidFill>
-                <a:effectLst>
-                  <a:outerShdw blurRad="38100" dist="38100" dir="2700000" algn="tl">
-                    <a:srgbClr val="000000">
-                      <a:alpha val="43137"/>
-                    </a:srgbClr>
-                  </a:outerShdw>
-                </a:effectLst>
-                <a:latin typeface="Consolas" pitchFamily="49" charset="0"/>
-                <a:cs typeface="Consolas" pitchFamily="49" charset="0"/>
-              </a:rPr>
-              <a:t>float(input</a:t>
-            </a:r>
-            <a:r>
-              <a:rPr lang="it-IT" sz="2800" b="1" noProof="1" smtClean="0">
-                <a:solidFill>
-                  <a:srgbClr val="FBEEDC"/>
-                </a:solidFill>
-                <a:effectLst>
-                  <a:outerShdw blurRad="38100" dist="38100" dir="2700000" algn="tl">
-                    <a:srgbClr val="000000">
-                      <a:alpha val="43137"/>
-                    </a:srgbClr>
-                  </a:outerShdw>
-                </a:effectLst>
-                <a:latin typeface="Consolas" pitchFamily="49" charset="0"/>
-                <a:cs typeface="Consolas" pitchFamily="49" charset="0"/>
-              </a:rPr>
-              <a:t>(</a:t>
-            </a:r>
-            <a:r>
-              <a:rPr lang="en-US" sz="2800" b="1" noProof="1">
-                <a:solidFill>
-                  <a:srgbClr val="FBEEDC"/>
-                </a:solidFill>
-                <a:effectLst>
-                  <a:outerShdw blurRad="38100" dist="38100" dir="2700000" algn="tl">
-                    <a:srgbClr val="000000">
-                      <a:alpha val="43137"/>
-                    </a:srgbClr>
-                  </a:outerShdw>
-                </a:effectLst>
-                <a:latin typeface="Consolas" pitchFamily="49" charset="0"/>
-                <a:cs typeface="Consolas" pitchFamily="49" charset="0"/>
-              </a:rPr>
-              <a:t>'Enter circle radius. r ='</a:t>
-            </a:r>
-            <a:r>
-              <a:rPr lang="it-IT" sz="2800" b="1" noProof="1" smtClean="0">
-                <a:solidFill>
-                  <a:srgbClr val="FBEEDC"/>
-                </a:solidFill>
-                <a:effectLst>
-                  <a:outerShdw blurRad="38100" dist="38100" dir="2700000" algn="tl">
-                    <a:srgbClr val="000000">
-                      <a:alpha val="43137"/>
-                    </a:srgbClr>
-                  </a:outerShdw>
-                </a:effectLst>
-                <a:latin typeface="Consolas" pitchFamily="49" charset="0"/>
-                <a:cs typeface="Consolas" pitchFamily="49" charset="0"/>
-              </a:rPr>
-              <a:t>))</a:t>
-            </a:r>
+                  <a:schemeClr val="tx2">
+                    <a:lumMod val="75000"/>
+                  </a:schemeClr>
+                </a:solidFill>
+                <a:effectLst>
+                  <a:outerShdw blurRad="38100" dist="38100" dir="2700000" algn="tl">
+                    <a:srgbClr val="000000">
+                      <a:alpha val="43137"/>
+                    </a:srgbClr>
+                  </a:outerShdw>
+                </a:effectLst>
+                <a:latin typeface="Consolas" pitchFamily="49" charset="0"/>
+                <a:cs typeface="Consolas" pitchFamily="49" charset="0"/>
+              </a:rPr>
+              <a:t>import </a:t>
+            </a:r>
+            <a:r>
+              <a:rPr lang="en-US" sz="2800" b="1" i="1" noProof="1" smtClean="0">
+                <a:effectLst>
+                  <a:outerShdw blurRad="38100" dist="38100" dir="2700000" algn="tl">
+                    <a:srgbClr val="000000">
+                      <a:alpha val="43137"/>
+                    </a:srgbClr>
+                  </a:outerShdw>
+                </a:effectLst>
+                <a:latin typeface="Consolas" pitchFamily="49" charset="0"/>
+                <a:cs typeface="Consolas" pitchFamily="49" charset="0"/>
+              </a:rPr>
+              <a:t>math </a:t>
+            </a:r>
+            <a:r>
+              <a:rPr lang="en-US" sz="2800" b="1" i="1" noProof="1" smtClean="0">
+                <a:solidFill>
+                  <a:srgbClr val="92D050"/>
+                </a:solidFill>
+                <a:effectLst>
+                  <a:outerShdw blurRad="38100" dist="38100" dir="2700000" algn="tl">
+                    <a:srgbClr val="000000">
+                      <a:alpha val="43137"/>
+                    </a:srgbClr>
+                  </a:outerShdw>
+                </a:effectLst>
+                <a:latin typeface="Consolas" pitchFamily="49" charset="0"/>
+                <a:cs typeface="Consolas" pitchFamily="49" charset="0"/>
+              </a:rPr>
+              <a:t>#</a:t>
+            </a:r>
+            <a:r>
+              <a:rPr lang="bg-BG" sz="2800" b="1" i="1" noProof="1" smtClean="0">
+                <a:solidFill>
+                  <a:srgbClr val="92D050"/>
+                </a:solidFill>
+                <a:effectLst>
+                  <a:outerShdw blurRad="38100" dist="38100" dir="2700000" algn="tl">
+                    <a:srgbClr val="000000">
+                      <a:alpha val="43137"/>
+                    </a:srgbClr>
+                  </a:outerShdw>
+                </a:effectLst>
+                <a:latin typeface="Consolas" pitchFamily="49" charset="0"/>
+                <a:cs typeface="Consolas" pitchFamily="49" charset="0"/>
+              </a:rPr>
+              <a:t> Зарежда библиотеката с име </a:t>
+            </a:r>
+            <a:r>
+              <a:rPr lang="en-US" sz="2800" b="1" i="1" noProof="1" smtClean="0">
+                <a:solidFill>
+                  <a:srgbClr val="92D050"/>
+                </a:solidFill>
+                <a:effectLst>
+                  <a:outerShdw blurRad="38100" dist="38100" dir="2700000" algn="tl">
+                    <a:srgbClr val="000000">
+                      <a:alpha val="43137"/>
+                    </a:srgbClr>
+                  </a:outerShdw>
+                </a:effectLst>
+                <a:latin typeface="Consolas" pitchFamily="49" charset="0"/>
+                <a:cs typeface="Consolas" pitchFamily="49" charset="0"/>
+              </a:rPr>
+              <a:t>math</a:t>
+            </a:r>
+            <a:endParaRPr lang="it-IT" sz="2800" b="1" i="1" noProof="1">
+              <a:solidFill>
+                <a:srgbClr val="92D050"/>
+              </a:solidFill>
+              <a:effectLst>
+                <a:outerShdw blurRad="38100" dist="38100" dir="2700000" algn="tl">
+                  <a:srgbClr val="000000">
+                    <a:alpha val="43137"/>
+                  </a:srgbClr>
+                </a:outerShdw>
+              </a:effectLst>
+              <a:latin typeface="Consolas" pitchFamily="49" charset="0"/>
+              <a:cs typeface="Consolas" pitchFamily="49" charset="0"/>
+            </a:endParaRPr>
           </a:p>
           <a:p>
             <a:pPr eaLnBrk="0" hangingPunct="0">
@@ -8979,58 +8916,7 @@
               <a:buSzPct val="70000"/>
             </a:pPr>
             <a:r>
-              <a:rPr lang="it-IT" sz="2800" b="1" noProof="1" smtClean="0">
-                <a:solidFill>
-                  <a:srgbClr val="FBEEDC"/>
-                </a:solidFill>
-                <a:effectLst>
-                  <a:outerShdw blurRad="38100" dist="38100" dir="2700000" algn="tl">
-                    <a:srgbClr val="000000">
-                      <a:alpha val="43137"/>
-                    </a:srgbClr>
-                  </a:outerShdw>
-                </a:effectLst>
-                <a:latin typeface="Consolas" pitchFamily="49" charset="0"/>
-                <a:cs typeface="Consolas" pitchFamily="49" charset="0"/>
-              </a:rPr>
-              <a:t>print('Area ='</a:t>
-            </a:r>
-            <a:r>
-              <a:rPr lang="bg-BG" sz="2800" b="1" noProof="1" smtClean="0">
-                <a:solidFill>
-                  <a:srgbClr val="FBEEDC"/>
-                </a:solidFill>
-                <a:effectLst>
-                  <a:outerShdw blurRad="38100" dist="38100" dir="2700000" algn="tl">
-                    <a:srgbClr val="000000">
-                      <a:alpha val="43137"/>
-                    </a:srgbClr>
-                  </a:outerShdw>
-                </a:effectLst>
-                <a:latin typeface="Consolas" pitchFamily="49" charset="0"/>
-                <a:cs typeface="Consolas" pitchFamily="49" charset="0"/>
-              </a:rPr>
-              <a:t> + </a:t>
-            </a:r>
-            <a:r>
-              <a:rPr lang="sv-SE" sz="2800" b="1" noProof="1" smtClean="0">
-                <a:solidFill>
-                  <a:srgbClr val="FBEEDC"/>
-                </a:solidFill>
-                <a:effectLst>
-                  <a:outerShdw blurRad="38100" dist="38100" dir="2700000" algn="tl">
-                    <a:srgbClr val="000000">
-                      <a:alpha val="43137"/>
-                    </a:srgbClr>
-                  </a:outerShdw>
-                </a:effectLst>
-                <a:latin typeface="Consolas" pitchFamily="49" charset="0"/>
-                <a:cs typeface="Consolas" pitchFamily="49" charset="0"/>
-              </a:rPr>
-              <a:t>str(</a:t>
-            </a:r>
-            <a:r>
-              <a:rPr lang="it-IT" sz="2800" b="1" noProof="1" smtClean="0">
+              <a:rPr lang="en-US" sz="2800" b="1" noProof="1">
                 <a:solidFill>
                   <a:schemeClr val="tx2">
                     <a:lumMod val="75000"/>
@@ -9046,43 +8932,89 @@
                 <a:latin typeface="Consolas" pitchFamily="49" charset="0"/>
                 <a:cs typeface="Consolas" pitchFamily="49" charset="0"/>
               </a:rPr>
-              <a:t>math.pi </a:t>
-            </a:r>
-            <a:r>
-              <a:rPr lang="it-IT" sz="2800" b="1" noProof="1">
-                <a:solidFill>
-                  <a:schemeClr val="tx2">
-                    <a:lumMod val="75000"/>
-                  </a:schemeClr>
-                </a:solidFill>
-                <a:effectLst>
-                  <a:outerShdw blurRad="38100" dist="38100" dir="2700000" algn="tl">
-                    <a:srgbClr val="000000">
-                      <a:alpha val="43137"/>
-                    </a:srgbClr>
-                  </a:outerShdw>
-                </a:effectLst>
-                <a:latin typeface="Consolas" pitchFamily="49" charset="0"/>
-                <a:cs typeface="Consolas" pitchFamily="49" charset="0"/>
-              </a:rPr>
-              <a:t>* r * r</a:t>
-            </a:r>
-            <a:r>
-              <a:rPr lang="it-IT" sz="2800" b="1" noProof="1" smtClean="0">
-                <a:solidFill>
-                  <a:srgbClr val="FBEEDC"/>
-                </a:solidFill>
-                <a:effectLst>
-                  <a:outerShdw blurRad="38100" dist="38100" dir="2700000" algn="tl">
-                    <a:srgbClr val="000000">
-                      <a:alpha val="43137"/>
-                    </a:srgbClr>
-                  </a:outerShdw>
-                </a:effectLst>
-                <a:latin typeface="Consolas" pitchFamily="49" charset="0"/>
-                <a:cs typeface="Consolas" pitchFamily="49" charset="0"/>
-              </a:rPr>
-              <a:t>))</a:t>
+              <a:t>import </a:t>
+            </a:r>
+            <a:r>
+              <a:rPr lang="en-US" sz="2800" b="1" i="1" noProof="1" smtClean="0">
+                <a:effectLst>
+                  <a:outerShdw blurRad="38100" dist="38100" dir="2700000" algn="tl">
+                    <a:srgbClr val="000000">
+                      <a:alpha val="43137"/>
+                    </a:srgbClr>
+                  </a:outerShdw>
+                </a:effectLst>
+                <a:latin typeface="Consolas" pitchFamily="49" charset="0"/>
+                <a:cs typeface="Consolas" pitchFamily="49" charset="0"/>
+              </a:rPr>
+              <a:t>sys </a:t>
+            </a:r>
+            <a:r>
+              <a:rPr lang="en-US" sz="2800" b="1" i="1" noProof="1">
+                <a:solidFill>
+                  <a:srgbClr val="92D050"/>
+                </a:solidFill>
+                <a:effectLst>
+                  <a:outerShdw blurRad="38100" dist="38100" dir="2700000" algn="tl">
+                    <a:srgbClr val="000000">
+                      <a:alpha val="43137"/>
+                    </a:srgbClr>
+                  </a:outerShdw>
+                </a:effectLst>
+                <a:latin typeface="Consolas" pitchFamily="49" charset="0"/>
+                <a:cs typeface="Consolas" pitchFamily="49" charset="0"/>
+              </a:rPr>
+              <a:t>#</a:t>
+            </a:r>
+            <a:r>
+              <a:rPr lang="bg-BG" sz="2800" b="1" i="1" noProof="1">
+                <a:solidFill>
+                  <a:srgbClr val="92D050"/>
+                </a:solidFill>
+                <a:effectLst>
+                  <a:outerShdw blurRad="38100" dist="38100" dir="2700000" algn="tl">
+                    <a:srgbClr val="000000">
+                      <a:alpha val="43137"/>
+                    </a:srgbClr>
+                  </a:outerShdw>
+                </a:effectLst>
+                <a:latin typeface="Consolas" pitchFamily="49" charset="0"/>
+                <a:cs typeface="Consolas" pitchFamily="49" charset="0"/>
+              </a:rPr>
+              <a:t> Зарежда библиотеката с </a:t>
+            </a:r>
+            <a:r>
+              <a:rPr lang="bg-BG" sz="2800" b="1" i="1" noProof="1">
+                <a:solidFill>
+                  <a:srgbClr val="92D050"/>
+                </a:solidFill>
+                <a:effectLst>
+                  <a:outerShdw blurRad="38100" dist="38100" dir="2700000" algn="tl">
+                    <a:srgbClr val="000000">
+                      <a:alpha val="43137"/>
+                    </a:srgbClr>
+                  </a:outerShdw>
+                </a:effectLst>
+                <a:latin typeface="Consolas" pitchFamily="49" charset="0"/>
+                <a:cs typeface="Consolas" pitchFamily="49" charset="0"/>
+              </a:rPr>
+              <a:t>име </a:t>
+            </a:r>
+            <a:r>
+              <a:rPr lang="en-US" sz="2800" b="1" i="1" noProof="1" smtClean="0">
+                <a:solidFill>
+                  <a:srgbClr val="92D050"/>
+                </a:solidFill>
+                <a:effectLst>
+                  <a:outerShdw blurRad="38100" dist="38100" dir="2700000" algn="tl">
+                    <a:srgbClr val="000000">
+                      <a:alpha val="43137"/>
+                    </a:srgbClr>
+                  </a:outerShdw>
+                </a:effectLst>
+                <a:latin typeface="Consolas" pitchFamily="49" charset="0"/>
+                <a:cs typeface="Consolas" pitchFamily="49" charset="0"/>
+              </a:rPr>
+              <a:t>sys</a:t>
             </a:r>
           </a:p>
           <a:p>
@@ -9099,24 +9031,7 @@
               <a:buSzPct val="70000"/>
             </a:pPr>
             <a:r>
-              <a:rPr lang="it-IT" sz="2800" b="1" noProof="1" smtClean="0">
-                <a:solidFill>
-                  <a:srgbClr val="FBEEDC"/>
-                </a:solidFill>
-                <a:effectLst>
-                  <a:outerShdw blurRad="38100" dist="38100" dir="2700000" algn="tl">
-                    <a:srgbClr val="000000">
-                      <a:alpha val="43137"/>
-                    </a:srgbClr>
-                  </a:outerShdw>
-                </a:effectLst>
-                <a:latin typeface="Consolas" pitchFamily="49" charset="0"/>
-                <a:cs typeface="Consolas" pitchFamily="49" charset="0"/>
-              </a:rPr>
-              <a:t>print('Perimeter =' + str(</a:t>
-            </a:r>
-            <a:r>
-              <a:rPr lang="it-IT" sz="2800" b="1" noProof="1" smtClean="0">
+              <a:rPr lang="en-US" sz="2800" b="1" noProof="1">
                 <a:solidFill>
                   <a:schemeClr val="tx2">
                     <a:lumMod val="75000"/>
@@ -9132,28 +9047,121 @@
                 <a:latin typeface="Consolas" pitchFamily="49" charset="0"/>
                 <a:cs typeface="Consolas" pitchFamily="49" charset="0"/>
               </a:rPr>
-              <a:t>2 * math.pi * r</a:t>
-            </a:r>
-            <a:r>
-              <a:rPr lang="it-IT" sz="2800" b="1" noProof="1" smtClean="0">
-                <a:solidFill>
-                  <a:srgbClr val="FBEEDC"/>
-                </a:solidFill>
-                <a:effectLst>
-                  <a:outerShdw blurRad="38100" dist="38100" dir="2700000" algn="tl">
-                    <a:srgbClr val="000000">
-                      <a:alpha val="43137"/>
-                    </a:srgbClr>
-                  </a:outerShdw>
-                </a:effectLst>
-                <a:latin typeface="Consolas" pitchFamily="49" charset="0"/>
-                <a:cs typeface="Consolas" pitchFamily="49" charset="0"/>
-              </a:rPr>
-              <a:t>))</a:t>
-            </a:r>
-            <a:endParaRPr lang="it-IT" sz="2800" b="1" noProof="1">
+              <a:t>import </a:t>
+            </a:r>
+            <a:r>
+              <a:rPr lang="en-US" sz="2800" b="1" i="1" noProof="1" smtClean="0">
+                <a:effectLst>
+                  <a:outerShdw blurRad="38100" dist="38100" dir="2700000" algn="tl">
+                    <a:srgbClr val="000000">
+                      <a:alpha val="43137"/>
+                    </a:srgbClr>
+                  </a:outerShdw>
+                </a:effectLst>
+                <a:latin typeface="Consolas" pitchFamily="49" charset="0"/>
+                <a:cs typeface="Consolas" pitchFamily="49" charset="0"/>
+              </a:rPr>
+              <a:t>math</a:t>
+            </a:r>
+            <a:r>
+              <a:rPr lang="bg-BG" sz="2800" b="1" i="1" noProof="1" smtClean="0">
+                <a:effectLst>
+                  <a:outerShdw blurRad="38100" dist="38100" dir="2700000" algn="tl">
+                    <a:srgbClr val="000000">
+                      <a:alpha val="43137"/>
+                    </a:srgbClr>
+                  </a:outerShdw>
+                </a:effectLst>
+                <a:latin typeface="Consolas" pitchFamily="49" charset="0"/>
+                <a:cs typeface="Consolas" pitchFamily="49" charset="0"/>
+              </a:rPr>
+              <a:t>, </a:t>
+            </a:r>
+            <a:r>
+              <a:rPr lang="en-US" sz="2800" b="1" i="1" noProof="1" smtClean="0">
+                <a:effectLst>
+                  <a:outerShdw blurRad="38100" dist="38100" dir="2700000" algn="tl">
+                    <a:srgbClr val="000000">
+                      <a:alpha val="43137"/>
+                    </a:srgbClr>
+                  </a:outerShdw>
+                </a:effectLst>
+                <a:latin typeface="Consolas" pitchFamily="49" charset="0"/>
+                <a:cs typeface="Consolas" pitchFamily="49" charset="0"/>
+              </a:rPr>
+              <a:t>sys </a:t>
+            </a:r>
+            <a:r>
+              <a:rPr lang="en-US" sz="2800" b="1" i="1" noProof="1">
+                <a:solidFill>
+                  <a:srgbClr val="92D050"/>
+                </a:solidFill>
+                <a:effectLst>
+                  <a:outerShdw blurRad="38100" dist="38100" dir="2700000" algn="tl">
+                    <a:srgbClr val="000000">
+                      <a:alpha val="43137"/>
+                    </a:srgbClr>
+                  </a:outerShdw>
+                </a:effectLst>
+                <a:latin typeface="Consolas" pitchFamily="49" charset="0"/>
+                <a:cs typeface="Consolas" pitchFamily="49" charset="0"/>
+              </a:rPr>
+              <a:t>#</a:t>
+            </a:r>
+            <a:r>
+              <a:rPr lang="bg-BG" sz="2800" b="1" i="1" noProof="1">
+                <a:solidFill>
+                  <a:srgbClr val="92D050"/>
+                </a:solidFill>
+                <a:effectLst>
+                  <a:outerShdw blurRad="38100" dist="38100" dir="2700000" algn="tl">
+                    <a:srgbClr val="000000">
+                      <a:alpha val="43137"/>
+                    </a:srgbClr>
+                  </a:outerShdw>
+                </a:effectLst>
+                <a:latin typeface="Consolas" pitchFamily="49" charset="0"/>
+                <a:cs typeface="Consolas" pitchFamily="49" charset="0"/>
+              </a:rPr>
+              <a:t> </a:t>
+            </a:r>
+            <a:r>
+              <a:rPr lang="bg-BG" sz="2800" b="1" i="1" noProof="1">
+                <a:solidFill>
+                  <a:srgbClr val="92D050"/>
+                </a:solidFill>
+                <a:effectLst>
+                  <a:outerShdw blurRad="38100" dist="38100" dir="2700000" algn="tl">
+                    <a:srgbClr val="000000">
+                      <a:alpha val="43137"/>
+                    </a:srgbClr>
+                  </a:outerShdw>
+                </a:effectLst>
+                <a:latin typeface="Consolas" pitchFamily="49" charset="0"/>
+                <a:cs typeface="Consolas" pitchFamily="49" charset="0"/>
+              </a:rPr>
+              <a:t>Зарежда </a:t>
+            </a:r>
+            <a:r>
+              <a:rPr lang="bg-BG" sz="2800" b="1" i="1" noProof="1" smtClean="0">
+                <a:solidFill>
+                  <a:srgbClr val="92D050"/>
+                </a:solidFill>
+                <a:effectLst>
+                  <a:outerShdw blurRad="38100" dist="38100" dir="2700000" algn="tl">
+                    <a:srgbClr val="000000">
+                      <a:alpha val="43137"/>
+                    </a:srgbClr>
+                  </a:outerShdw>
+                </a:effectLst>
+                <a:latin typeface="Consolas" pitchFamily="49" charset="0"/>
+                <a:cs typeface="Consolas" pitchFamily="49" charset="0"/>
+              </a:rPr>
+              <a:t>всички изредени библиотеки</a:t>
+            </a:r>
+            <a:endParaRPr lang="en-US" sz="2800" b="1" i="1" noProof="1">
               <a:solidFill>
-                <a:srgbClr val="FBEEDC"/>
+                <a:srgbClr val="92D050"/>
               </a:solidFill>
               <a:effectLst>
                 <a:outerShdw blurRad="38100" dist="38100" dir="2700000" algn="tl">
@@ -9168,126 +9176,10 @@
           </a:p>
         </p:txBody>
       </p:sp>
-      <p:sp>
-        <p:nvSpPr>
-          <p:cNvPr id="7" name="Rectangle 6"/>
-          <p:cNvSpPr/>
-          <p:nvPr/>
-        </p:nvSpPr>
-        <p:spPr>
-          <a:xfrm>
-            <a:off x="758824" y="6186194"/>
-            <a:ext cx="10668000" cy="461665"/>
-          </a:xfrm>
-          <a:prstGeom prst="rect">
-            <a:avLst/>
-          </a:prstGeom>
-        </p:spPr>
-        <p:txBody>
-          <a:bodyPr wrap="square">
-            <a:spAutoFit/>
-          </a:bodyPr>
-          <a:lstStyle/>
-          <a:p>
-            <a:r>
-              <a:rPr lang="bg-BG" dirty="0" smtClean="0"/>
-              <a:t>Тестване на решението: </a:t>
-            </a:r>
-            <a:r>
-              <a:rPr lang="en-US" dirty="0">
-                <a:hlinkClick r:id="rId2"/>
-              </a:rPr>
-              <a:t>https://</a:t>
-            </a:r>
-            <a:r>
-              <a:rPr lang="en-US" dirty="0" smtClean="0">
-                <a:hlinkClick r:id="rId2"/>
-              </a:rPr>
-              <a:t>judge.softuni.bg/Contests/Practice/Index/487#5</a:t>
-            </a:r>
-            <a:r>
-              <a:rPr lang="en-US" dirty="0" smtClean="0"/>
-              <a:t> </a:t>
-            </a:r>
-            <a:endParaRPr lang="en-US" dirty="0"/>
-          </a:p>
-        </p:txBody>
-      </p:sp>
-      <p:sp>
-        <p:nvSpPr>
-          <p:cNvPr id="6" name="Rectangle 5"/>
-          <p:cNvSpPr/>
-          <p:nvPr/>
-        </p:nvSpPr>
-        <p:spPr>
-          <a:xfrm>
-            <a:off x="5256212" y="2743200"/>
-            <a:ext cx="6096000" cy="584775"/>
-          </a:xfrm>
-          <a:prstGeom prst="rect">
-            <a:avLst/>
-          </a:prstGeom>
-        </p:spPr>
-        <p:txBody>
-          <a:bodyPr wrap="square">
-            <a:spAutoFit/>
-          </a:bodyPr>
-          <a:lstStyle/>
-          <a:p>
-            <a:pPr algn="r"/>
-            <a:r>
-              <a:rPr lang="el-GR" sz="3200" b="1" dirty="0">
-                <a:solidFill>
-                  <a:schemeClr val="tx2">
-                    <a:lumMod val="75000"/>
-                  </a:schemeClr>
-                </a:solidFill>
-                <a:latin typeface="Consolas" panose="020B0609020204030204" pitchFamily="49" charset="0"/>
-              </a:rPr>
-              <a:t>π</a:t>
-            </a:r>
-            <a:r>
-              <a:rPr lang="el-GR" sz="3200" b="1" dirty="0">
-                <a:solidFill>
-                  <a:schemeClr val="tx2">
-                    <a:lumMod val="75000"/>
-                  </a:schemeClr>
-                </a:solidFill>
-              </a:rPr>
-              <a:t> </a:t>
-            </a:r>
-            <a:r>
-              <a:rPr lang="en-US" sz="3200" dirty="0" smtClean="0"/>
-              <a:t>≈</a:t>
-            </a:r>
-            <a:r>
-              <a:rPr lang="bg-BG" sz="3200" dirty="0" smtClean="0"/>
-              <a:t> </a:t>
-            </a:r>
-            <a:r>
-              <a:rPr lang="en-US" sz="3200" dirty="0" smtClean="0"/>
-              <a:t>3</a:t>
-            </a:r>
-            <a:r>
-              <a:rPr lang="bg-BG" sz="3200" dirty="0" smtClean="0"/>
-              <a:t>.</a:t>
-            </a:r>
-            <a:r>
-              <a:rPr lang="en-US" sz="3200" dirty="0" smtClean="0"/>
-              <a:t>14159265358979323846</a:t>
-            </a:r>
-            <a:r>
-              <a:rPr lang="bg-BG" sz="3200" dirty="0" smtClean="0"/>
-              <a:t>…</a:t>
-            </a:r>
-            <a:endParaRPr lang="en-US" sz="3200" dirty="0"/>
-          </a:p>
-        </p:txBody>
-      </p:sp>
     </p:spTree>
     <p:extLst>
       <p:ext uri="{BB962C8B-B14F-4D97-AF65-F5344CB8AC3E}">
-        <p14:creationId xmlns:p14="http://schemas.microsoft.com/office/powerpoint/2010/main" val="671664555"/>
+        <p14:creationId xmlns:p14="http://schemas.microsoft.com/office/powerpoint/2010/main" val="3721058350"/>
       </p:ext>
     </p:extLst>
   </p:cSld>
@@ -9341,6 +9233,775 @@
               <a:rPr lang="en-US" smtClean="0"/>
               <a:pPr/>
               <a:t>15</a:t>
+            </a:fld>
+            <a:endParaRPr lang="en-US" dirty="0"/>
+          </a:p>
+        </p:txBody>
+      </p:sp>
+      <p:sp>
+        <p:nvSpPr>
+          <p:cNvPr id="3" name="Content Placeholder 2"/>
+          <p:cNvSpPr>
+            <a:spLocks noGrp="1"/>
+          </p:cNvSpPr>
+          <p:nvPr>
+            <p:ph idx="1"/>
+          </p:nvPr>
+        </p:nvSpPr>
+        <p:spPr/>
+        <p:txBody>
+          <a:bodyPr/>
+          <a:lstStyle/>
+          <a:p>
+            <a:r>
+              <a:rPr lang="bg-BG" dirty="0" smtClean="0"/>
+              <a:t>Напишете програма, която въвежда радиуса </a:t>
+            </a:r>
+            <a:r>
+              <a:rPr lang="en-US" b="1" dirty="0" smtClean="0">
+                <a:solidFill>
+                  <a:schemeClr val="tx2">
+                    <a:lumMod val="75000"/>
+                  </a:schemeClr>
+                </a:solidFill>
+                <a:latin typeface="Consolas" panose="020B0609020204030204" pitchFamily="49" charset="0"/>
+              </a:rPr>
+              <a:t>r</a:t>
+            </a:r>
+            <a:r>
+              <a:rPr lang="en-US" dirty="0" smtClean="0"/>
+              <a:t> </a:t>
+            </a:r>
+            <a:r>
+              <a:rPr lang="bg-BG" dirty="0" smtClean="0"/>
+              <a:t>на кръг и изчислява лицето и периметъра на кръга </a:t>
+            </a:r>
+            <a:r>
+              <a:rPr lang="en-US" dirty="0" smtClean="0"/>
+              <a:t>/</a:t>
+            </a:r>
+            <a:r>
+              <a:rPr lang="bg-BG" dirty="0" smtClean="0"/>
+              <a:t> окръжността</a:t>
+            </a:r>
+          </a:p>
+          <a:p>
+            <a:pPr lvl="1"/>
+            <a:r>
+              <a:rPr lang="bg-BG" dirty="0"/>
+              <a:t>Лице = </a:t>
+            </a:r>
+            <a:r>
+              <a:rPr lang="el-GR" b="1" dirty="0">
+                <a:solidFill>
+                  <a:schemeClr val="tx2">
+                    <a:lumMod val="75000"/>
+                  </a:schemeClr>
+                </a:solidFill>
+                <a:latin typeface="Consolas" panose="020B0609020204030204" pitchFamily="49" charset="0"/>
+              </a:rPr>
+              <a:t>π</a:t>
+            </a:r>
+            <a:r>
+              <a:rPr lang="bg-BG" dirty="0"/>
+              <a:t> * </a:t>
+            </a:r>
+            <a:r>
+              <a:rPr lang="en-US" b="1" dirty="0">
+                <a:solidFill>
+                  <a:schemeClr val="tx2">
+                    <a:lumMod val="75000"/>
+                  </a:schemeClr>
+                </a:solidFill>
+                <a:latin typeface="Consolas" panose="020B0609020204030204" pitchFamily="49" charset="0"/>
+              </a:rPr>
+              <a:t>r</a:t>
+            </a:r>
+            <a:r>
+              <a:rPr lang="en-US" dirty="0"/>
+              <a:t> * </a:t>
+            </a:r>
+            <a:r>
+              <a:rPr lang="en-US" b="1" dirty="0">
+                <a:solidFill>
+                  <a:schemeClr val="tx2">
+                    <a:lumMod val="75000"/>
+                  </a:schemeClr>
+                </a:solidFill>
+                <a:latin typeface="Consolas" panose="020B0609020204030204" pitchFamily="49" charset="0"/>
+              </a:rPr>
+              <a:t>r</a:t>
+            </a:r>
+          </a:p>
+          <a:p>
+            <a:pPr lvl="1"/>
+            <a:r>
+              <a:rPr lang="bg-BG" dirty="0" smtClean="0"/>
+              <a:t>Периметър </a:t>
+            </a:r>
+            <a:r>
+              <a:rPr lang="bg-BG" dirty="0"/>
+              <a:t>= </a:t>
+            </a:r>
+            <a:r>
+              <a:rPr lang="bg-BG" b="1" dirty="0" smtClean="0">
+                <a:solidFill>
+                  <a:schemeClr val="tx2">
+                    <a:lumMod val="75000"/>
+                  </a:schemeClr>
+                </a:solidFill>
+                <a:latin typeface="Consolas" panose="020B0609020204030204" pitchFamily="49" charset="0"/>
+              </a:rPr>
+              <a:t>2</a:t>
+            </a:r>
+            <a:r>
+              <a:rPr lang="bg-BG" dirty="0" smtClean="0"/>
+              <a:t> * </a:t>
+            </a:r>
+            <a:r>
+              <a:rPr lang="el-GR" b="1" dirty="0" smtClean="0">
+                <a:solidFill>
+                  <a:schemeClr val="tx2">
+                    <a:lumMod val="75000"/>
+                  </a:schemeClr>
+                </a:solidFill>
+                <a:latin typeface="Consolas" panose="020B0609020204030204" pitchFamily="49" charset="0"/>
+              </a:rPr>
+              <a:t>π</a:t>
+            </a:r>
+            <a:r>
+              <a:rPr lang="bg-BG" dirty="0" smtClean="0"/>
+              <a:t> </a:t>
+            </a:r>
+            <a:r>
+              <a:rPr lang="bg-BG" dirty="0"/>
+              <a:t>* </a:t>
+            </a:r>
+            <a:r>
+              <a:rPr lang="en-US" b="1" dirty="0" smtClean="0">
+                <a:solidFill>
+                  <a:schemeClr val="tx2">
+                    <a:lumMod val="75000"/>
+                  </a:schemeClr>
+                </a:solidFill>
+                <a:latin typeface="Consolas" panose="020B0609020204030204" pitchFamily="49" charset="0"/>
+              </a:rPr>
+              <a:t>r</a:t>
+            </a:r>
+          </a:p>
+          <a:p>
+            <a:pPr lvl="1"/>
+            <a:endParaRPr lang="en-US" dirty="0"/>
+          </a:p>
+        </p:txBody>
+      </p:sp>
+      <p:sp>
+        <p:nvSpPr>
+          <p:cNvPr id="4" name="Title 3"/>
+          <p:cNvSpPr>
+            <a:spLocks noGrp="1"/>
+          </p:cNvSpPr>
+          <p:nvPr>
+            <p:ph type="title"/>
+          </p:nvPr>
+        </p:nvSpPr>
+        <p:spPr/>
+        <p:txBody>
+          <a:bodyPr>
+            <a:normAutofit/>
+          </a:bodyPr>
+          <a:lstStyle/>
+          <a:p>
+            <a:r>
+              <a:rPr lang="bg-BG" dirty="0"/>
+              <a:t>Периметър </a:t>
+            </a:r>
+            <a:r>
+              <a:rPr lang="bg-BG" dirty="0" smtClean="0"/>
+              <a:t>и лице на кръг – пример</a:t>
+            </a:r>
+            <a:endParaRPr lang="en-US" dirty="0"/>
+          </a:p>
+        </p:txBody>
+      </p:sp>
+      <p:sp>
+        <p:nvSpPr>
+          <p:cNvPr id="5" name="Rectangle 4"/>
+          <p:cNvSpPr>
+            <a:spLocks noChangeArrowheads="1"/>
+          </p:cNvSpPr>
+          <p:nvPr/>
+        </p:nvSpPr>
+        <p:spPr bwMode="auto">
+          <a:xfrm>
+            <a:off x="836612" y="3688947"/>
+            <a:ext cx="10515600" cy="1988237"/>
+          </a:xfrm>
+          <a:prstGeom prst="rect">
+            <a:avLst/>
+          </a:prstGeom>
+          <a:solidFill>
+            <a:schemeClr val="accent5">
+              <a:lumMod val="40000"/>
+              <a:lumOff val="60000"/>
+              <a:alpha val="20000"/>
+            </a:schemeClr>
+          </a:solidFill>
+          <a:ln w="12700">
+            <a:solidFill>
+              <a:schemeClr val="accent5">
+                <a:lumMod val="60000"/>
+                <a:lumOff val="40000"/>
+              </a:schemeClr>
+            </a:solidFill>
+          </a:ln>
+        </p:spPr>
+        <p:txBody>
+          <a:bodyPr wrap="square">
+            <a:spAutoFit/>
+          </a:bodyPr>
+          <a:lstStyle/>
+          <a:p>
+            <a:pPr eaLnBrk="0" hangingPunct="0">
+              <a:lnSpc>
+                <a:spcPct val="110000"/>
+              </a:lnSpc>
+              <a:buClr>
+                <a:schemeClr val="accent5">
+                  <a:lumMod val="40000"/>
+                  <a:lumOff val="60000"/>
+                </a:schemeClr>
+              </a:buClr>
+              <a:buSzPct val="70000"/>
+            </a:pPr>
+            <a:r>
+              <a:rPr lang="en-US" sz="2800" b="1" noProof="1" smtClean="0">
+                <a:solidFill>
+                  <a:schemeClr val="tx2">
+                    <a:lumMod val="75000"/>
+                  </a:schemeClr>
+                </a:solidFill>
+                <a:effectLst>
+                  <a:outerShdw blurRad="38100" dist="38100" dir="2700000" algn="tl">
+                    <a:srgbClr val="000000">
+                      <a:alpha val="43137"/>
+                    </a:srgbClr>
+                  </a:outerShdw>
+                </a:effectLst>
+                <a:latin typeface="Consolas" pitchFamily="49" charset="0"/>
+                <a:cs typeface="Consolas" pitchFamily="49" charset="0"/>
+              </a:rPr>
+              <a:t>import math</a:t>
+            </a:r>
+            <a:endParaRPr lang="bg-BG" sz="2800" b="1" noProof="1" smtClean="0">
+              <a:solidFill>
+                <a:schemeClr val="tx2">
+                  <a:lumMod val="75000"/>
+                </a:schemeClr>
+              </a:solidFill>
+              <a:effectLst>
+                <a:outerShdw blurRad="38100" dist="38100" dir="2700000" algn="tl">
+                  <a:srgbClr val="000000">
+                    <a:alpha val="43137"/>
+                  </a:srgbClr>
+                </a:outerShdw>
+              </a:effectLst>
+              <a:latin typeface="Consolas" pitchFamily="49" charset="0"/>
+              <a:cs typeface="Consolas" pitchFamily="49" charset="0"/>
+            </a:endParaRPr>
+          </a:p>
+          <a:p>
+            <a:pPr eaLnBrk="0" hangingPunct="0">
+              <a:lnSpc>
+                <a:spcPct val="110000"/>
+              </a:lnSpc>
+              <a:buClr>
+                <a:schemeClr val="accent5">
+                  <a:lumMod val="40000"/>
+                  <a:lumOff val="60000"/>
+                </a:schemeClr>
+              </a:buClr>
+              <a:buSzPct val="70000"/>
+            </a:pPr>
+            <a:r>
+              <a:rPr lang="it-IT" sz="2800" b="1" noProof="1" smtClean="0">
+                <a:solidFill>
+                  <a:srgbClr val="FBEEDC"/>
+                </a:solidFill>
+                <a:effectLst>
+                  <a:outerShdw blurRad="38100" dist="38100" dir="2700000" algn="tl">
+                    <a:srgbClr val="000000">
+                      <a:alpha val="43137"/>
+                    </a:srgbClr>
+                  </a:outerShdw>
+                </a:effectLst>
+                <a:latin typeface="Consolas" pitchFamily="49" charset="0"/>
+                <a:cs typeface="Consolas" pitchFamily="49" charset="0"/>
+              </a:rPr>
+              <a:t>r </a:t>
+            </a:r>
+            <a:r>
+              <a:rPr lang="it-IT" sz="2800" b="1" noProof="1">
+                <a:solidFill>
+                  <a:srgbClr val="FBEEDC"/>
+                </a:solidFill>
+                <a:effectLst>
+                  <a:outerShdw blurRad="38100" dist="38100" dir="2700000" algn="tl">
+                    <a:srgbClr val="000000">
+                      <a:alpha val="43137"/>
+                    </a:srgbClr>
+                  </a:outerShdw>
+                </a:effectLst>
+                <a:latin typeface="Consolas" pitchFamily="49" charset="0"/>
+                <a:cs typeface="Consolas" pitchFamily="49" charset="0"/>
+              </a:rPr>
+              <a:t>= </a:t>
+            </a:r>
+            <a:r>
+              <a:rPr lang="en-US" sz="2800" b="1" noProof="1" smtClean="0">
+                <a:solidFill>
+                  <a:srgbClr val="FBEEDC"/>
+                </a:solidFill>
+                <a:effectLst>
+                  <a:outerShdw blurRad="38100" dist="38100" dir="2700000" algn="tl">
+                    <a:srgbClr val="000000">
+                      <a:alpha val="43137"/>
+                    </a:srgbClr>
+                  </a:outerShdw>
+                </a:effectLst>
+                <a:latin typeface="Consolas" pitchFamily="49" charset="0"/>
+                <a:cs typeface="Consolas" pitchFamily="49" charset="0"/>
+              </a:rPr>
+              <a:t>float(input</a:t>
+            </a:r>
+            <a:r>
+              <a:rPr lang="it-IT" sz="2800" b="1" noProof="1" smtClean="0">
+                <a:solidFill>
+                  <a:srgbClr val="FBEEDC"/>
+                </a:solidFill>
+                <a:effectLst>
+                  <a:outerShdw blurRad="38100" dist="38100" dir="2700000" algn="tl">
+                    <a:srgbClr val="000000">
+                      <a:alpha val="43137"/>
+                    </a:srgbClr>
+                  </a:outerShdw>
+                </a:effectLst>
+                <a:latin typeface="Consolas" pitchFamily="49" charset="0"/>
+                <a:cs typeface="Consolas" pitchFamily="49" charset="0"/>
+              </a:rPr>
+              <a:t>(</a:t>
+            </a:r>
+            <a:r>
+              <a:rPr lang="en-US" sz="2800" b="1" noProof="1">
+                <a:solidFill>
+                  <a:srgbClr val="FBEEDC"/>
+                </a:solidFill>
+                <a:effectLst>
+                  <a:outerShdw blurRad="38100" dist="38100" dir="2700000" algn="tl">
+                    <a:srgbClr val="000000">
+                      <a:alpha val="43137"/>
+                    </a:srgbClr>
+                  </a:outerShdw>
+                </a:effectLst>
+                <a:latin typeface="Consolas" pitchFamily="49" charset="0"/>
+                <a:cs typeface="Consolas" pitchFamily="49" charset="0"/>
+              </a:rPr>
+              <a:t>'Enter circle radius. r ='</a:t>
+            </a:r>
+            <a:r>
+              <a:rPr lang="it-IT" sz="2800" b="1" noProof="1" smtClean="0">
+                <a:solidFill>
+                  <a:srgbClr val="FBEEDC"/>
+                </a:solidFill>
+                <a:effectLst>
+                  <a:outerShdw blurRad="38100" dist="38100" dir="2700000" algn="tl">
+                    <a:srgbClr val="000000">
+                      <a:alpha val="43137"/>
+                    </a:srgbClr>
+                  </a:outerShdw>
+                </a:effectLst>
+                <a:latin typeface="Consolas" pitchFamily="49" charset="0"/>
+                <a:cs typeface="Consolas" pitchFamily="49" charset="0"/>
+              </a:rPr>
+              <a:t>))</a:t>
+            </a:r>
+          </a:p>
+          <a:p>
+            <a:pPr eaLnBrk="0" hangingPunct="0">
+              <a:lnSpc>
+                <a:spcPct val="110000"/>
+              </a:lnSpc>
+              <a:buClr>
+                <a:schemeClr val="accent5">
+                  <a:lumMod val="40000"/>
+                  <a:lumOff val="60000"/>
+                </a:schemeClr>
+              </a:buClr>
+              <a:buSzPct val="70000"/>
+            </a:pPr>
+            <a:r>
+              <a:rPr lang="it-IT" sz="2800" b="1" noProof="1" smtClean="0">
+                <a:solidFill>
+                  <a:srgbClr val="FBEEDC"/>
+                </a:solidFill>
+                <a:effectLst>
+                  <a:outerShdw blurRad="38100" dist="38100" dir="2700000" algn="tl">
+                    <a:srgbClr val="000000">
+                      <a:alpha val="43137"/>
+                    </a:srgbClr>
+                  </a:outerShdw>
+                </a:effectLst>
+                <a:latin typeface="Consolas" pitchFamily="49" charset="0"/>
+                <a:cs typeface="Consolas" pitchFamily="49" charset="0"/>
+              </a:rPr>
+              <a:t>print('Area ='</a:t>
+            </a:r>
+            <a:r>
+              <a:rPr lang="bg-BG" sz="2800" b="1" noProof="1" smtClean="0">
+                <a:solidFill>
+                  <a:srgbClr val="FBEEDC"/>
+                </a:solidFill>
+                <a:effectLst>
+                  <a:outerShdw blurRad="38100" dist="38100" dir="2700000" algn="tl">
+                    <a:srgbClr val="000000">
+                      <a:alpha val="43137"/>
+                    </a:srgbClr>
+                  </a:outerShdw>
+                </a:effectLst>
+                <a:latin typeface="Consolas" pitchFamily="49" charset="0"/>
+                <a:cs typeface="Consolas" pitchFamily="49" charset="0"/>
+              </a:rPr>
+              <a:t> + </a:t>
+            </a:r>
+            <a:r>
+              <a:rPr lang="sv-SE" sz="2800" b="1" noProof="1" smtClean="0">
+                <a:solidFill>
+                  <a:srgbClr val="FBEEDC"/>
+                </a:solidFill>
+                <a:effectLst>
+                  <a:outerShdw blurRad="38100" dist="38100" dir="2700000" algn="tl">
+                    <a:srgbClr val="000000">
+                      <a:alpha val="43137"/>
+                    </a:srgbClr>
+                  </a:outerShdw>
+                </a:effectLst>
+                <a:latin typeface="Consolas" pitchFamily="49" charset="0"/>
+                <a:cs typeface="Consolas" pitchFamily="49" charset="0"/>
+              </a:rPr>
+              <a:t>str(</a:t>
+            </a:r>
+            <a:r>
+              <a:rPr lang="it-IT" sz="2800" b="1" noProof="1" smtClean="0">
+                <a:solidFill>
+                  <a:schemeClr val="tx2">
+                    <a:lumMod val="75000"/>
+                  </a:schemeClr>
+                </a:solidFill>
+                <a:effectLst>
+                  <a:outerShdw blurRad="38100" dist="38100" dir="2700000" algn="tl">
+                    <a:srgbClr val="000000">
+                      <a:alpha val="43137"/>
+                    </a:srgbClr>
+                  </a:outerShdw>
+                </a:effectLst>
+                <a:latin typeface="Consolas" pitchFamily="49" charset="0"/>
+                <a:cs typeface="Consolas" pitchFamily="49" charset="0"/>
+              </a:rPr>
+              <a:t>math.pi </a:t>
+            </a:r>
+            <a:r>
+              <a:rPr lang="it-IT" sz="2800" b="1" noProof="1">
+                <a:solidFill>
+                  <a:schemeClr val="tx2">
+                    <a:lumMod val="75000"/>
+                  </a:schemeClr>
+                </a:solidFill>
+                <a:effectLst>
+                  <a:outerShdw blurRad="38100" dist="38100" dir="2700000" algn="tl">
+                    <a:srgbClr val="000000">
+                      <a:alpha val="43137"/>
+                    </a:srgbClr>
+                  </a:outerShdw>
+                </a:effectLst>
+                <a:latin typeface="Consolas" pitchFamily="49" charset="0"/>
+                <a:cs typeface="Consolas" pitchFamily="49" charset="0"/>
+              </a:rPr>
+              <a:t>* r * r</a:t>
+            </a:r>
+            <a:r>
+              <a:rPr lang="it-IT" sz="2800" b="1" noProof="1" smtClean="0">
+                <a:solidFill>
+                  <a:srgbClr val="FBEEDC"/>
+                </a:solidFill>
+                <a:effectLst>
+                  <a:outerShdw blurRad="38100" dist="38100" dir="2700000" algn="tl">
+                    <a:srgbClr val="000000">
+                      <a:alpha val="43137"/>
+                    </a:srgbClr>
+                  </a:outerShdw>
+                </a:effectLst>
+                <a:latin typeface="Consolas" pitchFamily="49" charset="0"/>
+                <a:cs typeface="Consolas" pitchFamily="49" charset="0"/>
+              </a:rPr>
+              <a:t>))</a:t>
+            </a:r>
+          </a:p>
+          <a:p>
+            <a:pPr eaLnBrk="0" hangingPunct="0">
+              <a:lnSpc>
+                <a:spcPct val="110000"/>
+              </a:lnSpc>
+              <a:buClr>
+                <a:schemeClr val="accent5">
+                  <a:lumMod val="40000"/>
+                  <a:lumOff val="60000"/>
+                </a:schemeClr>
+              </a:buClr>
+              <a:buSzPct val="70000"/>
+            </a:pPr>
+            <a:r>
+              <a:rPr lang="it-IT" sz="2800" b="1" noProof="1" smtClean="0">
+                <a:solidFill>
+                  <a:srgbClr val="FBEEDC"/>
+                </a:solidFill>
+                <a:effectLst>
+                  <a:outerShdw blurRad="38100" dist="38100" dir="2700000" algn="tl">
+                    <a:srgbClr val="000000">
+                      <a:alpha val="43137"/>
+                    </a:srgbClr>
+                  </a:outerShdw>
+                </a:effectLst>
+                <a:latin typeface="Consolas" pitchFamily="49" charset="0"/>
+                <a:cs typeface="Consolas" pitchFamily="49" charset="0"/>
+              </a:rPr>
+              <a:t>print('Perimeter =' + str(</a:t>
+            </a:r>
+            <a:r>
+              <a:rPr lang="it-IT" sz="2800" b="1" noProof="1" smtClean="0">
+                <a:solidFill>
+                  <a:schemeClr val="tx2">
+                    <a:lumMod val="75000"/>
+                  </a:schemeClr>
+                </a:solidFill>
+                <a:effectLst>
+                  <a:outerShdw blurRad="38100" dist="38100" dir="2700000" algn="tl">
+                    <a:srgbClr val="000000">
+                      <a:alpha val="43137"/>
+                    </a:srgbClr>
+                  </a:outerShdw>
+                </a:effectLst>
+                <a:latin typeface="Consolas" pitchFamily="49" charset="0"/>
+                <a:cs typeface="Consolas" pitchFamily="49" charset="0"/>
+              </a:rPr>
+              <a:t>2 * math.pi * r</a:t>
+            </a:r>
+            <a:r>
+              <a:rPr lang="it-IT" sz="2800" b="1" noProof="1" smtClean="0">
+                <a:solidFill>
+                  <a:srgbClr val="FBEEDC"/>
+                </a:solidFill>
+                <a:effectLst>
+                  <a:outerShdw blurRad="38100" dist="38100" dir="2700000" algn="tl">
+                    <a:srgbClr val="000000">
+                      <a:alpha val="43137"/>
+                    </a:srgbClr>
+                  </a:outerShdw>
+                </a:effectLst>
+                <a:latin typeface="Consolas" pitchFamily="49" charset="0"/>
+                <a:cs typeface="Consolas" pitchFamily="49" charset="0"/>
+              </a:rPr>
+              <a:t>))</a:t>
+            </a:r>
+            <a:endParaRPr lang="it-IT" sz="2800" b="1" noProof="1">
+              <a:solidFill>
+                <a:srgbClr val="FBEEDC"/>
+              </a:solidFill>
+              <a:effectLst>
+                <a:outerShdw blurRad="38100" dist="38100" dir="2700000" algn="tl">
+                  <a:srgbClr val="000000">
+                    <a:alpha val="43137"/>
+                  </a:srgbClr>
+                </a:outerShdw>
+              </a:effectLst>
+              <a:latin typeface="Consolas" pitchFamily="49" charset="0"/>
+              <a:cs typeface="Consolas" pitchFamily="49" charset="0"/>
+            </a:endParaRPr>
+          </a:p>
+        </p:txBody>
+      </p:sp>
+      <p:sp>
+        <p:nvSpPr>
+          <p:cNvPr id="7" name="Rectangle 6"/>
+          <p:cNvSpPr/>
+          <p:nvPr/>
+        </p:nvSpPr>
+        <p:spPr>
+          <a:xfrm>
+            <a:off x="758824" y="6186194"/>
+            <a:ext cx="10668000" cy="461665"/>
+          </a:xfrm>
+          <a:prstGeom prst="rect">
+            <a:avLst/>
+          </a:prstGeom>
+        </p:spPr>
+        <p:txBody>
+          <a:bodyPr wrap="square">
+            <a:spAutoFit/>
+          </a:bodyPr>
+          <a:lstStyle/>
+          <a:p>
+            <a:r>
+              <a:rPr lang="bg-BG" dirty="0" smtClean="0"/>
+              <a:t>Тестване на решението: </a:t>
+            </a:r>
+            <a:r>
+              <a:rPr lang="en-US" dirty="0">
+                <a:hlinkClick r:id="rId2"/>
+              </a:rPr>
+              <a:t>https://</a:t>
+            </a:r>
+            <a:r>
+              <a:rPr lang="en-US" dirty="0" smtClean="0">
+                <a:hlinkClick r:id="rId2"/>
+              </a:rPr>
+              <a:t>judge.softuni.bg/Contests/Practice/Index/487#5</a:t>
+            </a:r>
+            <a:r>
+              <a:rPr lang="en-US" dirty="0" smtClean="0"/>
+              <a:t> </a:t>
+            </a:r>
+            <a:endParaRPr lang="en-US" dirty="0"/>
+          </a:p>
+        </p:txBody>
+      </p:sp>
+      <p:sp>
+        <p:nvSpPr>
+          <p:cNvPr id="6" name="Rectangle 5"/>
+          <p:cNvSpPr/>
+          <p:nvPr/>
+        </p:nvSpPr>
+        <p:spPr>
+          <a:xfrm>
+            <a:off x="5256212" y="2743200"/>
+            <a:ext cx="6096000" cy="584775"/>
+          </a:xfrm>
+          <a:prstGeom prst="rect">
+            <a:avLst/>
+          </a:prstGeom>
+        </p:spPr>
+        <p:txBody>
+          <a:bodyPr wrap="square">
+            <a:spAutoFit/>
+          </a:bodyPr>
+          <a:lstStyle/>
+          <a:p>
+            <a:pPr algn="r"/>
+            <a:r>
+              <a:rPr lang="el-GR" sz="3200" b="1" dirty="0">
+                <a:solidFill>
+                  <a:schemeClr val="tx2">
+                    <a:lumMod val="75000"/>
+                  </a:schemeClr>
+                </a:solidFill>
+                <a:latin typeface="Consolas" panose="020B0609020204030204" pitchFamily="49" charset="0"/>
+              </a:rPr>
+              <a:t>π</a:t>
+            </a:r>
+            <a:r>
+              <a:rPr lang="el-GR" sz="3200" b="1" dirty="0">
+                <a:solidFill>
+                  <a:schemeClr val="tx2">
+                    <a:lumMod val="75000"/>
+                  </a:schemeClr>
+                </a:solidFill>
+              </a:rPr>
+              <a:t> </a:t>
+            </a:r>
+            <a:r>
+              <a:rPr lang="en-US" sz="3200" dirty="0" smtClean="0"/>
+              <a:t>≈</a:t>
+            </a:r>
+            <a:r>
+              <a:rPr lang="bg-BG" sz="3200" dirty="0" smtClean="0"/>
+              <a:t> </a:t>
+            </a:r>
+            <a:r>
+              <a:rPr lang="en-US" sz="3200" dirty="0" smtClean="0"/>
+              <a:t>3</a:t>
+            </a:r>
+            <a:r>
+              <a:rPr lang="bg-BG" sz="3200" dirty="0" smtClean="0"/>
+              <a:t>.</a:t>
+            </a:r>
+            <a:r>
+              <a:rPr lang="en-US" sz="3200" dirty="0" smtClean="0"/>
+              <a:t>14159265358979323846</a:t>
+            </a:r>
+            <a:r>
+              <a:rPr lang="bg-BG" sz="3200" dirty="0" smtClean="0"/>
+              <a:t>…</a:t>
+            </a:r>
+            <a:endParaRPr lang="en-US" sz="3200" dirty="0"/>
+          </a:p>
+        </p:txBody>
+      </p:sp>
+    </p:spTree>
+    <p:extLst>
+      <p:ext uri="{BB962C8B-B14F-4D97-AF65-F5344CB8AC3E}">
+        <p14:creationId xmlns:p14="http://schemas.microsoft.com/office/powerpoint/2010/main" val="671664555"/>
+      </p:ext>
+    </p:extLst>
+  </p:cSld>
+  <p:clrMapOvr>
+    <a:masterClrMapping/>
+  </p:clrMapOvr>
+  <mc:AlternateContent xmlns:mc="http://schemas.openxmlformats.org/markup-compatibility/2006" xmlns:p14="http://schemas.microsoft.com/office/powerpoint/2010/main">
+    <mc:Choice Requires="p14">
+      <p:transition p14:dur="0"/>
+    </mc:Choice>
+    <mc:Fallback xmlns="">
+      <p:transition/>
+    </mc:Fallback>
+  </mc:AlternateContent>
+</p:sld>
+</file>
+
+<file path=ppt/slides/slide16.xml><?xml version="1.0" encoding="utf-8"?>
+<p:sld xmlns:a="http://schemas.openxmlformats.org/drawingml/2006/main" xmlns:r="http://schemas.openxmlformats.org/officeDocument/2006/relationships" xmlns:p="http://schemas.openxmlformats.org/presentationml/2006/main">
+  <p:cSld>
+    <p:spTree>
+      <p:nvGrpSpPr>
+        <p:cNvPr id="1" name=""/>
+        <p:cNvGrpSpPr/>
+        <p:nvPr/>
+      </p:nvGrpSpPr>
+      <p:grpSpPr>
+        <a:xfrm>
+          <a:off x="0" y="0"/>
+          <a:ext cx="0" cy="0"/>
+          <a:chOff x="0" y="0"/>
+          <a:chExt cx="0" cy="0"/>
+        </a:xfrm>
+      </p:grpSpPr>
+      <p:sp>
+        <p:nvSpPr>
+          <p:cNvPr id="2" name="Slide Number Placeholder 1"/>
+          <p:cNvSpPr>
+            <a:spLocks noGrp="1"/>
+          </p:cNvSpPr>
+          <p:nvPr>
+            <p:ph type="sldNum" sz="quarter" idx="4"/>
+          </p:nvPr>
+        </p:nvSpPr>
+        <p:spPr/>
+        <p:txBody>
+          <a:bodyPr/>
+          <a:lstStyle/>
+          <a:p>
+            <a:fld id="{C014DD1E-5D91-48A3-AD6D-45FBA980D106}" type="slidenum">
+              <a:rPr lang="en-US" smtClean="0"/>
+              <a:pPr/>
+              <a:t>16</a:t>
             </a:fld>
             <a:endParaRPr lang="en-US" dirty="0"/>
           </a:p>
@@ -10314,7 +10975,7 @@
 </p:sld>
 </file>
 
-<file path=ppt/slides/slide16.xml><?xml version="1.0" encoding="utf-8"?>
+<file path=ppt/slides/slide17.xml><?xml version="1.0" encoding="utf-8"?>
 <p:sld xmlns:a="http://schemas.openxmlformats.org/drawingml/2006/main" xmlns:r="http://schemas.openxmlformats.org/officeDocument/2006/relationships" xmlns:p="http://schemas.openxmlformats.org/presentationml/2006/main">
   <p:cSld>
     <p:spTree>
@@ -10571,7 +11232,7 @@
 </p:sld>
 </file>
 
-<file path=ppt/slides/slide17.xml><?xml version="1.0" encoding="utf-8"?>
+<file path=ppt/slides/slide18.xml><?xml version="1.0" encoding="utf-8"?>
 <p:sld xmlns:a="http://schemas.openxmlformats.org/drawingml/2006/main" xmlns:r="http://schemas.openxmlformats.org/officeDocument/2006/relationships" xmlns:p="http://schemas.openxmlformats.org/presentationml/2006/main">
   <p:cSld>
     <p:spTree>
@@ -10606,7 +11267,7 @@
             <a:fld id="{C014DD1E-5D91-48A3-AD6D-45FBA980D106}" type="slidenum">
               <a:rPr lang="en-US" smtClean="0"/>
               <a:pPr/>
-              <a:t>17</a:t>
+              <a:t>18</a:t>
             </a:fld>
             <a:endParaRPr lang="en-US" dirty="0"/>
           </a:p>
@@ -10631,20 +11292,42 @@
           <a:p>
             <a:r>
               <a:rPr lang="bg-BG" sz="3200" dirty="0" smtClean="0"/>
-              <a:t>Въвеждане на текст</a:t>
+              <a:t>Въвеждане на </a:t>
+            </a:r>
+            <a:r>
+              <a:rPr lang="bg-BG" sz="3200" dirty="0" smtClean="0"/>
+              <a:t>текст</a:t>
             </a:r>
             <a:endParaRPr lang="en-US" sz="3200" dirty="0" smtClean="0"/>
           </a:p>
           <a:p>
+            <a:pPr marL="0" indent="0">
+              <a:buNone/>
+            </a:pPr>
             <a:endParaRPr lang="bg-BG" sz="3200" dirty="0" smtClean="0"/>
           </a:p>
           <a:p>
+            <a:endParaRPr lang="en-US" sz="3200" dirty="0"/>
+          </a:p>
+          <a:p>
             <a:r>
               <a:rPr lang="bg-BG" sz="3200" dirty="0" smtClean="0"/>
-              <a:t>Въвеждане на число</a:t>
-            </a:r>
-          </a:p>
-          <a:p>
+              <a:t>Въвеждане </a:t>
+            </a:r>
+            <a:r>
+              <a:rPr lang="bg-BG" sz="3200" dirty="0" smtClean="0"/>
+              <a:t>на </a:t>
+            </a:r>
+            <a:r>
+              <a:rPr lang="bg-BG" sz="3200" dirty="0" smtClean="0"/>
+              <a:t>число</a:t>
+            </a:r>
+            <a:endParaRPr lang="en-US" sz="3200" dirty="0" smtClean="0"/>
+          </a:p>
+          <a:p>
+            <a:pPr marL="0" indent="0">
+              <a:buNone/>
+            </a:pPr>
             <a:endParaRPr lang="en-US" sz="3200" dirty="0" smtClean="0"/>
           </a:p>
           <a:p>
@@ -10738,16 +11421,6 @@
               </a:rPr>
               <a:t>()</a:t>
             </a:r>
-          </a:p>
-          <a:p>
-            <a:endParaRPr lang="en-US" sz="3200" dirty="0"/>
-          </a:p>
-          <a:p>
-            <a:r>
-              <a:rPr lang="bg-BG" sz="3200" dirty="0" smtClean="0"/>
-              <a:t>Извеждане на текст по шаблон</a:t>
-            </a:r>
-            <a:endParaRPr lang="en-US" sz="3200" dirty="0" smtClean="0"/>
           </a:p>
           <a:p>
             <a:endParaRPr lang="en-US" sz="3200" dirty="0"/>
@@ -10770,7 +11443,7 @@
           <a:lstStyle/>
           <a:p>
             <a:r>
-              <a:rPr lang="bg-BG" smtClean="0"/>
+              <a:rPr lang="bg-BG" dirty="0" smtClean="0"/>
               <a:t>Какво научихме днес?</a:t>
             </a:r>
             <a:endParaRPr lang="en-US" dirty="0"/>
@@ -10828,7 +11501,7 @@
         </p:nvSpPr>
         <p:spPr bwMode="auto">
           <a:xfrm>
-            <a:off x="760412" y="1828800"/>
+            <a:off x="758824" y="2137709"/>
             <a:ext cx="6858000" cy="523220"/>
           </a:xfrm>
           <a:prstGeom prst="rect">
@@ -10945,7 +11618,7 @@
         </p:nvSpPr>
         <p:spPr bwMode="auto">
           <a:xfrm>
-            <a:off x="758824" y="3165431"/>
+            <a:off x="763767" y="3814499"/>
             <a:ext cx="8078788" cy="523220"/>
           </a:xfrm>
           <a:prstGeom prst="rect">
@@ -11081,7 +11754,7 @@
         </p:nvSpPr>
         <p:spPr bwMode="auto">
           <a:xfrm>
-            <a:off x="758824" y="4495800"/>
+            <a:off x="671533" y="5554375"/>
             <a:ext cx="9297988" cy="523220"/>
           </a:xfrm>
           <a:prstGeom prst="rect">
@@ -11204,123 +11877,6 @@
                 <a:cs typeface="Consolas" pitchFamily="49" charset="0"/>
               </a:rPr>
               <a:t> 3</a:t>
-            </a:r>
-            <a:endParaRPr lang="en-US" sz="2800" b="1" noProof="1">
-              <a:solidFill>
-                <a:srgbClr val="FBEEDC"/>
-              </a:solidFill>
-              <a:effectLst>
-                <a:outerShdw blurRad="38100" dist="38100" dir="2700000" algn="tl">
-                  <a:srgbClr val="000000">
-                    <a:alpha val="43137"/>
-                  </a:srgbClr>
-                </a:outerShdw>
-              </a:effectLst>
-              <a:latin typeface="Consolas" pitchFamily="49" charset="0"/>
-              <a:cs typeface="Consolas" pitchFamily="49" charset="0"/>
-            </a:endParaRPr>
-          </a:p>
-        </p:txBody>
-      </p:sp>
-      <p:sp>
-        <p:nvSpPr>
-          <p:cNvPr id="13" name="Rectangle 5"/>
-          <p:cNvSpPr>
-            <a:spLocks noChangeArrowheads="1"/>
-          </p:cNvSpPr>
-          <p:nvPr/>
-        </p:nvSpPr>
-        <p:spPr bwMode="auto">
-          <a:xfrm>
-            <a:off x="758824" y="5867400"/>
-            <a:ext cx="10669588" cy="523220"/>
-          </a:xfrm>
-          <a:prstGeom prst="rect">
-            <a:avLst/>
-          </a:prstGeom>
-          <a:solidFill>
-            <a:schemeClr val="accent5">
-              <a:lumMod val="40000"/>
-              <a:lumOff val="60000"/>
-              <a:alpha val="20000"/>
-            </a:schemeClr>
-          </a:solidFill>
-          <a:ln w="12700">
-            <a:solidFill>
-              <a:schemeClr val="accent5">
-                <a:lumMod val="60000"/>
-                <a:lumOff val="40000"/>
-              </a:schemeClr>
-            </a:solidFill>
-          </a:ln>
-        </p:spPr>
-        <p:txBody>
-          <a:bodyPr wrap="square">
-            <a:spAutoFit/>
-          </a:bodyPr>
-          <a:lstStyle/>
-          <a:p>
-            <a:pPr eaLnBrk="0" hangingPunct="0">
-              <a:buClr>
-                <a:schemeClr val="accent5">
-                  <a:lumMod val="40000"/>
-                  <a:lumOff val="60000"/>
-                </a:schemeClr>
-              </a:buClr>
-              <a:buSzPct val="70000"/>
-            </a:pPr>
-            <a:r>
-              <a:rPr lang="en-US" sz="2800" b="1" noProof="1" smtClean="0">
-                <a:solidFill>
-                  <a:srgbClr val="FBEEDC"/>
-                </a:solidFill>
-                <a:effectLst>
-                  <a:outerShdw blurRad="38100" dist="38100" dir="2700000" algn="tl">
-                    <a:srgbClr val="000000">
-                      <a:alpha val="43137"/>
-                    </a:srgbClr>
-                  </a:outerShdw>
-                </a:effectLst>
-                <a:latin typeface="Consolas" pitchFamily="49" charset="0"/>
-                <a:cs typeface="Consolas" pitchFamily="49" charset="0"/>
-              </a:rPr>
-              <a:t>print(</a:t>
-            </a:r>
-            <a:r>
-              <a:rPr lang="en-US" sz="2800" b="1" noProof="1" smtClean="0">
-                <a:solidFill>
-                  <a:schemeClr val="tx2">
-                    <a:lumMod val="75000"/>
-                  </a:schemeClr>
-                </a:solidFill>
-                <a:effectLst>
-                  <a:outerShdw blurRad="38100" dist="38100" dir="2700000" algn="tl">
-                    <a:srgbClr val="000000">
-                      <a:alpha val="43137"/>
-                    </a:srgbClr>
-                  </a:outerShdw>
-                </a:effectLst>
-                <a:latin typeface="Consolas" pitchFamily="49" charset="0"/>
-                <a:cs typeface="Consolas" pitchFamily="49" charset="0"/>
-              </a:rPr>
-              <a:t>str(3) + ' + ' + str(5) + ' = ' + str(3 + 5)</a:t>
-            </a:r>
-            <a:r>
-              <a:rPr lang="en-US" sz="2800" b="1" noProof="1" smtClean="0">
-                <a:solidFill>
-                  <a:srgbClr val="FBEEDC"/>
-                </a:solidFill>
-                <a:effectLst>
-                  <a:outerShdw blurRad="38100" dist="38100" dir="2700000" algn="tl">
-                    <a:srgbClr val="000000">
-                      <a:alpha val="43137"/>
-                    </a:srgbClr>
-                  </a:outerShdw>
-                </a:effectLst>
-                <a:latin typeface="Consolas" pitchFamily="49" charset="0"/>
-                <a:cs typeface="Consolas" pitchFamily="49" charset="0"/>
-              </a:rPr>
-              <a:t>)</a:t>
             </a:r>
             <a:endParaRPr lang="en-US" sz="2800" b="1" noProof="1">
               <a:solidFill>
@@ -11367,7 +11923,575 @@
 </p:sld>
 </file>
 
-<file path=ppt/slides/slide18.xml><?xml version="1.0" encoding="utf-8"?>
+<file path=ppt/slides/slide19.xml><?xml version="1.0" encoding="utf-8"?>
+<p:sld xmlns:a="http://schemas.openxmlformats.org/drawingml/2006/main" xmlns:r="http://schemas.openxmlformats.org/officeDocument/2006/relationships" xmlns:p="http://schemas.openxmlformats.org/presentationml/2006/main">
+  <p:cSld>
+    <p:spTree>
+      <p:nvGrpSpPr>
+        <p:cNvPr id="1" name=""/>
+        <p:cNvGrpSpPr/>
+        <p:nvPr/>
+      </p:nvGrpSpPr>
+      <p:grpSpPr>
+        <a:xfrm>
+          <a:off x="0" y="0"/>
+          <a:ext cx="0" cy="0"/>
+          <a:chOff x="0" y="0"/>
+          <a:chExt cx="0" cy="0"/>
+        </a:xfrm>
+      </p:grpSpPr>
+      <p:sp>
+        <p:nvSpPr>
+          <p:cNvPr id="2" name="Контейнер за номер на слайда 1"/>
+          <p:cNvSpPr>
+            <a:spLocks noGrp="1"/>
+          </p:cNvSpPr>
+          <p:nvPr>
+            <p:ph type="sldNum" sz="quarter" idx="4"/>
+          </p:nvPr>
+        </p:nvSpPr>
+        <p:spPr/>
+        <p:txBody>
+          <a:bodyPr/>
+          <a:lstStyle/>
+          <a:p>
+            <a:fld id="{C014DD1E-5D91-48A3-AD6D-45FBA980D106}" type="slidenum">
+              <a:rPr lang="en-US" smtClean="0"/>
+              <a:pPr/>
+              <a:t>19</a:t>
+            </a:fld>
+            <a:endParaRPr lang="en-US" dirty="0"/>
+          </a:p>
+        </p:txBody>
+      </p:sp>
+      <p:sp>
+        <p:nvSpPr>
+          <p:cNvPr id="3" name="Контейнер за съдържание 2"/>
+          <p:cNvSpPr>
+            <a:spLocks noGrp="1"/>
+          </p:cNvSpPr>
+          <p:nvPr>
+            <p:ph idx="1"/>
+          </p:nvPr>
+        </p:nvSpPr>
+        <p:spPr/>
+        <p:txBody>
+          <a:bodyPr/>
+          <a:lstStyle/>
+          <a:p>
+            <a:r>
+              <a:rPr lang="bg-BG" sz="3600" dirty="0"/>
+              <a:t>Извеждане на текст по </a:t>
+            </a:r>
+            <a:r>
+              <a:rPr lang="bg-BG" sz="3600" dirty="0" smtClean="0"/>
+              <a:t>шаблон</a:t>
+            </a:r>
+          </a:p>
+          <a:p>
+            <a:endParaRPr lang="bg-BG" sz="3600" dirty="0"/>
+          </a:p>
+          <a:p>
+            <a:endParaRPr lang="bg-BG" sz="3600" dirty="0" smtClean="0"/>
+          </a:p>
+          <a:p>
+            <a:r>
+              <a:rPr lang="bg-BG" sz="3600" dirty="0" smtClean="0"/>
+              <a:t>Зареждане на библиотеки</a:t>
+            </a:r>
+          </a:p>
+          <a:p>
+            <a:endParaRPr lang="bg-BG" sz="3600" dirty="0" smtClean="0"/>
+          </a:p>
+        </p:txBody>
+      </p:sp>
+      <p:sp>
+        <p:nvSpPr>
+          <p:cNvPr id="4" name="Заглавие 3"/>
+          <p:cNvSpPr>
+            <a:spLocks noGrp="1"/>
+          </p:cNvSpPr>
+          <p:nvPr>
+            <p:ph type="title"/>
+          </p:nvPr>
+        </p:nvSpPr>
+        <p:spPr/>
+        <p:txBody>
+          <a:bodyPr/>
+          <a:lstStyle/>
+          <a:p>
+            <a:r>
+              <a:rPr lang="bg-BG" dirty="0"/>
+              <a:t>Какво научихме днес?</a:t>
+            </a:r>
+            <a:endParaRPr lang="en-US" dirty="0"/>
+          </a:p>
+        </p:txBody>
+      </p:sp>
+      <p:sp>
+        <p:nvSpPr>
+          <p:cNvPr id="5" name="Rectangle 5"/>
+          <p:cNvSpPr>
+            <a:spLocks noChangeArrowheads="1"/>
+          </p:cNvSpPr>
+          <p:nvPr/>
+        </p:nvSpPr>
+        <p:spPr bwMode="auto">
+          <a:xfrm>
+            <a:off x="758030" y="2261901"/>
+            <a:ext cx="10669588" cy="523220"/>
+          </a:xfrm>
+          <a:prstGeom prst="rect">
+            <a:avLst/>
+          </a:prstGeom>
+          <a:solidFill>
+            <a:schemeClr val="accent5">
+              <a:lumMod val="40000"/>
+              <a:lumOff val="60000"/>
+              <a:alpha val="20000"/>
+            </a:schemeClr>
+          </a:solidFill>
+          <a:ln w="12700">
+            <a:solidFill>
+              <a:schemeClr val="accent5">
+                <a:lumMod val="60000"/>
+                <a:lumOff val="40000"/>
+              </a:schemeClr>
+            </a:solidFill>
+          </a:ln>
+        </p:spPr>
+        <p:txBody>
+          <a:bodyPr wrap="square">
+            <a:spAutoFit/>
+          </a:bodyPr>
+          <a:lstStyle/>
+          <a:p>
+            <a:pPr eaLnBrk="0" hangingPunct="0">
+              <a:buClr>
+                <a:schemeClr val="accent5">
+                  <a:lumMod val="40000"/>
+                  <a:lumOff val="60000"/>
+                </a:schemeClr>
+              </a:buClr>
+              <a:buSzPct val="70000"/>
+            </a:pPr>
+            <a:r>
+              <a:rPr lang="en-US" sz="2800" b="1" noProof="1" smtClean="0">
+                <a:solidFill>
+                  <a:srgbClr val="FBEEDC"/>
+                </a:solidFill>
+                <a:effectLst>
+                  <a:outerShdw blurRad="38100" dist="38100" dir="2700000" algn="tl">
+                    <a:srgbClr val="000000">
+                      <a:alpha val="43137"/>
+                    </a:srgbClr>
+                  </a:outerShdw>
+                </a:effectLst>
+                <a:latin typeface="Consolas" pitchFamily="49" charset="0"/>
+                <a:cs typeface="Consolas" pitchFamily="49" charset="0"/>
+              </a:rPr>
+              <a:t>print(</a:t>
+            </a:r>
+            <a:r>
+              <a:rPr lang="en-US" sz="2800" b="1" noProof="1" smtClean="0">
+                <a:solidFill>
+                  <a:schemeClr val="tx2">
+                    <a:lumMod val="75000"/>
+                  </a:schemeClr>
+                </a:solidFill>
+                <a:effectLst>
+                  <a:outerShdw blurRad="38100" dist="38100" dir="2700000" algn="tl">
+                    <a:srgbClr val="000000">
+                      <a:alpha val="43137"/>
+                    </a:srgbClr>
+                  </a:outerShdw>
+                </a:effectLst>
+                <a:latin typeface="Consolas" pitchFamily="49" charset="0"/>
+                <a:cs typeface="Consolas" pitchFamily="49" charset="0"/>
+              </a:rPr>
+              <a:t>str(3) + ' + ' + str(5) + ' = ' + str(3 + 5)</a:t>
+            </a:r>
+            <a:r>
+              <a:rPr lang="en-US" sz="2800" b="1" noProof="1" smtClean="0">
+                <a:solidFill>
+                  <a:srgbClr val="FBEEDC"/>
+                </a:solidFill>
+                <a:effectLst>
+                  <a:outerShdw blurRad="38100" dist="38100" dir="2700000" algn="tl">
+                    <a:srgbClr val="000000">
+                      <a:alpha val="43137"/>
+                    </a:srgbClr>
+                  </a:outerShdw>
+                </a:effectLst>
+                <a:latin typeface="Consolas" pitchFamily="49" charset="0"/>
+                <a:cs typeface="Consolas" pitchFamily="49" charset="0"/>
+              </a:rPr>
+              <a:t>)</a:t>
+            </a:r>
+            <a:endParaRPr lang="en-US" sz="2800" b="1" noProof="1">
+              <a:solidFill>
+                <a:srgbClr val="FBEEDC"/>
+              </a:solidFill>
+              <a:effectLst>
+                <a:outerShdw blurRad="38100" dist="38100" dir="2700000" algn="tl">
+                  <a:srgbClr val="000000">
+                    <a:alpha val="43137"/>
+                  </a:srgbClr>
+                </a:outerShdw>
+              </a:effectLst>
+              <a:latin typeface="Consolas" pitchFamily="49" charset="0"/>
+              <a:cs typeface="Consolas" pitchFamily="49" charset="0"/>
+            </a:endParaRPr>
+          </a:p>
+        </p:txBody>
+      </p:sp>
+      <p:sp>
+        <p:nvSpPr>
+          <p:cNvPr id="6" name="Rectangle 5"/>
+          <p:cNvSpPr>
+            <a:spLocks noChangeArrowheads="1"/>
+          </p:cNvSpPr>
+          <p:nvPr/>
+        </p:nvSpPr>
+        <p:spPr bwMode="auto">
+          <a:xfrm>
+            <a:off x="758030" y="4724400"/>
+            <a:ext cx="10669588" cy="523220"/>
+          </a:xfrm>
+          <a:prstGeom prst="rect">
+            <a:avLst/>
+          </a:prstGeom>
+          <a:solidFill>
+            <a:schemeClr val="accent5">
+              <a:lumMod val="40000"/>
+              <a:lumOff val="60000"/>
+              <a:alpha val="20000"/>
+            </a:schemeClr>
+          </a:solidFill>
+          <a:ln w="12700">
+            <a:solidFill>
+              <a:schemeClr val="accent5">
+                <a:lumMod val="60000"/>
+                <a:lumOff val="40000"/>
+              </a:schemeClr>
+            </a:solidFill>
+          </a:ln>
+        </p:spPr>
+        <p:txBody>
+          <a:bodyPr wrap="square">
+            <a:spAutoFit/>
+          </a:bodyPr>
+          <a:lstStyle/>
+          <a:p>
+            <a:pPr eaLnBrk="0" hangingPunct="0">
+              <a:buClr>
+                <a:schemeClr val="accent5">
+                  <a:lumMod val="40000"/>
+                  <a:lumOff val="60000"/>
+                </a:schemeClr>
+              </a:buClr>
+              <a:buSzPct val="70000"/>
+            </a:pPr>
+            <a:r>
+              <a:rPr lang="en-US" sz="2800" b="1" noProof="1" smtClean="0">
+                <a:solidFill>
+                  <a:schemeClr val="tx2">
+                    <a:lumMod val="75000"/>
+                  </a:schemeClr>
+                </a:solidFill>
+                <a:effectLst>
+                  <a:outerShdw blurRad="38100" dist="38100" dir="2700000" algn="tl">
+                    <a:srgbClr val="000000">
+                      <a:alpha val="43137"/>
+                    </a:srgbClr>
+                  </a:outerShdw>
+                </a:effectLst>
+                <a:latin typeface="Consolas" pitchFamily="49" charset="0"/>
+                <a:cs typeface="Consolas" pitchFamily="49" charset="0"/>
+              </a:rPr>
+              <a:t>import</a:t>
+            </a:r>
+            <a:r>
+              <a:rPr lang="en-US" sz="2800" b="1" noProof="1" smtClean="0">
+                <a:solidFill>
+                  <a:srgbClr val="FBEEDC"/>
+                </a:solidFill>
+                <a:effectLst>
+                  <a:outerShdw blurRad="38100" dist="38100" dir="2700000" algn="tl">
+                    <a:srgbClr val="000000">
+                      <a:alpha val="43137"/>
+                    </a:srgbClr>
+                  </a:outerShdw>
+                </a:effectLst>
+                <a:latin typeface="Consolas" pitchFamily="49" charset="0"/>
+                <a:cs typeface="Consolas" pitchFamily="49" charset="0"/>
+              </a:rPr>
+              <a:t> math</a:t>
+            </a:r>
+            <a:endParaRPr lang="en-US" sz="2800" b="1" noProof="1">
+              <a:solidFill>
+                <a:srgbClr val="FBEEDC"/>
+              </a:solidFill>
+              <a:effectLst>
+                <a:outerShdw blurRad="38100" dist="38100" dir="2700000" algn="tl">
+                  <a:srgbClr val="000000">
+                    <a:alpha val="43137"/>
+                  </a:srgbClr>
+                </a:outerShdw>
+              </a:effectLst>
+              <a:latin typeface="Consolas" pitchFamily="49" charset="0"/>
+              <a:cs typeface="Consolas" pitchFamily="49" charset="0"/>
+            </a:endParaRPr>
+          </a:p>
+        </p:txBody>
+      </p:sp>
+    </p:spTree>
+    <p:extLst>
+      <p:ext uri="{BB962C8B-B14F-4D97-AF65-F5344CB8AC3E}">
+        <p14:creationId xmlns:p14="http://schemas.microsoft.com/office/powerpoint/2010/main" val="336935918"/>
+      </p:ext>
+    </p:extLst>
+  </p:cSld>
+  <p:clrMapOvr>
+    <a:masterClrMapping/>
+  </p:clrMapOvr>
+  <mc:AlternateContent xmlns:mc="http://schemas.openxmlformats.org/markup-compatibility/2006" xmlns:p14="http://schemas.microsoft.com/office/powerpoint/2010/main">
+    <mc:Choice Requires="p14">
+      <p:transition p14:dur="0"/>
+    </mc:Choice>
+    <mc:Fallback xmlns="">
+      <p:transition/>
+    </mc:Fallback>
+  </mc:AlternateContent>
+</p:sld>
+</file>
+
+<file path=ppt/slides/slide2.xml><?xml version="1.0" encoding="utf-8"?>
+<p:sld xmlns:a="http://schemas.openxmlformats.org/drawingml/2006/main" xmlns:r="http://schemas.openxmlformats.org/officeDocument/2006/relationships" xmlns:p="http://schemas.openxmlformats.org/presentationml/2006/main">
+  <p:cSld>
+    <p:spTree>
+      <p:nvGrpSpPr>
+        <p:cNvPr id="1" name=""/>
+        <p:cNvGrpSpPr/>
+        <p:nvPr/>
+      </p:nvGrpSpPr>
+      <p:grpSpPr>
+        <a:xfrm>
+          <a:off x="0" y="0"/>
+          <a:ext cx="0" cy="0"/>
+          <a:chOff x="0" y="0"/>
+          <a:chExt cx="0" cy="0"/>
+        </a:xfrm>
+      </p:grpSpPr>
+      <p:sp>
+        <p:nvSpPr>
+          <p:cNvPr id="444418" name="Rectangle 2"/>
+          <p:cNvSpPr>
+            <a:spLocks noGrp="1" noChangeArrowheads="1"/>
+          </p:cNvSpPr>
+          <p:nvPr>
+            <p:ph type="title"/>
+          </p:nvPr>
+        </p:nvSpPr>
+        <p:spPr/>
+        <p:txBody>
+          <a:bodyPr>
+            <a:normAutofit/>
+          </a:bodyPr>
+          <a:lstStyle/>
+          <a:p>
+            <a:r>
+              <a:rPr lang="bg-BG" dirty="0" smtClean="0"/>
+              <a:t>Съдържание</a:t>
+            </a:r>
+            <a:endParaRPr lang="bg-BG" dirty="0"/>
+          </a:p>
+        </p:txBody>
+      </p:sp>
+      <p:sp>
+        <p:nvSpPr>
+          <p:cNvPr id="444419" name="Rectangle 3"/>
+          <p:cNvSpPr>
+            <a:spLocks noGrp="1" noChangeArrowheads="1"/>
+          </p:cNvSpPr>
+          <p:nvPr>
+            <p:ph idx="4294967295"/>
+          </p:nvPr>
+        </p:nvSpPr>
+        <p:spPr>
+          <a:xfrm>
+            <a:off x="199712" y="1472033"/>
+            <a:ext cx="8097481" cy="4675933"/>
+          </a:xfrm>
+        </p:spPr>
+        <p:txBody>
+          <a:bodyPr>
+            <a:normAutofit/>
+          </a:bodyPr>
+          <a:lstStyle/>
+          <a:p>
+            <a:pPr marL="514350" lvl="0" indent="-514350">
+              <a:buFont typeface="+mj-lt"/>
+              <a:buAutoNum type="arabicPeriod"/>
+            </a:pPr>
+            <a:r>
+              <a:rPr lang="bg-BG" dirty="0"/>
+              <a:t>Четене на числа от конзолата</a:t>
+            </a:r>
+            <a:endParaRPr lang="en-US" dirty="0"/>
+          </a:p>
+          <a:p>
+            <a:pPr marL="514350" lvl="0" indent="-514350">
+              <a:buFont typeface="+mj-lt"/>
+              <a:buAutoNum type="arabicPeriod"/>
+            </a:pPr>
+            <a:r>
+              <a:rPr lang="bg-BG" dirty="0" smtClean="0"/>
+              <a:t>Променливи и типове данни</a:t>
+            </a:r>
+            <a:endParaRPr lang="en-US" dirty="0" smtClean="0"/>
+          </a:p>
+          <a:p>
+            <a:pPr marL="514350" lvl="0" indent="-514350">
+              <a:buFont typeface="+mj-lt"/>
+              <a:buAutoNum type="arabicPeriod"/>
+            </a:pPr>
+            <a:r>
+              <a:rPr lang="bg-BG" dirty="0" smtClean="0"/>
+              <a:t>Печатане </a:t>
+            </a:r>
+            <a:r>
+              <a:rPr lang="bg-BG" dirty="0"/>
+              <a:t>на числа на конзолата</a:t>
+            </a:r>
+            <a:endParaRPr lang="en-US" dirty="0"/>
+          </a:p>
+          <a:p>
+            <a:pPr marL="514350" indent="-514350">
+              <a:buFont typeface="+mj-lt"/>
+              <a:buAutoNum type="arabicPeriod"/>
+            </a:pPr>
+            <a:r>
+              <a:rPr lang="bg-BG" dirty="0"/>
+              <a:t>Прости аритметични </a:t>
+            </a:r>
+            <a:r>
+              <a:rPr lang="bg-BG" dirty="0" smtClean="0"/>
+              <a:t>операции</a:t>
+            </a:r>
+            <a:endParaRPr lang="en-US" dirty="0" smtClean="0"/>
+          </a:p>
+          <a:p>
+            <a:pPr marL="723900" lvl="1" indent="-368300"/>
+            <a:r>
+              <a:rPr lang="bg-BG" dirty="0" smtClean="0"/>
+              <a:t>Събиране, изваждане, умножение, деление, съединяване на низ</a:t>
+            </a:r>
+            <a:endParaRPr lang="en-US" dirty="0"/>
+          </a:p>
+          <a:p>
+            <a:pPr marL="514350" lvl="0" indent="-514350">
+              <a:buFont typeface="+mj-lt"/>
+              <a:buAutoNum type="arabicPeriod"/>
+            </a:pPr>
+            <a:r>
+              <a:rPr lang="bg-BG" dirty="0" smtClean="0"/>
+              <a:t>Задачи </a:t>
+            </a:r>
+            <a:r>
+              <a:rPr lang="bg-BG" dirty="0"/>
+              <a:t>с прости пресмятания с </a:t>
+            </a:r>
+            <a:r>
+              <a:rPr lang="bg-BG" dirty="0" smtClean="0"/>
+              <a:t>числа</a:t>
+            </a:r>
+            <a:endParaRPr lang="en-US" dirty="0"/>
+          </a:p>
+        </p:txBody>
+      </p:sp>
+      <p:sp>
+        <p:nvSpPr>
+          <p:cNvPr id="2" name="Slide Number Placeholder 1"/>
+          <p:cNvSpPr>
+            <a:spLocks noGrp="1"/>
+          </p:cNvSpPr>
+          <p:nvPr>
+            <p:ph type="sldNum" sz="quarter" idx="4"/>
+          </p:nvPr>
+        </p:nvSpPr>
+        <p:spPr>
+          <a:xfrm>
+            <a:off x="11566412" y="6525002"/>
+            <a:ext cx="428822" cy="196477"/>
+          </a:xfrm>
+        </p:spPr>
+        <p:txBody>
+          <a:bodyPr/>
+          <a:lstStyle/>
+          <a:p>
+            <a:fld id="{C014DD1E-5D91-48A3-AD6D-45FBA980D106}" type="slidenum">
+              <a:rPr lang="en-US" smtClean="0"/>
+              <a:pPr/>
+              <a:t>2</a:t>
+            </a:fld>
+            <a:endParaRPr lang="en-US" dirty="0"/>
+          </a:p>
+        </p:txBody>
+      </p:sp>
+      <p:pic>
+        <p:nvPicPr>
+          <p:cNvPr id="4" name="Picture 3"/>
+          <p:cNvPicPr>
+            <a:picLocks noChangeAspect="1"/>
+          </p:cNvPicPr>
+          <p:nvPr/>
+        </p:nvPicPr>
+        <p:blipFill>
+          <a:blip r:embed="rId3"/>
+          <a:stretch>
+            <a:fillRect/>
+          </a:stretch>
+        </p:blipFill>
+        <p:spPr>
+          <a:xfrm>
+            <a:off x="8287895" y="1752600"/>
+            <a:ext cx="3191183" cy="4114800"/>
+          </a:xfrm>
+          <a:prstGeom prst="rect">
+            <a:avLst/>
+          </a:prstGeom>
+        </p:spPr>
+      </p:pic>
+    </p:spTree>
+    <p:extLst>
+      <p:ext uri="{BB962C8B-B14F-4D97-AF65-F5344CB8AC3E}">
+        <p14:creationId xmlns:p14="http://schemas.microsoft.com/office/powerpoint/2010/main" val="1646986932"/>
+      </p:ext>
+    </p:extLst>
+  </p:cSld>
+  <p:clrMapOvr>
+    <a:masterClrMapping/>
+  </p:clrMapOvr>
+  <mc:AlternateContent xmlns:mc="http://schemas.openxmlformats.org/markup-compatibility/2006" xmlns:p14="http://schemas.microsoft.com/office/powerpoint/2010/main">
+    <mc:Choice Requires="p14">
+      <p:transition p14:dur="0"/>
+    </mc:Choice>
+    <mc:Fallback xmlns="">
+      <p:transition/>
+    </mc:Fallback>
+  </mc:AlternateContent>
+  <p:timing>
+    <p:tnLst>
+      <p:par>
+        <p:cTn id="1" dur="indefinite" restart="never" nodeType="tmRoot"/>
+      </p:par>
+    </p:tnLst>
+  </p:timing>
+</p:sld>
+</file>
+
+<file path=ppt/slides/slide20.xml><?xml version="1.0" encoding="utf-8"?>
 <p:sld xmlns:a="http://schemas.openxmlformats.org/drawingml/2006/main" xmlns:r="http://schemas.openxmlformats.org/officeDocument/2006/relationships" xmlns:p="http://schemas.openxmlformats.org/presentationml/2006/main">
   <p:cSld>
     <p:spTree>
@@ -11757,7 +12881,7 @@
 </p:sld>
 </file>
 
-<file path=ppt/slides/slide19.xml><?xml version="1.0" encoding="utf-8"?>
+<file path=ppt/slides/slide21.xml><?xml version="1.0" encoding="utf-8"?>
 <p:sld xmlns:a="http://schemas.openxmlformats.org/drawingml/2006/main" xmlns:r="http://schemas.openxmlformats.org/officeDocument/2006/relationships" xmlns:p="http://schemas.openxmlformats.org/presentationml/2006/main">
   <p:cSld>
     <p:spTree>
@@ -11792,7 +12916,7 @@
             <a:fld id="{C014DD1E-5D91-48A3-AD6D-45FBA980D106}" type="slidenum">
               <a:rPr lang="en-US" smtClean="0"/>
               <a:pPr/>
-              <a:t>19</a:t>
+              <a:t>21</a:t>
             </a:fld>
             <a:endParaRPr lang="en-US" dirty="0"/>
           </a:p>
@@ -12087,232 +13211,7 @@
 </p:sld>
 </file>
 
-<file path=ppt/slides/slide2.xml><?xml version="1.0" encoding="utf-8"?>
-<p:sld xmlns:a="http://schemas.openxmlformats.org/drawingml/2006/main" xmlns:r="http://schemas.openxmlformats.org/officeDocument/2006/relationships" xmlns:p="http://schemas.openxmlformats.org/presentationml/2006/main">
-  <p:cSld>
-    <p:spTree>
-      <p:nvGrpSpPr>
-        <p:cNvPr id="1" name=""/>
-        <p:cNvGrpSpPr/>
-        <p:nvPr/>
-      </p:nvGrpSpPr>
-      <p:grpSpPr>
-        <a:xfrm>
-          <a:off x="0" y="0"/>
-          <a:ext cx="0" cy="0"/>
-          <a:chOff x="0" y="0"/>
-          <a:chExt cx="0" cy="0"/>
-        </a:xfrm>
-      </p:grpSpPr>
-      <p:sp>
-        <p:nvSpPr>
-          <p:cNvPr id="444418" name="Rectangle 2"/>
-          <p:cNvSpPr>
-            <a:spLocks noGrp="1" noChangeArrowheads="1"/>
-          </p:cNvSpPr>
-          <p:nvPr>
-            <p:ph type="title"/>
-          </p:nvPr>
-        </p:nvSpPr>
-        <p:spPr/>
-        <p:txBody>
-          <a:bodyPr>
-            <a:normAutofit/>
-          </a:bodyPr>
-          <a:lstStyle/>
-          <a:p>
-            <a:r>
-              <a:rPr lang="bg-BG" dirty="0" smtClean="0"/>
-              <a:t>Съдържание</a:t>
-            </a:r>
-            <a:endParaRPr lang="bg-BG" dirty="0"/>
-          </a:p>
-        </p:txBody>
-      </p:sp>
-      <p:sp>
-        <p:nvSpPr>
-          <p:cNvPr id="444419" name="Rectangle 3"/>
-          <p:cNvSpPr>
-            <a:spLocks noGrp="1" noChangeArrowheads="1"/>
-          </p:cNvSpPr>
-          <p:nvPr>
-            <p:ph idx="4294967295"/>
-          </p:nvPr>
-        </p:nvSpPr>
-        <p:spPr>
-          <a:xfrm>
-            <a:off x="199712" y="1472033"/>
-            <a:ext cx="8097481" cy="4675933"/>
-          </a:xfrm>
-        </p:spPr>
-        <p:txBody>
-          <a:bodyPr>
-            <a:normAutofit/>
-          </a:bodyPr>
-          <a:lstStyle/>
-          <a:p>
-            <a:pPr marL="514350" lvl="0" indent="-514350">
-              <a:buFont typeface="+mj-lt"/>
-              <a:buAutoNum type="arabicPeriod"/>
-            </a:pPr>
-            <a:r>
-              <a:rPr lang="bg-BG" dirty="0"/>
-              <a:t>Четене на числа от конзолата</a:t>
-            </a:r>
-            <a:endParaRPr lang="en-US" dirty="0"/>
-          </a:p>
-          <a:p>
-            <a:pPr marL="514350" lvl="0" indent="-514350">
-              <a:buFont typeface="+mj-lt"/>
-              <a:buAutoNum type="arabicPeriod"/>
-            </a:pPr>
-            <a:r>
-              <a:rPr lang="bg-BG" dirty="0" smtClean="0"/>
-              <a:t>Променливи и типове данни</a:t>
-            </a:r>
-            <a:endParaRPr lang="en-US" dirty="0" smtClean="0"/>
-          </a:p>
-          <a:p>
-            <a:pPr marL="514350" lvl="0" indent="-514350">
-              <a:buFont typeface="+mj-lt"/>
-              <a:buAutoNum type="arabicPeriod"/>
-            </a:pPr>
-            <a:r>
-              <a:rPr lang="bg-BG" dirty="0" smtClean="0"/>
-              <a:t>Печатане </a:t>
-            </a:r>
-            <a:r>
-              <a:rPr lang="bg-BG" dirty="0"/>
-              <a:t>на числа на конзолата</a:t>
-            </a:r>
-            <a:endParaRPr lang="en-US" dirty="0"/>
-          </a:p>
-          <a:p>
-            <a:pPr marL="514350" indent="-514350">
-              <a:buFont typeface="+mj-lt"/>
-              <a:buAutoNum type="arabicPeriod"/>
-            </a:pPr>
-            <a:r>
-              <a:rPr lang="bg-BG" dirty="0"/>
-              <a:t>Прости аритметични </a:t>
-            </a:r>
-            <a:r>
-              <a:rPr lang="bg-BG" dirty="0" smtClean="0"/>
-              <a:t>операции</a:t>
-            </a:r>
-            <a:endParaRPr lang="en-US" dirty="0" smtClean="0"/>
-          </a:p>
-          <a:p>
-            <a:pPr marL="723900" lvl="1" indent="-368300"/>
-            <a:r>
-              <a:rPr lang="bg-BG" dirty="0" smtClean="0"/>
-              <a:t>Събиране, изваждане, умножение, деление, съединяване на низ</a:t>
-            </a:r>
-            <a:endParaRPr lang="en-US" dirty="0"/>
-          </a:p>
-          <a:p>
-            <a:pPr marL="514350" lvl="0" indent="-514350">
-              <a:buFont typeface="+mj-lt"/>
-              <a:buAutoNum type="arabicPeriod"/>
-            </a:pPr>
-            <a:r>
-              <a:rPr lang="bg-BG" dirty="0" smtClean="0"/>
-              <a:t>Задачи </a:t>
-            </a:r>
-            <a:r>
-              <a:rPr lang="bg-BG" dirty="0"/>
-              <a:t>с прости пресмятания с </a:t>
-            </a:r>
-            <a:r>
-              <a:rPr lang="bg-BG" dirty="0" smtClean="0"/>
-              <a:t>числа</a:t>
-            </a:r>
-            <a:endParaRPr lang="en-US" dirty="0"/>
-          </a:p>
-        </p:txBody>
-      </p:sp>
-      <p:sp>
-        <p:nvSpPr>
-          <p:cNvPr id="2" name="Slide Number Placeholder 1"/>
-          <p:cNvSpPr>
-            <a:spLocks noGrp="1"/>
-          </p:cNvSpPr>
-          <p:nvPr>
-            <p:ph type="sldNum" sz="quarter" idx="4"/>
-          </p:nvPr>
-        </p:nvSpPr>
-        <p:spPr>
-          <a:xfrm>
-            <a:off x="11566412" y="6525002"/>
-            <a:ext cx="428822" cy="196477"/>
-          </a:xfrm>
-        </p:spPr>
-        <p:txBody>
-          <a:bodyPr/>
-          <a:lstStyle/>
-          <a:p>
-            <a:fld id="{C014DD1E-5D91-48A3-AD6D-45FBA980D106}" type="slidenum">
-              <a:rPr lang="en-US" smtClean="0"/>
-              <a:pPr/>
-              <a:t>2</a:t>
-            </a:fld>
-            <a:endParaRPr lang="en-US" dirty="0"/>
-          </a:p>
-        </p:txBody>
-      </p:sp>
-      <p:pic>
-        <p:nvPicPr>
-          <p:cNvPr id="4" name="Picture 3"/>
-          <p:cNvPicPr>
-            <a:picLocks noChangeAspect="1"/>
-          </p:cNvPicPr>
-          <p:nvPr/>
-        </p:nvPicPr>
-        <p:blipFill>
-          <a:blip r:embed="rId3"/>
-          <a:stretch>
-            <a:fillRect/>
-          </a:stretch>
-        </p:blipFill>
-        <p:spPr>
-          <a:xfrm>
-            <a:off x="8287895" y="1752600"/>
-            <a:ext cx="3191183" cy="4114800"/>
-          </a:xfrm>
-          <a:prstGeom prst="rect">
-            <a:avLst/>
-          </a:prstGeom>
-        </p:spPr>
-      </p:pic>
-    </p:spTree>
-    <p:extLst>
-      <p:ext uri="{BB962C8B-B14F-4D97-AF65-F5344CB8AC3E}">
-        <p14:creationId xmlns:p14="http://schemas.microsoft.com/office/powerpoint/2010/main" val="1646986932"/>
-      </p:ext>
-    </p:extLst>
-  </p:cSld>
-  <p:clrMapOvr>
-    <a:masterClrMapping/>
-  </p:clrMapOvr>
-  <mc:AlternateContent xmlns:mc="http://schemas.openxmlformats.org/markup-compatibility/2006" xmlns:p14="http://schemas.microsoft.com/office/powerpoint/2010/main">
-    <mc:Choice Requires="p14">
-      <p:transition p14:dur="0"/>
-    </mc:Choice>
-    <mc:Fallback xmlns="">
-      <p:transition/>
-    </mc:Fallback>
-  </mc:AlternateContent>
-  <p:timing>
-    <p:tnLst>
-      <p:par>
-        <p:cTn id="1" dur="indefinite" restart="never" nodeType="tmRoot"/>
-      </p:par>
-    </p:tnLst>
-  </p:timing>
-</p:sld>
-</file>
-
-<file path=ppt/slides/slide20.xml><?xml version="1.0" encoding="utf-8"?>
+<file path=ppt/slides/slide22.xml><?xml version="1.0" encoding="utf-8"?>
 <p:sld xmlns:a="http://schemas.openxmlformats.org/drawingml/2006/main" xmlns:r="http://schemas.openxmlformats.org/officeDocument/2006/relationships" xmlns:p="http://schemas.openxmlformats.org/presentationml/2006/main">
   <p:cSld>
     <p:spTree>
@@ -15728,7 +16627,7 @@
                 <a:latin typeface="Consolas" pitchFamily="49" charset="0"/>
                 <a:cs typeface="Consolas" pitchFamily="49" charset="0"/>
               </a:rPr>
-              <a:t>()</a:t>
+              <a:t>('Some text…')</a:t>
             </a:r>
             <a:endParaRPr lang="nn-NO" sz="2800" b="1" noProof="1">
               <a:solidFill>
